--- a/Steve/Presentations/ErnieMiletaPresentation/ErnieMiletaPresentation.pptx
+++ b/Steve/Presentations/ErnieMiletaPresentation/ErnieMiletaPresentation.pptx
@@ -5,30 +5,31 @@
     <p:sldMasterId id="2147483648" r:id="rId1"/>
   </p:sldMasterIdLst>
   <p:notesMasterIdLst>
-    <p:notesMasterId r:id="rId23"/>
+    <p:notesMasterId r:id="rId24"/>
   </p:notesMasterIdLst>
   <p:sldIdLst>
     <p:sldId id="259" r:id="rId2"/>
     <p:sldId id="288" r:id="rId3"/>
     <p:sldId id="277" r:id="rId4"/>
-    <p:sldId id="269" r:id="rId5"/>
-    <p:sldId id="274" r:id="rId6"/>
-    <p:sldId id="260" r:id="rId7"/>
-    <p:sldId id="279" r:id="rId8"/>
-    <p:sldId id="278" r:id="rId9"/>
-    <p:sldId id="270" r:id="rId10"/>
-    <p:sldId id="286" r:id="rId11"/>
-    <p:sldId id="275" r:id="rId12"/>
-    <p:sldId id="287" r:id="rId13"/>
-    <p:sldId id="284" r:id="rId14"/>
-    <p:sldId id="285" r:id="rId15"/>
-    <p:sldId id="265" r:id="rId16"/>
-    <p:sldId id="266" r:id="rId17"/>
-    <p:sldId id="271" r:id="rId18"/>
-    <p:sldId id="281" r:id="rId19"/>
-    <p:sldId id="272" r:id="rId20"/>
-    <p:sldId id="267" r:id="rId21"/>
-    <p:sldId id="264" r:id="rId22"/>
+    <p:sldId id="289" r:id="rId5"/>
+    <p:sldId id="269" r:id="rId6"/>
+    <p:sldId id="274" r:id="rId7"/>
+    <p:sldId id="260" r:id="rId8"/>
+    <p:sldId id="279" r:id="rId9"/>
+    <p:sldId id="278" r:id="rId10"/>
+    <p:sldId id="270" r:id="rId11"/>
+    <p:sldId id="286" r:id="rId12"/>
+    <p:sldId id="275" r:id="rId13"/>
+    <p:sldId id="287" r:id="rId14"/>
+    <p:sldId id="284" r:id="rId15"/>
+    <p:sldId id="285" r:id="rId16"/>
+    <p:sldId id="265" r:id="rId17"/>
+    <p:sldId id="266" r:id="rId18"/>
+    <p:sldId id="271" r:id="rId19"/>
+    <p:sldId id="281" r:id="rId20"/>
+    <p:sldId id="272" r:id="rId21"/>
+    <p:sldId id="267" r:id="rId22"/>
+    <p:sldId id="264" r:id="rId23"/>
   </p:sldIdLst>
   <p:sldSz cx="12192000" cy="6858000"/>
   <p:notesSz cx="6858000" cy="9144000"/>
@@ -221,7 +222,7 @@
           <a:p>
             <a:fld id="{AF4746CF-939B-45BB-99B6-DDBAB7647148}" type="datetimeFigureOut">
               <a:rPr lang="en-CA" smtClean="0"/>
-              <a:t>2018-01-23</a:t>
+              <a:t>2018-01-24</a:t>
             </a:fld>
             <a:endParaRPr lang="en-CA"/>
           </a:p>
@@ -2277,6 +2278,195 @@
           <p:cNvPr id="2" name="Title 1">
             <a:extLst>
               <a:ext uri="{FF2B5EF4-FFF2-40B4-BE49-F238E27FC236}">
+                <a16:creationId xmlns:a16="http://schemas.microsoft.com/office/drawing/2014/main" id="{6EECDBDE-74B2-479D-92D4-F9FF28E23439}"/>
+              </a:ext>
+            </a:extLst>
+          </p:cNvPr>
+          <p:cNvSpPr>
+            <a:spLocks noGrp="1"/>
+          </p:cNvSpPr>
+          <p:nvPr>
+            <p:ph type="title"/>
+          </p:nvPr>
+        </p:nvSpPr>
+        <p:spPr/>
+        <p:txBody>
+          <a:bodyPr/>
+          <a:lstStyle/>
+          <a:p>
+            <a:r>
+              <a:rPr lang="en-US" dirty="0" err="1"/>
+              <a:t>GlassBR</a:t>
+            </a:r>
+            <a:r>
+              <a:rPr lang="en-US" dirty="0"/>
+              <a:t> Case Study</a:t>
+            </a:r>
+          </a:p>
+        </p:txBody>
+      </p:sp>
+      <p:sp>
+        <p:nvSpPr>
+          <p:cNvPr id="3" name="Content Placeholder 2">
+            <a:extLst>
+              <a:ext uri="{FF2B5EF4-FFF2-40B4-BE49-F238E27FC236}">
+                <a16:creationId xmlns:a16="http://schemas.microsoft.com/office/drawing/2014/main" id="{8667FE76-3AD4-43FB-9FDB-93327206E73D}"/>
+              </a:ext>
+            </a:extLst>
+          </p:cNvPr>
+          <p:cNvSpPr>
+            <a:spLocks noGrp="1"/>
+          </p:cNvSpPr>
+          <p:nvPr>
+            <p:ph idx="1"/>
+          </p:nvPr>
+        </p:nvSpPr>
+        <p:spPr/>
+        <p:txBody>
+          <a:bodyPr/>
+          <a:lstStyle/>
+          <a:p>
+            <a:r>
+              <a:rPr lang="en-US" dirty="0" err="1"/>
+              <a:t>GlassBR</a:t>
+            </a:r>
+            <a:r>
+              <a:rPr lang="en-US" dirty="0"/>
+              <a:t>:</a:t>
+            </a:r>
+          </a:p>
+          <a:p>
+            <a:pPr lvl="2"/>
+            <a:r>
+              <a:rPr lang="en-US" dirty="0"/>
+              <a:t>Computes whether a given plate of glass will resist a blast force </a:t>
+            </a:r>
+          </a:p>
+          <a:p>
+            <a:pPr lvl="2"/>
+            <a:r>
+              <a:rPr lang="en-US" dirty="0"/>
+              <a:t>Small:  ~200 lines</a:t>
+            </a:r>
+          </a:p>
+          <a:p>
+            <a:pPr lvl="2"/>
+            <a:r>
+              <a:rPr lang="en-US" dirty="0"/>
+              <a:t>Simple:  Input -&gt; Calculations -&gt; Output</a:t>
+            </a:r>
+          </a:p>
+          <a:p>
+            <a:pPr lvl="2"/>
+            <a:r>
+              <a:rPr lang="en-US" dirty="0"/>
+              <a:t>Good starting point for developing code generation in </a:t>
+            </a:r>
+            <a:r>
+              <a:rPr lang="en-US" dirty="0" err="1"/>
+              <a:t>Drasil</a:t>
+            </a:r>
+            <a:endParaRPr lang="en-US" dirty="0"/>
+          </a:p>
+          <a:p>
+            <a:pPr lvl="2"/>
+            <a:endParaRPr lang="en-US" dirty="0"/>
+          </a:p>
+          <a:p>
+            <a:r>
+              <a:rPr lang="en-US" dirty="0"/>
+              <a:t>Currently able to generate complete working code for </a:t>
+            </a:r>
+            <a:r>
+              <a:rPr lang="en-US" dirty="0" err="1"/>
+              <a:t>GlassBR</a:t>
+            </a:r>
+            <a:endParaRPr lang="en-US" dirty="0"/>
+          </a:p>
+          <a:p>
+            <a:pPr lvl="2"/>
+            <a:r>
+              <a:rPr lang="en-US" dirty="0"/>
+              <a:t>C++, C#, Java, and Python!</a:t>
+            </a:r>
+          </a:p>
+          <a:p>
+            <a:pPr marL="0" indent="0">
+              <a:buNone/>
+            </a:pPr>
+            <a:endParaRPr lang="en-US" dirty="0"/>
+          </a:p>
+          <a:p>
+            <a:pPr lvl="2"/>
+            <a:endParaRPr lang="en-US" dirty="0"/>
+          </a:p>
+        </p:txBody>
+      </p:sp>
+      <p:sp>
+        <p:nvSpPr>
+          <p:cNvPr id="4" name="Slide Number Placeholder 3">
+            <a:extLst>
+              <a:ext uri="{FF2B5EF4-FFF2-40B4-BE49-F238E27FC236}">
+                <a16:creationId xmlns:a16="http://schemas.microsoft.com/office/drawing/2014/main" id="{4022A9A1-DCF7-4CF1-A6D7-67750FD6357F}"/>
+              </a:ext>
+            </a:extLst>
+          </p:cNvPr>
+          <p:cNvSpPr>
+            <a:spLocks noGrp="1"/>
+          </p:cNvSpPr>
+          <p:nvPr>
+            <p:ph type="sldNum" sz="quarter" idx="12"/>
+          </p:nvPr>
+        </p:nvSpPr>
+        <p:spPr/>
+        <p:txBody>
+          <a:bodyPr/>
+          <a:lstStyle/>
+          <a:p>
+            <a:fld id="{D57F1E4F-1CFF-5643-939E-217C01CDF565}" type="slidenum">
+              <a:rPr lang="en-US" smtClean="0"/>
+              <a:pPr/>
+              <a:t>9</a:t>
+            </a:fld>
+            <a:endParaRPr lang="en-US" dirty="0"/>
+          </a:p>
+        </p:txBody>
+      </p:sp>
+    </p:spTree>
+    <p:extLst>
+      <p:ext uri="{BB962C8B-B14F-4D97-AF65-F5344CB8AC3E}">
+        <p14:creationId xmlns:p14="http://schemas.microsoft.com/office/powerpoint/2010/main" val="2633479241"/>
+      </p:ext>
+    </p:extLst>
+  </p:cSld>
+  <p:clrMapOvr>
+    <a:masterClrMapping/>
+  </p:clrMapOvr>
+</p:sld>
+</file>
+
+<file path=ppt/slides/slide11.xml><?xml version="1.0" encoding="utf-8"?>
+<p:sld xmlns:a="http://schemas.openxmlformats.org/drawingml/2006/main" xmlns:r="http://schemas.openxmlformats.org/officeDocument/2006/relationships" xmlns:p="http://schemas.openxmlformats.org/presentationml/2006/main">
+  <p:cSld>
+    <p:spTree>
+      <p:nvGrpSpPr>
+        <p:cNvPr id="1" name=""/>
+        <p:cNvGrpSpPr/>
+        <p:nvPr/>
+      </p:nvGrpSpPr>
+      <p:grpSpPr>
+        <a:xfrm>
+          <a:off x="0" y="0"/>
+          <a:ext cx="0" cy="0"/>
+          <a:chOff x="0" y="0"/>
+          <a:chExt cx="0" cy="0"/>
+        </a:xfrm>
+      </p:grpSpPr>
+      <p:sp>
+        <p:nvSpPr>
+          <p:cNvPr id="2" name="Title 1">
+            <a:extLst>
+              <a:ext uri="{FF2B5EF4-FFF2-40B4-BE49-F238E27FC236}">
                 <a16:creationId xmlns:a16="http://schemas.microsoft.com/office/drawing/2014/main" id="{3A88E61A-8604-444E-9FB6-C89396EAD8F5}"/>
               </a:ext>
             </a:extLst>
@@ -2324,7 +2514,7 @@
             <a:fld id="{D57F1E4F-1CFF-5643-939E-217C01CDF565}" type="slidenum">
               <a:rPr lang="en-US" smtClean="0"/>
               <a:pPr/>
-              <a:t>9</a:t>
+              <a:t>10</a:t>
             </a:fld>
             <a:endParaRPr lang="en-US" dirty="0"/>
           </a:p>
@@ -2364,646 +2554,6 @@
     <p:extLst>
       <p:ext uri="{BB962C8B-B14F-4D97-AF65-F5344CB8AC3E}">
         <p14:creationId xmlns:p14="http://schemas.microsoft.com/office/powerpoint/2010/main" val="2786218228"/>
-      </p:ext>
-    </p:extLst>
-  </p:cSld>
-  <p:clrMapOvr>
-    <a:masterClrMapping/>
-  </p:clrMapOvr>
-</p:sld>
-</file>
-
-<file path=ppt/slides/slide11.xml><?xml version="1.0" encoding="utf-8"?>
-<p:sld xmlns:a="http://schemas.openxmlformats.org/drawingml/2006/main" xmlns:r="http://schemas.openxmlformats.org/officeDocument/2006/relationships" xmlns:p="http://schemas.openxmlformats.org/presentationml/2006/main">
-  <p:cSld>
-    <p:spTree>
-      <p:nvGrpSpPr>
-        <p:cNvPr id="1" name=""/>
-        <p:cNvGrpSpPr/>
-        <p:nvPr/>
-      </p:nvGrpSpPr>
-      <p:grpSpPr>
-        <a:xfrm>
-          <a:off x="0" y="0"/>
-          <a:ext cx="0" cy="0"/>
-          <a:chOff x="0" y="0"/>
-          <a:chExt cx="0" cy="0"/>
-        </a:xfrm>
-      </p:grpSpPr>
-      <p:sp>
-        <p:nvSpPr>
-          <p:cNvPr id="2" name="Title 1">
-            <a:extLst>
-              <a:ext uri="{FF2B5EF4-FFF2-40B4-BE49-F238E27FC236}">
-                <a16:creationId xmlns:a16="http://schemas.microsoft.com/office/drawing/2014/main" id="{47E81F33-BCEC-4916-9A82-BD5D6D28BD43}"/>
-              </a:ext>
-            </a:extLst>
-          </p:cNvPr>
-          <p:cNvSpPr>
-            <a:spLocks noGrp="1"/>
-          </p:cNvSpPr>
-          <p:nvPr>
-            <p:ph type="title"/>
-          </p:nvPr>
-        </p:nvSpPr>
-        <p:spPr/>
-        <p:txBody>
-          <a:bodyPr/>
-          <a:lstStyle/>
-          <a:p>
-            <a:r>
-              <a:rPr lang="en-US" dirty="0"/>
-              <a:t>Risk of Failure:  </a:t>
-            </a:r>
-            <a:r>
-              <a:rPr lang="en-US" dirty="0" err="1"/>
-              <a:t>Drasil</a:t>
-            </a:r>
-            <a:r>
-              <a:rPr lang="en-US" dirty="0"/>
-              <a:t> Code</a:t>
-            </a:r>
-          </a:p>
-        </p:txBody>
-      </p:sp>
-      <p:sp>
-        <p:nvSpPr>
-          <p:cNvPr id="4" name="Slide Number Placeholder 3">
-            <a:extLst>
-              <a:ext uri="{FF2B5EF4-FFF2-40B4-BE49-F238E27FC236}">
-                <a16:creationId xmlns:a16="http://schemas.microsoft.com/office/drawing/2014/main" id="{64466E60-A14F-44FF-ACC6-9CD06D0163E9}"/>
-              </a:ext>
-            </a:extLst>
-          </p:cNvPr>
-          <p:cNvSpPr>
-            <a:spLocks noGrp="1"/>
-          </p:cNvSpPr>
-          <p:nvPr>
-            <p:ph type="sldNum" sz="quarter" idx="12"/>
-          </p:nvPr>
-        </p:nvSpPr>
-        <p:spPr/>
-        <p:txBody>
-          <a:bodyPr/>
-          <a:lstStyle/>
-          <a:p>
-            <a:fld id="{D57F1E4F-1CFF-5643-939E-217C01CDF565}" type="slidenum">
-              <a:rPr lang="en-US" smtClean="0"/>
-              <a:pPr/>
-              <a:t>10</a:t>
-            </a:fld>
-            <a:endParaRPr lang="en-US" dirty="0"/>
-          </a:p>
-        </p:txBody>
-      </p:sp>
-      <p:sp>
-        <p:nvSpPr>
-          <p:cNvPr id="5" name="Content Placeholder 2">
-            <a:extLst>
-              <a:ext uri="{FF2B5EF4-FFF2-40B4-BE49-F238E27FC236}">
-                <a16:creationId xmlns:a16="http://schemas.microsoft.com/office/drawing/2014/main" id="{023E7BB1-5657-465C-9F76-F6E59FBC7E9F}"/>
-              </a:ext>
-            </a:extLst>
-          </p:cNvPr>
-          <p:cNvSpPr txBox="1">
-            <a:spLocks/>
-          </p:cNvSpPr>
-          <p:nvPr/>
-        </p:nvSpPr>
-        <p:spPr>
-          <a:xfrm>
-            <a:off x="789987" y="2907763"/>
-            <a:ext cx="10609936" cy="2388138"/>
-          </a:xfrm>
-          <a:prstGeom prst="rect">
-            <a:avLst/>
-          </a:prstGeom>
-        </p:spPr>
-        <p:txBody>
-          <a:bodyPr vert="horz" lIns="91440" tIns="45720" rIns="91440" bIns="45720" rtlCol="0" anchor="t">
-            <a:noAutofit/>
-          </a:bodyPr>
-          <a:lstStyle>
-            <a:lvl1pPr marL="306000" indent="-306000" algn="l" defTabSz="457200" rtl="0" eaLnBrk="1" latinLnBrk="0" hangingPunct="1">
-              <a:spcBef>
-                <a:spcPct val="20000"/>
-              </a:spcBef>
-              <a:spcAft>
-                <a:spcPts val="600"/>
-              </a:spcAft>
-              <a:buClr>
-                <a:schemeClr val="accent2"/>
-              </a:buClr>
-              <a:buSzPct val="92000"/>
-              <a:buFont typeface="Wingdings 2" panose="05020102010507070707" pitchFamily="18" charset="2"/>
-              <a:buChar char=""/>
-              <a:defRPr sz="2800" kern="1200">
-                <a:solidFill>
-                  <a:schemeClr val="tx2"/>
-                </a:solidFill>
-                <a:latin typeface="+mn-lt"/>
-                <a:ea typeface="+mn-ea"/>
-                <a:cs typeface="+mn-cs"/>
-              </a:defRPr>
-            </a:lvl1pPr>
-            <a:lvl2pPr marL="630000" indent="-306000" algn="l" defTabSz="457200" rtl="0" eaLnBrk="1" latinLnBrk="0" hangingPunct="1">
-              <a:spcBef>
-                <a:spcPct val="20000"/>
-              </a:spcBef>
-              <a:spcAft>
-                <a:spcPts val="600"/>
-              </a:spcAft>
-              <a:buClr>
-                <a:schemeClr val="accent2"/>
-              </a:buClr>
-              <a:buSzPct val="92000"/>
-              <a:buFont typeface="Wingdings 2" panose="05020102010507070707" pitchFamily="18" charset="2"/>
-              <a:buChar char=""/>
-              <a:defRPr sz="2400" kern="1200">
-                <a:solidFill>
-                  <a:schemeClr val="tx2"/>
-                </a:solidFill>
-                <a:latin typeface="+mn-lt"/>
-                <a:ea typeface="+mn-ea"/>
-                <a:cs typeface="+mn-cs"/>
-              </a:defRPr>
-            </a:lvl2pPr>
-            <a:lvl3pPr marL="900000" indent="-270000" algn="l" defTabSz="457200" rtl="0" eaLnBrk="1" latinLnBrk="0" hangingPunct="1">
-              <a:spcBef>
-                <a:spcPct val="20000"/>
-              </a:spcBef>
-              <a:spcAft>
-                <a:spcPts val="600"/>
-              </a:spcAft>
-              <a:buClr>
-                <a:schemeClr val="accent2"/>
-              </a:buClr>
-              <a:buSzPct val="92000"/>
-              <a:buFont typeface="Wingdings 2" panose="05020102010507070707" pitchFamily="18" charset="2"/>
-              <a:buChar char=""/>
-              <a:defRPr sz="2000" kern="1200">
-                <a:solidFill>
-                  <a:schemeClr val="tx2"/>
-                </a:solidFill>
-                <a:latin typeface="+mn-lt"/>
-                <a:ea typeface="+mn-ea"/>
-                <a:cs typeface="+mn-cs"/>
-              </a:defRPr>
-            </a:lvl3pPr>
-            <a:lvl4pPr marL="1242000" indent="-234000" algn="l" defTabSz="457200" rtl="0" eaLnBrk="1" latinLnBrk="0" hangingPunct="1">
-              <a:spcBef>
-                <a:spcPct val="20000"/>
-              </a:spcBef>
-              <a:spcAft>
-                <a:spcPts val="600"/>
-              </a:spcAft>
-              <a:buClr>
-                <a:schemeClr val="accent2"/>
-              </a:buClr>
-              <a:buSzPct val="92000"/>
-              <a:buFont typeface="Wingdings 2" panose="05020102010507070707" pitchFamily="18" charset="2"/>
-              <a:buChar char=""/>
-              <a:defRPr sz="1800" kern="1200">
-                <a:solidFill>
-                  <a:schemeClr val="tx2"/>
-                </a:solidFill>
-                <a:latin typeface="+mn-lt"/>
-                <a:ea typeface="+mn-ea"/>
-                <a:cs typeface="+mn-cs"/>
-              </a:defRPr>
-            </a:lvl4pPr>
-            <a:lvl5pPr marL="1602000" indent="-234000" algn="l" defTabSz="457200" rtl="0" eaLnBrk="1" latinLnBrk="0" hangingPunct="1">
-              <a:spcBef>
-                <a:spcPct val="20000"/>
-              </a:spcBef>
-              <a:spcAft>
-                <a:spcPts val="600"/>
-              </a:spcAft>
-              <a:buClr>
-                <a:schemeClr val="accent2"/>
-              </a:buClr>
-              <a:buSzPct val="92000"/>
-              <a:buFont typeface="Wingdings 2" panose="05020102010507070707" pitchFamily="18" charset="2"/>
-              <a:buChar char=""/>
-              <a:defRPr sz="1800" kern="1200">
-                <a:solidFill>
-                  <a:schemeClr val="tx2"/>
-                </a:solidFill>
-                <a:latin typeface="+mn-lt"/>
-                <a:ea typeface="+mn-ea"/>
-                <a:cs typeface="+mn-cs"/>
-              </a:defRPr>
-            </a:lvl5pPr>
-            <a:lvl6pPr marL="1900000" indent="-228600" algn="l" defTabSz="457200" rtl="0" eaLnBrk="1" latinLnBrk="0" hangingPunct="1">
-              <a:spcBef>
-                <a:spcPct val="20000"/>
-              </a:spcBef>
-              <a:spcAft>
-                <a:spcPts val="600"/>
-              </a:spcAft>
-              <a:buClr>
-                <a:schemeClr val="accent2"/>
-              </a:buClr>
-              <a:buSzPct val="92000"/>
-              <a:buFont typeface="Wingdings 2" panose="05020102010507070707" pitchFamily="18" charset="2"/>
-              <a:buChar char=""/>
-              <a:defRPr sz="1200" kern="1200">
-                <a:solidFill>
-                  <a:schemeClr val="tx2"/>
-                </a:solidFill>
-                <a:latin typeface="+mn-lt"/>
-                <a:ea typeface="+mn-ea"/>
-                <a:cs typeface="+mn-cs"/>
-              </a:defRPr>
-            </a:lvl6pPr>
-            <a:lvl7pPr marL="2200000" indent="-228600" algn="l" defTabSz="457200" rtl="0" eaLnBrk="1" latinLnBrk="0" hangingPunct="1">
-              <a:spcBef>
-                <a:spcPct val="20000"/>
-              </a:spcBef>
-              <a:spcAft>
-                <a:spcPts val="600"/>
-              </a:spcAft>
-              <a:buClr>
-                <a:schemeClr val="accent2"/>
-              </a:buClr>
-              <a:buSzPct val="92000"/>
-              <a:buFont typeface="Wingdings 2" panose="05020102010507070707" pitchFamily="18" charset="2"/>
-              <a:buChar char=""/>
-              <a:defRPr sz="1200" kern="1200">
-                <a:solidFill>
-                  <a:schemeClr val="tx2"/>
-                </a:solidFill>
-                <a:latin typeface="+mn-lt"/>
-                <a:ea typeface="+mn-ea"/>
-                <a:cs typeface="+mn-cs"/>
-              </a:defRPr>
-            </a:lvl7pPr>
-            <a:lvl8pPr marL="2500000" indent="-228600" algn="l" defTabSz="457200" rtl="0" eaLnBrk="1" latinLnBrk="0" hangingPunct="1">
-              <a:spcBef>
-                <a:spcPct val="20000"/>
-              </a:spcBef>
-              <a:spcAft>
-                <a:spcPts val="600"/>
-              </a:spcAft>
-              <a:buClr>
-                <a:schemeClr val="accent2"/>
-              </a:buClr>
-              <a:buSzPct val="92000"/>
-              <a:buFont typeface="Wingdings 2" panose="05020102010507070707" pitchFamily="18" charset="2"/>
-              <a:buChar char=""/>
-              <a:defRPr sz="1200" kern="1200">
-                <a:solidFill>
-                  <a:schemeClr val="tx2"/>
-                </a:solidFill>
-                <a:latin typeface="+mn-lt"/>
-                <a:ea typeface="+mn-ea"/>
-                <a:cs typeface="+mn-cs"/>
-              </a:defRPr>
-            </a:lvl8pPr>
-            <a:lvl9pPr marL="2800000" indent="-228600" algn="l" defTabSz="457200" rtl="0" eaLnBrk="1" latinLnBrk="0" hangingPunct="1">
-              <a:spcBef>
-                <a:spcPct val="20000"/>
-              </a:spcBef>
-              <a:spcAft>
-                <a:spcPts val="600"/>
-              </a:spcAft>
-              <a:buClr>
-                <a:schemeClr val="accent2"/>
-              </a:buClr>
-              <a:buSzPct val="92000"/>
-              <a:buFont typeface="Wingdings 2" panose="05020102010507070707" pitchFamily="18" charset="2"/>
-              <a:buChar char=""/>
-              <a:defRPr sz="1200" kern="1200">
-                <a:solidFill>
-                  <a:schemeClr val="tx2"/>
-                </a:solidFill>
-                <a:latin typeface="+mn-lt"/>
-                <a:ea typeface="+mn-ea"/>
-                <a:cs typeface="+mn-cs"/>
-              </a:defRPr>
-            </a:lvl9pPr>
-          </a:lstStyle>
-          <a:p>
-            <a:pPr marL="0" indent="0">
-              <a:buNone/>
-            </a:pPr>
-            <a:r>
-              <a:rPr lang="en-US" sz="2000" dirty="0" err="1">
-                <a:latin typeface="SImPL" panose="02060600000200020004" pitchFamily="18" charset="0"/>
-                <a:ea typeface="SImPL" panose="02060600000200020004" pitchFamily="18" charset="0"/>
-                <a:cs typeface="SImPL" panose="02060600000200020004" pitchFamily="18" charset="0"/>
-              </a:rPr>
-              <a:t>risk_eq</a:t>
-            </a:r>
-            <a:r>
-              <a:rPr lang="en-US" sz="2000" dirty="0">
-                <a:latin typeface="SImPL" panose="02060600000200020004" pitchFamily="18" charset="0"/>
-                <a:ea typeface="SImPL" panose="02060600000200020004" pitchFamily="18" charset="0"/>
-                <a:cs typeface="SImPL" panose="02060600000200020004" pitchFamily="18" charset="0"/>
-              </a:rPr>
-              <a:t> :: Expr</a:t>
-            </a:r>
-          </a:p>
-          <a:p>
-            <a:pPr marL="0" indent="0">
-              <a:buNone/>
-            </a:pPr>
-            <a:r>
-              <a:rPr lang="en-US" sz="2000" dirty="0" err="1">
-                <a:latin typeface="SImPL" panose="02060600000200020004" pitchFamily="18" charset="0"/>
-                <a:ea typeface="SImPL" panose="02060600000200020004" pitchFamily="18" charset="0"/>
-                <a:cs typeface="SImPL" panose="02060600000200020004" pitchFamily="18" charset="0"/>
-              </a:rPr>
-              <a:t>risk_eq</a:t>
-            </a:r>
-            <a:r>
-              <a:rPr lang="en-US" sz="2000" dirty="0">
-                <a:latin typeface="SImPL" panose="02060600000200020004" pitchFamily="18" charset="0"/>
-                <a:ea typeface="SImPL" panose="02060600000200020004" pitchFamily="18" charset="0"/>
-                <a:cs typeface="SImPL" panose="02060600000200020004" pitchFamily="18" charset="0"/>
-              </a:rPr>
-              <a:t> = ((C </a:t>
-            </a:r>
-            <a:r>
-              <a:rPr lang="en-US" sz="2000" dirty="0" err="1">
-                <a:latin typeface="SImPL" panose="02060600000200020004" pitchFamily="18" charset="0"/>
-                <a:ea typeface="SImPL" panose="02060600000200020004" pitchFamily="18" charset="0"/>
-                <a:cs typeface="SImPL" panose="02060600000200020004" pitchFamily="18" charset="0"/>
-              </a:rPr>
-              <a:t>sflawParamK</a:t>
-            </a:r>
-            <a:r>
-              <a:rPr lang="en-US" sz="2000" dirty="0">
-                <a:latin typeface="SImPL" panose="02060600000200020004" pitchFamily="18" charset="0"/>
-                <a:ea typeface="SImPL" panose="02060600000200020004" pitchFamily="18" charset="0"/>
-                <a:cs typeface="SImPL" panose="02060600000200020004" pitchFamily="18" charset="0"/>
-              </a:rPr>
-              <a:t>) / (Grouping ((C </a:t>
-            </a:r>
-            <a:r>
-              <a:rPr lang="en-US" sz="2000" dirty="0" err="1">
-                <a:latin typeface="SImPL" panose="02060600000200020004" pitchFamily="18" charset="0"/>
-                <a:ea typeface="SImPL" panose="02060600000200020004" pitchFamily="18" charset="0"/>
-                <a:cs typeface="SImPL" panose="02060600000200020004" pitchFamily="18" charset="0"/>
-              </a:rPr>
-              <a:t>plate_len</a:t>
-            </a:r>
-            <a:r>
-              <a:rPr lang="en-US" sz="2000" dirty="0">
-                <a:latin typeface="SImPL" panose="02060600000200020004" pitchFamily="18" charset="0"/>
-                <a:ea typeface="SImPL" panose="02060600000200020004" pitchFamily="18" charset="0"/>
-                <a:cs typeface="SImPL" panose="02060600000200020004" pitchFamily="18" charset="0"/>
-              </a:rPr>
-              <a:t>) *</a:t>
-            </a:r>
-          </a:p>
-          <a:p>
-            <a:pPr marL="0" indent="0">
-              <a:buNone/>
-            </a:pPr>
-            <a:r>
-              <a:rPr lang="en-US" sz="2000" dirty="0">
-                <a:latin typeface="SImPL" panose="02060600000200020004" pitchFamily="18" charset="0"/>
-                <a:ea typeface="SImPL" panose="02060600000200020004" pitchFamily="18" charset="0"/>
-                <a:cs typeface="SImPL" panose="02060600000200020004" pitchFamily="18" charset="0"/>
-              </a:rPr>
-              <a:t>  (C </a:t>
-            </a:r>
-            <a:r>
-              <a:rPr lang="en-US" sz="2000" dirty="0" err="1">
-                <a:latin typeface="SImPL" panose="02060600000200020004" pitchFamily="18" charset="0"/>
-                <a:ea typeface="SImPL" panose="02060600000200020004" pitchFamily="18" charset="0"/>
-                <a:cs typeface="SImPL" panose="02060600000200020004" pitchFamily="18" charset="0"/>
-              </a:rPr>
-              <a:t>plate_width</a:t>
-            </a:r>
-            <a:r>
-              <a:rPr lang="en-US" sz="2000" dirty="0">
-                <a:latin typeface="SImPL" panose="02060600000200020004" pitchFamily="18" charset="0"/>
-                <a:ea typeface="SImPL" panose="02060600000200020004" pitchFamily="18" charset="0"/>
-                <a:cs typeface="SImPL" panose="02060600000200020004" pitchFamily="18" charset="0"/>
-              </a:rPr>
-              <a:t>))) :^ ((C </a:t>
-            </a:r>
-            <a:r>
-              <a:rPr lang="en-US" sz="2000" dirty="0" err="1">
-                <a:latin typeface="SImPL" panose="02060600000200020004" pitchFamily="18" charset="0"/>
-                <a:ea typeface="SImPL" panose="02060600000200020004" pitchFamily="18" charset="0"/>
-                <a:cs typeface="SImPL" panose="02060600000200020004" pitchFamily="18" charset="0"/>
-              </a:rPr>
-              <a:t>sflawParamM</a:t>
-            </a:r>
-            <a:r>
-              <a:rPr lang="en-US" sz="2000" dirty="0">
-                <a:latin typeface="SImPL" panose="02060600000200020004" pitchFamily="18" charset="0"/>
-                <a:ea typeface="SImPL" panose="02060600000200020004" pitchFamily="18" charset="0"/>
-                <a:cs typeface="SImPL" panose="02060600000200020004" pitchFamily="18" charset="0"/>
-              </a:rPr>
-              <a:t>) - </a:t>
-            </a:r>
-            <a:r>
-              <a:rPr lang="en-US" sz="2000" b="1" dirty="0">
-                <a:solidFill>
-                  <a:srgbClr val="7030A0"/>
-                </a:solidFill>
-                <a:latin typeface="SImPL" panose="02060600000200020004" pitchFamily="18" charset="0"/>
-                <a:ea typeface="SImPL" panose="02060600000200020004" pitchFamily="18" charset="0"/>
-                <a:cs typeface="SImPL" panose="02060600000200020004" pitchFamily="18" charset="0"/>
-              </a:rPr>
-              <a:t>1</a:t>
-            </a:r>
-            <a:r>
-              <a:rPr lang="en-US" sz="2000" dirty="0">
-                <a:latin typeface="SImPL" panose="02060600000200020004" pitchFamily="18" charset="0"/>
-                <a:ea typeface="SImPL" panose="02060600000200020004" pitchFamily="18" charset="0"/>
-                <a:cs typeface="SImPL" panose="02060600000200020004" pitchFamily="18" charset="0"/>
-              </a:rPr>
-              <a:t>) *</a:t>
-            </a:r>
-          </a:p>
-          <a:p>
-            <a:pPr marL="0" indent="0">
-              <a:spcBef>
-                <a:spcPts val="0"/>
-              </a:spcBef>
-              <a:spcAft>
-                <a:spcPts val="0"/>
-              </a:spcAft>
-              <a:buNone/>
-            </a:pPr>
-            <a:r>
-              <a:rPr lang="en-US" sz="2000" dirty="0">
-                <a:latin typeface="SImPL" panose="02060600000200020004" pitchFamily="18" charset="0"/>
-                <a:ea typeface="SImPL" panose="02060600000200020004" pitchFamily="18" charset="0"/>
-                <a:cs typeface="SImPL" panose="02060600000200020004" pitchFamily="18" charset="0"/>
-              </a:rPr>
-              <a:t>  (Grouping (C </a:t>
-            </a:r>
-            <a:r>
-              <a:rPr lang="en-US" sz="2000" dirty="0" err="1">
-                <a:latin typeface="SImPL" panose="02060600000200020004" pitchFamily="18" charset="0"/>
-                <a:ea typeface="SImPL" panose="02060600000200020004" pitchFamily="18" charset="0"/>
-                <a:cs typeface="SImPL" panose="02060600000200020004" pitchFamily="18" charset="0"/>
-              </a:rPr>
-              <a:t>mod_elas</a:t>
-            </a:r>
-            <a:r>
-              <a:rPr lang="en-US" sz="2000" dirty="0">
-                <a:latin typeface="SImPL" panose="02060600000200020004" pitchFamily="18" charset="0"/>
-                <a:ea typeface="SImPL" panose="02060600000200020004" pitchFamily="18" charset="0"/>
-                <a:cs typeface="SImPL" panose="02060600000200020004" pitchFamily="18" charset="0"/>
-              </a:rPr>
-              <a:t> * </a:t>
-            </a:r>
-            <a:r>
-              <a:rPr lang="en-US" sz="2000" b="1" dirty="0">
-                <a:solidFill>
-                  <a:srgbClr val="7030A0"/>
-                </a:solidFill>
-                <a:latin typeface="SImPL" panose="02060600000200020004" pitchFamily="18" charset="0"/>
-                <a:ea typeface="SImPL" panose="02060600000200020004" pitchFamily="18" charset="0"/>
-                <a:cs typeface="SImPL" panose="02060600000200020004" pitchFamily="18" charset="0"/>
-              </a:rPr>
-              <a:t>1000</a:t>
-            </a:r>
-            <a:r>
-              <a:rPr lang="en-US" sz="2000" dirty="0">
-                <a:latin typeface="SImPL" panose="02060600000200020004" pitchFamily="18" charset="0"/>
-                <a:ea typeface="SImPL" panose="02060600000200020004" pitchFamily="18" charset="0"/>
-                <a:cs typeface="SImPL" panose="02060600000200020004" pitchFamily="18" charset="0"/>
-              </a:rPr>
-              <a:t>) * (square (Grouping (C </a:t>
-            </a:r>
-            <a:r>
-              <a:rPr lang="en-US" sz="2000" dirty="0" err="1">
-                <a:latin typeface="SImPL" panose="02060600000200020004" pitchFamily="18" charset="0"/>
-                <a:ea typeface="SImPL" panose="02060600000200020004" pitchFamily="18" charset="0"/>
-                <a:cs typeface="SImPL" panose="02060600000200020004" pitchFamily="18" charset="0"/>
-              </a:rPr>
-              <a:t>act_thick</a:t>
-            </a:r>
-            <a:r>
-              <a:rPr lang="en-US" sz="2000" dirty="0">
-                <a:latin typeface="SImPL" panose="02060600000200020004" pitchFamily="18" charset="0"/>
-                <a:ea typeface="SImPL" panose="02060600000200020004" pitchFamily="18" charset="0"/>
-                <a:cs typeface="SImPL" panose="02060600000200020004" pitchFamily="18" charset="0"/>
-              </a:rPr>
-              <a:t>))))</a:t>
-            </a:r>
-          </a:p>
-          <a:p>
-            <a:pPr marL="0" indent="0">
-              <a:buNone/>
-            </a:pPr>
-            <a:r>
-              <a:rPr lang="en-US" sz="2000" dirty="0">
-                <a:latin typeface="SImPL" panose="02060600000200020004" pitchFamily="18" charset="0"/>
-                <a:ea typeface="SImPL" panose="02060600000200020004" pitchFamily="18" charset="0"/>
-                <a:cs typeface="SImPL" panose="02060600000200020004" pitchFamily="18" charset="0"/>
-              </a:rPr>
-              <a:t>  :^ (C </a:t>
-            </a:r>
-            <a:r>
-              <a:rPr lang="en-US" sz="2000" dirty="0" err="1">
-                <a:latin typeface="SImPL" panose="02060600000200020004" pitchFamily="18" charset="0"/>
-                <a:ea typeface="SImPL" panose="02060600000200020004" pitchFamily="18" charset="0"/>
-                <a:cs typeface="SImPL" panose="02060600000200020004" pitchFamily="18" charset="0"/>
-              </a:rPr>
-              <a:t>sflawParamM</a:t>
-            </a:r>
-            <a:r>
-              <a:rPr lang="en-US" sz="2000" dirty="0">
-                <a:latin typeface="SImPL" panose="02060600000200020004" pitchFamily="18" charset="0"/>
-                <a:ea typeface="SImPL" panose="02060600000200020004" pitchFamily="18" charset="0"/>
-                <a:cs typeface="SImPL" panose="02060600000200020004" pitchFamily="18" charset="0"/>
-              </a:rPr>
-              <a:t>) * (C </a:t>
-            </a:r>
-            <a:r>
-              <a:rPr lang="en-US" sz="2000" dirty="0" err="1">
-                <a:latin typeface="SImPL" panose="02060600000200020004" pitchFamily="18" charset="0"/>
-                <a:ea typeface="SImPL" panose="02060600000200020004" pitchFamily="18" charset="0"/>
-                <a:cs typeface="SImPL" panose="02060600000200020004" pitchFamily="18" charset="0"/>
-              </a:rPr>
-              <a:t>lDurFac</a:t>
-            </a:r>
-            <a:r>
-              <a:rPr lang="en-US" sz="2000" dirty="0">
-                <a:latin typeface="SImPL" panose="02060600000200020004" pitchFamily="18" charset="0"/>
-                <a:ea typeface="SImPL" panose="02060600000200020004" pitchFamily="18" charset="0"/>
-                <a:cs typeface="SImPL" panose="02060600000200020004" pitchFamily="18" charset="0"/>
-              </a:rPr>
-              <a:t>) * (</a:t>
-            </a:r>
-            <a:r>
-              <a:rPr lang="en-US" sz="2000" dirty="0" err="1">
-                <a:latin typeface="SImPL" panose="02060600000200020004" pitchFamily="18" charset="0"/>
-                <a:ea typeface="SImPL" panose="02060600000200020004" pitchFamily="18" charset="0"/>
-                <a:cs typeface="SImPL" panose="02060600000200020004" pitchFamily="18" charset="0"/>
-              </a:rPr>
-              <a:t>exp</a:t>
-            </a:r>
-            <a:r>
-              <a:rPr lang="en-US" sz="2000" dirty="0">
-                <a:latin typeface="SImPL" panose="02060600000200020004" pitchFamily="18" charset="0"/>
-                <a:ea typeface="SImPL" panose="02060600000200020004" pitchFamily="18" charset="0"/>
-                <a:cs typeface="SImPL" panose="02060600000200020004" pitchFamily="18" charset="0"/>
-              </a:rPr>
-              <a:t> (C </a:t>
-            </a:r>
-            <a:r>
-              <a:rPr lang="en-US" sz="2000" dirty="0" err="1">
-                <a:latin typeface="SImPL" panose="02060600000200020004" pitchFamily="18" charset="0"/>
-                <a:ea typeface="SImPL" panose="02060600000200020004" pitchFamily="18" charset="0"/>
-                <a:cs typeface="SImPL" panose="02060600000200020004" pitchFamily="18" charset="0"/>
-              </a:rPr>
-              <a:t>stressDistFac</a:t>
-            </a:r>
-            <a:r>
-              <a:rPr lang="en-US" sz="2000" dirty="0">
-                <a:latin typeface="SImPL" panose="02060600000200020004" pitchFamily="18" charset="0"/>
-                <a:ea typeface="SImPL" panose="02060600000200020004" pitchFamily="18" charset="0"/>
-                <a:cs typeface="SImPL" panose="02060600000200020004" pitchFamily="18" charset="0"/>
-              </a:rPr>
-              <a:t>)))</a:t>
-            </a:r>
-          </a:p>
-        </p:txBody>
-      </p:sp>
-      <p:pic>
-        <p:nvPicPr>
-          <p:cNvPr id="6" name="Picture 5">
-            <a:extLst>
-              <a:ext uri="{FF2B5EF4-FFF2-40B4-BE49-F238E27FC236}">
-                <a16:creationId xmlns:a16="http://schemas.microsoft.com/office/drawing/2014/main" id="{1BB7B85A-EA30-40F6-8179-F422D84F6268}"/>
-              </a:ext>
-            </a:extLst>
-          </p:cNvPr>
-          <p:cNvPicPr>
-            <a:picLocks noChangeAspect="1"/>
-          </p:cNvPicPr>
-          <p:nvPr/>
-        </p:nvPicPr>
-        <p:blipFill>
-          <a:blip r:embed="rId2"/>
-          <a:stretch>
-            <a:fillRect/>
-          </a:stretch>
-        </p:blipFill>
-        <p:spPr>
-          <a:xfrm>
-            <a:off x="2534602" y="1791652"/>
-            <a:ext cx="6696075" cy="561975"/>
-          </a:xfrm>
-          <a:prstGeom prst="rect">
-            <a:avLst/>
-          </a:prstGeom>
-        </p:spPr>
-      </p:pic>
-    </p:spTree>
-    <p:extLst>
-      <p:ext uri="{BB962C8B-B14F-4D97-AF65-F5344CB8AC3E}">
-        <p14:creationId xmlns:p14="http://schemas.microsoft.com/office/powerpoint/2010/main" val="217361065"/>
       </p:ext>
     </p:extLst>
   </p:cSld>
@@ -3091,6 +2641,646 @@
               <a:rPr lang="en-US" smtClean="0"/>
               <a:pPr/>
               <a:t>11</a:t>
+            </a:fld>
+            <a:endParaRPr lang="en-US" dirty="0"/>
+          </a:p>
+        </p:txBody>
+      </p:sp>
+      <p:sp>
+        <p:nvSpPr>
+          <p:cNvPr id="5" name="Content Placeholder 2">
+            <a:extLst>
+              <a:ext uri="{FF2B5EF4-FFF2-40B4-BE49-F238E27FC236}">
+                <a16:creationId xmlns:a16="http://schemas.microsoft.com/office/drawing/2014/main" id="{023E7BB1-5657-465C-9F76-F6E59FBC7E9F}"/>
+              </a:ext>
+            </a:extLst>
+          </p:cNvPr>
+          <p:cNvSpPr txBox="1">
+            <a:spLocks/>
+          </p:cNvSpPr>
+          <p:nvPr/>
+        </p:nvSpPr>
+        <p:spPr>
+          <a:xfrm>
+            <a:off x="789987" y="2907763"/>
+            <a:ext cx="10609936" cy="2388138"/>
+          </a:xfrm>
+          <a:prstGeom prst="rect">
+            <a:avLst/>
+          </a:prstGeom>
+        </p:spPr>
+        <p:txBody>
+          <a:bodyPr vert="horz" lIns="91440" tIns="45720" rIns="91440" bIns="45720" rtlCol="0" anchor="t">
+            <a:noAutofit/>
+          </a:bodyPr>
+          <a:lstStyle>
+            <a:lvl1pPr marL="306000" indent="-306000" algn="l" defTabSz="457200" rtl="0" eaLnBrk="1" latinLnBrk="0" hangingPunct="1">
+              <a:spcBef>
+                <a:spcPct val="20000"/>
+              </a:spcBef>
+              <a:spcAft>
+                <a:spcPts val="600"/>
+              </a:spcAft>
+              <a:buClr>
+                <a:schemeClr val="accent2"/>
+              </a:buClr>
+              <a:buSzPct val="92000"/>
+              <a:buFont typeface="Wingdings 2" panose="05020102010507070707" pitchFamily="18" charset="2"/>
+              <a:buChar char=""/>
+              <a:defRPr sz="2800" kern="1200">
+                <a:solidFill>
+                  <a:schemeClr val="tx2"/>
+                </a:solidFill>
+                <a:latin typeface="+mn-lt"/>
+                <a:ea typeface="+mn-ea"/>
+                <a:cs typeface="+mn-cs"/>
+              </a:defRPr>
+            </a:lvl1pPr>
+            <a:lvl2pPr marL="630000" indent="-306000" algn="l" defTabSz="457200" rtl="0" eaLnBrk="1" latinLnBrk="0" hangingPunct="1">
+              <a:spcBef>
+                <a:spcPct val="20000"/>
+              </a:spcBef>
+              <a:spcAft>
+                <a:spcPts val="600"/>
+              </a:spcAft>
+              <a:buClr>
+                <a:schemeClr val="accent2"/>
+              </a:buClr>
+              <a:buSzPct val="92000"/>
+              <a:buFont typeface="Wingdings 2" panose="05020102010507070707" pitchFamily="18" charset="2"/>
+              <a:buChar char=""/>
+              <a:defRPr sz="2400" kern="1200">
+                <a:solidFill>
+                  <a:schemeClr val="tx2"/>
+                </a:solidFill>
+                <a:latin typeface="+mn-lt"/>
+                <a:ea typeface="+mn-ea"/>
+                <a:cs typeface="+mn-cs"/>
+              </a:defRPr>
+            </a:lvl2pPr>
+            <a:lvl3pPr marL="900000" indent="-270000" algn="l" defTabSz="457200" rtl="0" eaLnBrk="1" latinLnBrk="0" hangingPunct="1">
+              <a:spcBef>
+                <a:spcPct val="20000"/>
+              </a:spcBef>
+              <a:spcAft>
+                <a:spcPts val="600"/>
+              </a:spcAft>
+              <a:buClr>
+                <a:schemeClr val="accent2"/>
+              </a:buClr>
+              <a:buSzPct val="92000"/>
+              <a:buFont typeface="Wingdings 2" panose="05020102010507070707" pitchFamily="18" charset="2"/>
+              <a:buChar char=""/>
+              <a:defRPr sz="2000" kern="1200">
+                <a:solidFill>
+                  <a:schemeClr val="tx2"/>
+                </a:solidFill>
+                <a:latin typeface="+mn-lt"/>
+                <a:ea typeface="+mn-ea"/>
+                <a:cs typeface="+mn-cs"/>
+              </a:defRPr>
+            </a:lvl3pPr>
+            <a:lvl4pPr marL="1242000" indent="-234000" algn="l" defTabSz="457200" rtl="0" eaLnBrk="1" latinLnBrk="0" hangingPunct="1">
+              <a:spcBef>
+                <a:spcPct val="20000"/>
+              </a:spcBef>
+              <a:spcAft>
+                <a:spcPts val="600"/>
+              </a:spcAft>
+              <a:buClr>
+                <a:schemeClr val="accent2"/>
+              </a:buClr>
+              <a:buSzPct val="92000"/>
+              <a:buFont typeface="Wingdings 2" panose="05020102010507070707" pitchFamily="18" charset="2"/>
+              <a:buChar char=""/>
+              <a:defRPr sz="1800" kern="1200">
+                <a:solidFill>
+                  <a:schemeClr val="tx2"/>
+                </a:solidFill>
+                <a:latin typeface="+mn-lt"/>
+                <a:ea typeface="+mn-ea"/>
+                <a:cs typeface="+mn-cs"/>
+              </a:defRPr>
+            </a:lvl4pPr>
+            <a:lvl5pPr marL="1602000" indent="-234000" algn="l" defTabSz="457200" rtl="0" eaLnBrk="1" latinLnBrk="0" hangingPunct="1">
+              <a:spcBef>
+                <a:spcPct val="20000"/>
+              </a:spcBef>
+              <a:spcAft>
+                <a:spcPts val="600"/>
+              </a:spcAft>
+              <a:buClr>
+                <a:schemeClr val="accent2"/>
+              </a:buClr>
+              <a:buSzPct val="92000"/>
+              <a:buFont typeface="Wingdings 2" panose="05020102010507070707" pitchFamily="18" charset="2"/>
+              <a:buChar char=""/>
+              <a:defRPr sz="1800" kern="1200">
+                <a:solidFill>
+                  <a:schemeClr val="tx2"/>
+                </a:solidFill>
+                <a:latin typeface="+mn-lt"/>
+                <a:ea typeface="+mn-ea"/>
+                <a:cs typeface="+mn-cs"/>
+              </a:defRPr>
+            </a:lvl5pPr>
+            <a:lvl6pPr marL="1900000" indent="-228600" algn="l" defTabSz="457200" rtl="0" eaLnBrk="1" latinLnBrk="0" hangingPunct="1">
+              <a:spcBef>
+                <a:spcPct val="20000"/>
+              </a:spcBef>
+              <a:spcAft>
+                <a:spcPts val="600"/>
+              </a:spcAft>
+              <a:buClr>
+                <a:schemeClr val="accent2"/>
+              </a:buClr>
+              <a:buSzPct val="92000"/>
+              <a:buFont typeface="Wingdings 2" panose="05020102010507070707" pitchFamily="18" charset="2"/>
+              <a:buChar char=""/>
+              <a:defRPr sz="1200" kern="1200">
+                <a:solidFill>
+                  <a:schemeClr val="tx2"/>
+                </a:solidFill>
+                <a:latin typeface="+mn-lt"/>
+                <a:ea typeface="+mn-ea"/>
+                <a:cs typeface="+mn-cs"/>
+              </a:defRPr>
+            </a:lvl6pPr>
+            <a:lvl7pPr marL="2200000" indent="-228600" algn="l" defTabSz="457200" rtl="0" eaLnBrk="1" latinLnBrk="0" hangingPunct="1">
+              <a:spcBef>
+                <a:spcPct val="20000"/>
+              </a:spcBef>
+              <a:spcAft>
+                <a:spcPts val="600"/>
+              </a:spcAft>
+              <a:buClr>
+                <a:schemeClr val="accent2"/>
+              </a:buClr>
+              <a:buSzPct val="92000"/>
+              <a:buFont typeface="Wingdings 2" panose="05020102010507070707" pitchFamily="18" charset="2"/>
+              <a:buChar char=""/>
+              <a:defRPr sz="1200" kern="1200">
+                <a:solidFill>
+                  <a:schemeClr val="tx2"/>
+                </a:solidFill>
+                <a:latin typeface="+mn-lt"/>
+                <a:ea typeface="+mn-ea"/>
+                <a:cs typeface="+mn-cs"/>
+              </a:defRPr>
+            </a:lvl7pPr>
+            <a:lvl8pPr marL="2500000" indent="-228600" algn="l" defTabSz="457200" rtl="0" eaLnBrk="1" latinLnBrk="0" hangingPunct="1">
+              <a:spcBef>
+                <a:spcPct val="20000"/>
+              </a:spcBef>
+              <a:spcAft>
+                <a:spcPts val="600"/>
+              </a:spcAft>
+              <a:buClr>
+                <a:schemeClr val="accent2"/>
+              </a:buClr>
+              <a:buSzPct val="92000"/>
+              <a:buFont typeface="Wingdings 2" panose="05020102010507070707" pitchFamily="18" charset="2"/>
+              <a:buChar char=""/>
+              <a:defRPr sz="1200" kern="1200">
+                <a:solidFill>
+                  <a:schemeClr val="tx2"/>
+                </a:solidFill>
+                <a:latin typeface="+mn-lt"/>
+                <a:ea typeface="+mn-ea"/>
+                <a:cs typeface="+mn-cs"/>
+              </a:defRPr>
+            </a:lvl8pPr>
+            <a:lvl9pPr marL="2800000" indent="-228600" algn="l" defTabSz="457200" rtl="0" eaLnBrk="1" latinLnBrk="0" hangingPunct="1">
+              <a:spcBef>
+                <a:spcPct val="20000"/>
+              </a:spcBef>
+              <a:spcAft>
+                <a:spcPts val="600"/>
+              </a:spcAft>
+              <a:buClr>
+                <a:schemeClr val="accent2"/>
+              </a:buClr>
+              <a:buSzPct val="92000"/>
+              <a:buFont typeface="Wingdings 2" panose="05020102010507070707" pitchFamily="18" charset="2"/>
+              <a:buChar char=""/>
+              <a:defRPr sz="1200" kern="1200">
+                <a:solidFill>
+                  <a:schemeClr val="tx2"/>
+                </a:solidFill>
+                <a:latin typeface="+mn-lt"/>
+                <a:ea typeface="+mn-ea"/>
+                <a:cs typeface="+mn-cs"/>
+              </a:defRPr>
+            </a:lvl9pPr>
+          </a:lstStyle>
+          <a:p>
+            <a:pPr marL="0" indent="0">
+              <a:buNone/>
+            </a:pPr>
+            <a:r>
+              <a:rPr lang="en-US" sz="2000" dirty="0" err="1">
+                <a:latin typeface="SImPL" panose="02060600000200020004" pitchFamily="18" charset="0"/>
+                <a:ea typeface="SImPL" panose="02060600000200020004" pitchFamily="18" charset="0"/>
+                <a:cs typeface="SImPL" panose="02060600000200020004" pitchFamily="18" charset="0"/>
+              </a:rPr>
+              <a:t>risk_eq</a:t>
+            </a:r>
+            <a:r>
+              <a:rPr lang="en-US" sz="2000" dirty="0">
+                <a:latin typeface="SImPL" panose="02060600000200020004" pitchFamily="18" charset="0"/>
+                <a:ea typeface="SImPL" panose="02060600000200020004" pitchFamily="18" charset="0"/>
+                <a:cs typeface="SImPL" panose="02060600000200020004" pitchFamily="18" charset="0"/>
+              </a:rPr>
+              <a:t> :: Expr</a:t>
+            </a:r>
+          </a:p>
+          <a:p>
+            <a:pPr marL="0" indent="0">
+              <a:buNone/>
+            </a:pPr>
+            <a:r>
+              <a:rPr lang="en-US" sz="2000" dirty="0" err="1">
+                <a:latin typeface="SImPL" panose="02060600000200020004" pitchFamily="18" charset="0"/>
+                <a:ea typeface="SImPL" panose="02060600000200020004" pitchFamily="18" charset="0"/>
+                <a:cs typeface="SImPL" panose="02060600000200020004" pitchFamily="18" charset="0"/>
+              </a:rPr>
+              <a:t>risk_eq</a:t>
+            </a:r>
+            <a:r>
+              <a:rPr lang="en-US" sz="2000" dirty="0">
+                <a:latin typeface="SImPL" panose="02060600000200020004" pitchFamily="18" charset="0"/>
+                <a:ea typeface="SImPL" panose="02060600000200020004" pitchFamily="18" charset="0"/>
+                <a:cs typeface="SImPL" panose="02060600000200020004" pitchFamily="18" charset="0"/>
+              </a:rPr>
+              <a:t> = ((C </a:t>
+            </a:r>
+            <a:r>
+              <a:rPr lang="en-US" sz="2000" dirty="0" err="1">
+                <a:latin typeface="SImPL" panose="02060600000200020004" pitchFamily="18" charset="0"/>
+                <a:ea typeface="SImPL" panose="02060600000200020004" pitchFamily="18" charset="0"/>
+                <a:cs typeface="SImPL" panose="02060600000200020004" pitchFamily="18" charset="0"/>
+              </a:rPr>
+              <a:t>sflawParamK</a:t>
+            </a:r>
+            <a:r>
+              <a:rPr lang="en-US" sz="2000" dirty="0">
+                <a:latin typeface="SImPL" panose="02060600000200020004" pitchFamily="18" charset="0"/>
+                <a:ea typeface="SImPL" panose="02060600000200020004" pitchFamily="18" charset="0"/>
+                <a:cs typeface="SImPL" panose="02060600000200020004" pitchFamily="18" charset="0"/>
+              </a:rPr>
+              <a:t>) / (Grouping ((C </a:t>
+            </a:r>
+            <a:r>
+              <a:rPr lang="en-US" sz="2000" dirty="0" err="1">
+                <a:latin typeface="SImPL" panose="02060600000200020004" pitchFamily="18" charset="0"/>
+                <a:ea typeface="SImPL" panose="02060600000200020004" pitchFamily="18" charset="0"/>
+                <a:cs typeface="SImPL" panose="02060600000200020004" pitchFamily="18" charset="0"/>
+              </a:rPr>
+              <a:t>plate_len</a:t>
+            </a:r>
+            <a:r>
+              <a:rPr lang="en-US" sz="2000" dirty="0">
+                <a:latin typeface="SImPL" panose="02060600000200020004" pitchFamily="18" charset="0"/>
+                <a:ea typeface="SImPL" panose="02060600000200020004" pitchFamily="18" charset="0"/>
+                <a:cs typeface="SImPL" panose="02060600000200020004" pitchFamily="18" charset="0"/>
+              </a:rPr>
+              <a:t>) *</a:t>
+            </a:r>
+          </a:p>
+          <a:p>
+            <a:pPr marL="0" indent="0">
+              <a:buNone/>
+            </a:pPr>
+            <a:r>
+              <a:rPr lang="en-US" sz="2000" dirty="0">
+                <a:latin typeface="SImPL" panose="02060600000200020004" pitchFamily="18" charset="0"/>
+                <a:ea typeface="SImPL" panose="02060600000200020004" pitchFamily="18" charset="0"/>
+                <a:cs typeface="SImPL" panose="02060600000200020004" pitchFamily="18" charset="0"/>
+              </a:rPr>
+              <a:t>  (C </a:t>
+            </a:r>
+            <a:r>
+              <a:rPr lang="en-US" sz="2000" dirty="0" err="1">
+                <a:latin typeface="SImPL" panose="02060600000200020004" pitchFamily="18" charset="0"/>
+                <a:ea typeface="SImPL" panose="02060600000200020004" pitchFamily="18" charset="0"/>
+                <a:cs typeface="SImPL" panose="02060600000200020004" pitchFamily="18" charset="0"/>
+              </a:rPr>
+              <a:t>plate_width</a:t>
+            </a:r>
+            <a:r>
+              <a:rPr lang="en-US" sz="2000" dirty="0">
+                <a:latin typeface="SImPL" panose="02060600000200020004" pitchFamily="18" charset="0"/>
+                <a:ea typeface="SImPL" panose="02060600000200020004" pitchFamily="18" charset="0"/>
+                <a:cs typeface="SImPL" panose="02060600000200020004" pitchFamily="18" charset="0"/>
+              </a:rPr>
+              <a:t>))) :^ ((C </a:t>
+            </a:r>
+            <a:r>
+              <a:rPr lang="en-US" sz="2000" dirty="0" err="1">
+                <a:latin typeface="SImPL" panose="02060600000200020004" pitchFamily="18" charset="0"/>
+                <a:ea typeface="SImPL" panose="02060600000200020004" pitchFamily="18" charset="0"/>
+                <a:cs typeface="SImPL" panose="02060600000200020004" pitchFamily="18" charset="0"/>
+              </a:rPr>
+              <a:t>sflawParamM</a:t>
+            </a:r>
+            <a:r>
+              <a:rPr lang="en-US" sz="2000" dirty="0">
+                <a:latin typeface="SImPL" panose="02060600000200020004" pitchFamily="18" charset="0"/>
+                <a:ea typeface="SImPL" panose="02060600000200020004" pitchFamily="18" charset="0"/>
+                <a:cs typeface="SImPL" panose="02060600000200020004" pitchFamily="18" charset="0"/>
+              </a:rPr>
+              <a:t>) - </a:t>
+            </a:r>
+            <a:r>
+              <a:rPr lang="en-US" sz="2000" b="1" dirty="0">
+                <a:solidFill>
+                  <a:srgbClr val="7030A0"/>
+                </a:solidFill>
+                <a:latin typeface="SImPL" panose="02060600000200020004" pitchFamily="18" charset="0"/>
+                <a:ea typeface="SImPL" panose="02060600000200020004" pitchFamily="18" charset="0"/>
+                <a:cs typeface="SImPL" panose="02060600000200020004" pitchFamily="18" charset="0"/>
+              </a:rPr>
+              <a:t>1</a:t>
+            </a:r>
+            <a:r>
+              <a:rPr lang="en-US" sz="2000" dirty="0">
+                <a:latin typeface="SImPL" panose="02060600000200020004" pitchFamily="18" charset="0"/>
+                <a:ea typeface="SImPL" panose="02060600000200020004" pitchFamily="18" charset="0"/>
+                <a:cs typeface="SImPL" panose="02060600000200020004" pitchFamily="18" charset="0"/>
+              </a:rPr>
+              <a:t>) *</a:t>
+            </a:r>
+          </a:p>
+          <a:p>
+            <a:pPr marL="0" indent="0">
+              <a:spcBef>
+                <a:spcPts val="0"/>
+              </a:spcBef>
+              <a:spcAft>
+                <a:spcPts val="0"/>
+              </a:spcAft>
+              <a:buNone/>
+            </a:pPr>
+            <a:r>
+              <a:rPr lang="en-US" sz="2000" dirty="0">
+                <a:latin typeface="SImPL" panose="02060600000200020004" pitchFamily="18" charset="0"/>
+                <a:ea typeface="SImPL" panose="02060600000200020004" pitchFamily="18" charset="0"/>
+                <a:cs typeface="SImPL" panose="02060600000200020004" pitchFamily="18" charset="0"/>
+              </a:rPr>
+              <a:t>  (Grouping (C </a:t>
+            </a:r>
+            <a:r>
+              <a:rPr lang="en-US" sz="2000" dirty="0" err="1">
+                <a:latin typeface="SImPL" panose="02060600000200020004" pitchFamily="18" charset="0"/>
+                <a:ea typeface="SImPL" panose="02060600000200020004" pitchFamily="18" charset="0"/>
+                <a:cs typeface="SImPL" panose="02060600000200020004" pitchFamily="18" charset="0"/>
+              </a:rPr>
+              <a:t>mod_elas</a:t>
+            </a:r>
+            <a:r>
+              <a:rPr lang="en-US" sz="2000" dirty="0">
+                <a:latin typeface="SImPL" panose="02060600000200020004" pitchFamily="18" charset="0"/>
+                <a:ea typeface="SImPL" panose="02060600000200020004" pitchFamily="18" charset="0"/>
+                <a:cs typeface="SImPL" panose="02060600000200020004" pitchFamily="18" charset="0"/>
+              </a:rPr>
+              <a:t> * </a:t>
+            </a:r>
+            <a:r>
+              <a:rPr lang="en-US" sz="2000" b="1" dirty="0">
+                <a:solidFill>
+                  <a:srgbClr val="7030A0"/>
+                </a:solidFill>
+                <a:latin typeface="SImPL" panose="02060600000200020004" pitchFamily="18" charset="0"/>
+                <a:ea typeface="SImPL" panose="02060600000200020004" pitchFamily="18" charset="0"/>
+                <a:cs typeface="SImPL" panose="02060600000200020004" pitchFamily="18" charset="0"/>
+              </a:rPr>
+              <a:t>1000</a:t>
+            </a:r>
+            <a:r>
+              <a:rPr lang="en-US" sz="2000" dirty="0">
+                <a:latin typeface="SImPL" panose="02060600000200020004" pitchFamily="18" charset="0"/>
+                <a:ea typeface="SImPL" panose="02060600000200020004" pitchFamily="18" charset="0"/>
+                <a:cs typeface="SImPL" panose="02060600000200020004" pitchFamily="18" charset="0"/>
+              </a:rPr>
+              <a:t>) * (square (Grouping (C </a:t>
+            </a:r>
+            <a:r>
+              <a:rPr lang="en-US" sz="2000" dirty="0" err="1">
+                <a:latin typeface="SImPL" panose="02060600000200020004" pitchFamily="18" charset="0"/>
+                <a:ea typeface="SImPL" panose="02060600000200020004" pitchFamily="18" charset="0"/>
+                <a:cs typeface="SImPL" panose="02060600000200020004" pitchFamily="18" charset="0"/>
+              </a:rPr>
+              <a:t>act_thick</a:t>
+            </a:r>
+            <a:r>
+              <a:rPr lang="en-US" sz="2000" dirty="0">
+                <a:latin typeface="SImPL" panose="02060600000200020004" pitchFamily="18" charset="0"/>
+                <a:ea typeface="SImPL" panose="02060600000200020004" pitchFamily="18" charset="0"/>
+                <a:cs typeface="SImPL" panose="02060600000200020004" pitchFamily="18" charset="0"/>
+              </a:rPr>
+              <a:t>))))</a:t>
+            </a:r>
+          </a:p>
+          <a:p>
+            <a:pPr marL="0" indent="0">
+              <a:buNone/>
+            </a:pPr>
+            <a:r>
+              <a:rPr lang="en-US" sz="2000" dirty="0">
+                <a:latin typeface="SImPL" panose="02060600000200020004" pitchFamily="18" charset="0"/>
+                <a:ea typeface="SImPL" panose="02060600000200020004" pitchFamily="18" charset="0"/>
+                <a:cs typeface="SImPL" panose="02060600000200020004" pitchFamily="18" charset="0"/>
+              </a:rPr>
+              <a:t>  :^ (C </a:t>
+            </a:r>
+            <a:r>
+              <a:rPr lang="en-US" sz="2000" dirty="0" err="1">
+                <a:latin typeface="SImPL" panose="02060600000200020004" pitchFamily="18" charset="0"/>
+                <a:ea typeface="SImPL" panose="02060600000200020004" pitchFamily="18" charset="0"/>
+                <a:cs typeface="SImPL" panose="02060600000200020004" pitchFamily="18" charset="0"/>
+              </a:rPr>
+              <a:t>sflawParamM</a:t>
+            </a:r>
+            <a:r>
+              <a:rPr lang="en-US" sz="2000" dirty="0">
+                <a:latin typeface="SImPL" panose="02060600000200020004" pitchFamily="18" charset="0"/>
+                <a:ea typeface="SImPL" panose="02060600000200020004" pitchFamily="18" charset="0"/>
+                <a:cs typeface="SImPL" panose="02060600000200020004" pitchFamily="18" charset="0"/>
+              </a:rPr>
+              <a:t>) * (C </a:t>
+            </a:r>
+            <a:r>
+              <a:rPr lang="en-US" sz="2000" dirty="0" err="1">
+                <a:latin typeface="SImPL" panose="02060600000200020004" pitchFamily="18" charset="0"/>
+                <a:ea typeface="SImPL" panose="02060600000200020004" pitchFamily="18" charset="0"/>
+                <a:cs typeface="SImPL" panose="02060600000200020004" pitchFamily="18" charset="0"/>
+              </a:rPr>
+              <a:t>lDurFac</a:t>
+            </a:r>
+            <a:r>
+              <a:rPr lang="en-US" sz="2000" dirty="0">
+                <a:latin typeface="SImPL" panose="02060600000200020004" pitchFamily="18" charset="0"/>
+                <a:ea typeface="SImPL" panose="02060600000200020004" pitchFamily="18" charset="0"/>
+                <a:cs typeface="SImPL" panose="02060600000200020004" pitchFamily="18" charset="0"/>
+              </a:rPr>
+              <a:t>) * (</a:t>
+            </a:r>
+            <a:r>
+              <a:rPr lang="en-US" sz="2000" dirty="0" err="1">
+                <a:latin typeface="SImPL" panose="02060600000200020004" pitchFamily="18" charset="0"/>
+                <a:ea typeface="SImPL" panose="02060600000200020004" pitchFamily="18" charset="0"/>
+                <a:cs typeface="SImPL" panose="02060600000200020004" pitchFamily="18" charset="0"/>
+              </a:rPr>
+              <a:t>exp</a:t>
+            </a:r>
+            <a:r>
+              <a:rPr lang="en-US" sz="2000" dirty="0">
+                <a:latin typeface="SImPL" panose="02060600000200020004" pitchFamily="18" charset="0"/>
+                <a:ea typeface="SImPL" panose="02060600000200020004" pitchFamily="18" charset="0"/>
+                <a:cs typeface="SImPL" panose="02060600000200020004" pitchFamily="18" charset="0"/>
+              </a:rPr>
+              <a:t> (C </a:t>
+            </a:r>
+            <a:r>
+              <a:rPr lang="en-US" sz="2000" dirty="0" err="1">
+                <a:latin typeface="SImPL" panose="02060600000200020004" pitchFamily="18" charset="0"/>
+                <a:ea typeface="SImPL" panose="02060600000200020004" pitchFamily="18" charset="0"/>
+                <a:cs typeface="SImPL" panose="02060600000200020004" pitchFamily="18" charset="0"/>
+              </a:rPr>
+              <a:t>stressDistFac</a:t>
+            </a:r>
+            <a:r>
+              <a:rPr lang="en-US" sz="2000" dirty="0">
+                <a:latin typeface="SImPL" panose="02060600000200020004" pitchFamily="18" charset="0"/>
+                <a:ea typeface="SImPL" panose="02060600000200020004" pitchFamily="18" charset="0"/>
+                <a:cs typeface="SImPL" panose="02060600000200020004" pitchFamily="18" charset="0"/>
+              </a:rPr>
+              <a:t>)))</a:t>
+            </a:r>
+          </a:p>
+        </p:txBody>
+      </p:sp>
+      <p:pic>
+        <p:nvPicPr>
+          <p:cNvPr id="6" name="Picture 5">
+            <a:extLst>
+              <a:ext uri="{FF2B5EF4-FFF2-40B4-BE49-F238E27FC236}">
+                <a16:creationId xmlns:a16="http://schemas.microsoft.com/office/drawing/2014/main" id="{1BB7B85A-EA30-40F6-8179-F422D84F6268}"/>
+              </a:ext>
+            </a:extLst>
+          </p:cNvPr>
+          <p:cNvPicPr>
+            <a:picLocks noChangeAspect="1"/>
+          </p:cNvPicPr>
+          <p:nvPr/>
+        </p:nvPicPr>
+        <p:blipFill>
+          <a:blip r:embed="rId2"/>
+          <a:stretch>
+            <a:fillRect/>
+          </a:stretch>
+        </p:blipFill>
+        <p:spPr>
+          <a:xfrm>
+            <a:off x="2534602" y="1791652"/>
+            <a:ext cx="6696075" cy="561975"/>
+          </a:xfrm>
+          <a:prstGeom prst="rect">
+            <a:avLst/>
+          </a:prstGeom>
+        </p:spPr>
+      </p:pic>
+    </p:spTree>
+    <p:extLst>
+      <p:ext uri="{BB962C8B-B14F-4D97-AF65-F5344CB8AC3E}">
+        <p14:creationId xmlns:p14="http://schemas.microsoft.com/office/powerpoint/2010/main" val="217361065"/>
+      </p:ext>
+    </p:extLst>
+  </p:cSld>
+  <p:clrMapOvr>
+    <a:masterClrMapping/>
+  </p:clrMapOvr>
+</p:sld>
+</file>
+
+<file path=ppt/slides/slide13.xml><?xml version="1.0" encoding="utf-8"?>
+<p:sld xmlns:a="http://schemas.openxmlformats.org/drawingml/2006/main" xmlns:r="http://schemas.openxmlformats.org/officeDocument/2006/relationships" xmlns:p="http://schemas.openxmlformats.org/presentationml/2006/main">
+  <p:cSld>
+    <p:spTree>
+      <p:nvGrpSpPr>
+        <p:cNvPr id="1" name=""/>
+        <p:cNvGrpSpPr/>
+        <p:nvPr/>
+      </p:nvGrpSpPr>
+      <p:grpSpPr>
+        <a:xfrm>
+          <a:off x="0" y="0"/>
+          <a:ext cx="0" cy="0"/>
+          <a:chOff x="0" y="0"/>
+          <a:chExt cx="0" cy="0"/>
+        </a:xfrm>
+      </p:grpSpPr>
+      <p:sp>
+        <p:nvSpPr>
+          <p:cNvPr id="2" name="Title 1">
+            <a:extLst>
+              <a:ext uri="{FF2B5EF4-FFF2-40B4-BE49-F238E27FC236}">
+                <a16:creationId xmlns:a16="http://schemas.microsoft.com/office/drawing/2014/main" id="{47E81F33-BCEC-4916-9A82-BD5D6D28BD43}"/>
+              </a:ext>
+            </a:extLst>
+          </p:cNvPr>
+          <p:cNvSpPr>
+            <a:spLocks noGrp="1"/>
+          </p:cNvSpPr>
+          <p:nvPr>
+            <p:ph type="title"/>
+          </p:nvPr>
+        </p:nvSpPr>
+        <p:spPr/>
+        <p:txBody>
+          <a:bodyPr/>
+          <a:lstStyle/>
+          <a:p>
+            <a:r>
+              <a:rPr lang="en-US" dirty="0"/>
+              <a:t>Risk of Failure:  </a:t>
+            </a:r>
+            <a:r>
+              <a:rPr lang="en-US" dirty="0" err="1"/>
+              <a:t>Drasil</a:t>
+            </a:r>
+            <a:r>
+              <a:rPr lang="en-US" dirty="0"/>
+              <a:t> Code</a:t>
+            </a:r>
+          </a:p>
+        </p:txBody>
+      </p:sp>
+      <p:sp>
+        <p:nvSpPr>
+          <p:cNvPr id="4" name="Slide Number Placeholder 3">
+            <a:extLst>
+              <a:ext uri="{FF2B5EF4-FFF2-40B4-BE49-F238E27FC236}">
+                <a16:creationId xmlns:a16="http://schemas.microsoft.com/office/drawing/2014/main" id="{64466E60-A14F-44FF-ACC6-9CD06D0163E9}"/>
+              </a:ext>
+            </a:extLst>
+          </p:cNvPr>
+          <p:cNvSpPr>
+            <a:spLocks noGrp="1"/>
+          </p:cNvSpPr>
+          <p:nvPr>
+            <p:ph type="sldNum" sz="quarter" idx="12"/>
+          </p:nvPr>
+        </p:nvSpPr>
+        <p:spPr/>
+        <p:txBody>
+          <a:bodyPr/>
+          <a:lstStyle/>
+          <a:p>
+            <a:fld id="{D57F1E4F-1CFF-5643-939E-217C01CDF565}" type="slidenum">
+              <a:rPr lang="en-US" smtClean="0"/>
+              <a:pPr/>
+              <a:t>12</a:t>
             </a:fld>
             <a:endParaRPr lang="en-US" dirty="0"/>
           </a:p>
@@ -4110,1643 +4300,6 @@
     <p:extLst>
       <p:ext uri="{BB962C8B-B14F-4D97-AF65-F5344CB8AC3E}">
         <p14:creationId xmlns:p14="http://schemas.microsoft.com/office/powerpoint/2010/main" val="1098435743"/>
-      </p:ext>
-    </p:extLst>
-  </p:cSld>
-  <p:clrMapOvr>
-    <a:masterClrMapping/>
-  </p:clrMapOvr>
-</p:sld>
-</file>
-
-<file path=ppt/slides/slide13.xml><?xml version="1.0" encoding="utf-8"?>
-<p:sld xmlns:a="http://schemas.openxmlformats.org/drawingml/2006/main" xmlns:r="http://schemas.openxmlformats.org/officeDocument/2006/relationships" xmlns:p="http://schemas.openxmlformats.org/presentationml/2006/main">
-  <p:cSld>
-    <p:spTree>
-      <p:nvGrpSpPr>
-        <p:cNvPr id="1" name=""/>
-        <p:cNvGrpSpPr/>
-        <p:nvPr/>
-      </p:nvGrpSpPr>
-      <p:grpSpPr>
-        <a:xfrm>
-          <a:off x="0" y="0"/>
-          <a:ext cx="0" cy="0"/>
-          <a:chOff x="0" y="0"/>
-          <a:chExt cx="0" cy="0"/>
-        </a:xfrm>
-      </p:grpSpPr>
-      <p:sp>
-        <p:nvSpPr>
-          <p:cNvPr id="5" name="Rectangle 4">
-            <a:extLst>
-              <a:ext uri="{FF2B5EF4-FFF2-40B4-BE49-F238E27FC236}">
-                <a16:creationId xmlns:a16="http://schemas.microsoft.com/office/drawing/2014/main" id="{7C7C3A47-A2F6-4664-A85C-9DA9D6669120}"/>
-              </a:ext>
-            </a:extLst>
-          </p:cNvPr>
-          <p:cNvSpPr/>
-          <p:nvPr/>
-        </p:nvSpPr>
-        <p:spPr>
-          <a:xfrm>
-            <a:off x="581192" y="4333461"/>
-            <a:ext cx="10643399" cy="1570382"/>
-          </a:xfrm>
-          <a:prstGeom prst="rect">
-            <a:avLst/>
-          </a:prstGeom>
-          <a:noFill/>
-          <a:ln>
-            <a:solidFill>
-              <a:schemeClr val="tx1"/>
-            </a:solidFill>
-          </a:ln>
-        </p:spPr>
-        <p:style>
-          <a:lnRef idx="2">
-            <a:schemeClr val="accent1">
-              <a:shade val="50000"/>
-            </a:schemeClr>
-          </a:lnRef>
-          <a:fillRef idx="1">
-            <a:schemeClr val="accent1"/>
-          </a:fillRef>
-          <a:effectRef idx="0">
-            <a:schemeClr val="accent1"/>
-          </a:effectRef>
-          <a:fontRef idx="minor">
-            <a:schemeClr val="lt1"/>
-          </a:fontRef>
-        </p:style>
-        <p:txBody>
-          <a:bodyPr rtlCol="0" anchor="ctr"/>
-          <a:lstStyle/>
-          <a:p>
-            <a:pPr algn="ctr"/>
-            <a:endParaRPr lang="en-US"/>
-          </a:p>
-        </p:txBody>
-      </p:sp>
-      <p:sp>
-        <p:nvSpPr>
-          <p:cNvPr id="2" name="Title 1">
-            <a:extLst>
-              <a:ext uri="{FF2B5EF4-FFF2-40B4-BE49-F238E27FC236}">
-                <a16:creationId xmlns:a16="http://schemas.microsoft.com/office/drawing/2014/main" id="{0CF20F46-7E84-4231-89B4-FF5F8A826EBE}"/>
-              </a:ext>
-            </a:extLst>
-          </p:cNvPr>
-          <p:cNvSpPr>
-            <a:spLocks noGrp="1"/>
-          </p:cNvSpPr>
-          <p:nvPr>
-            <p:ph type="title"/>
-          </p:nvPr>
-        </p:nvSpPr>
-        <p:spPr/>
-        <p:txBody>
-          <a:bodyPr/>
-          <a:lstStyle/>
-          <a:p>
-            <a:r>
-              <a:rPr lang="en-US" dirty="0"/>
-              <a:t>Risk of Failure:  Generated Code</a:t>
-            </a:r>
-          </a:p>
-        </p:txBody>
-      </p:sp>
-      <p:sp>
-        <p:nvSpPr>
-          <p:cNvPr id="3" name="Content Placeholder 2">
-            <a:extLst>
-              <a:ext uri="{FF2B5EF4-FFF2-40B4-BE49-F238E27FC236}">
-                <a16:creationId xmlns:a16="http://schemas.microsoft.com/office/drawing/2014/main" id="{DD560CE5-DFC1-47A2-93B0-4E716FF22662}"/>
-              </a:ext>
-            </a:extLst>
-          </p:cNvPr>
-          <p:cNvSpPr>
-            <a:spLocks noGrp="1"/>
-          </p:cNvSpPr>
-          <p:nvPr>
-            <p:ph idx="1"/>
-          </p:nvPr>
-        </p:nvSpPr>
-        <p:spPr>
-          <a:xfrm>
-            <a:off x="581192" y="1534712"/>
-            <a:ext cx="11029615" cy="4415514"/>
-          </a:xfrm>
-        </p:spPr>
-        <p:txBody>
-          <a:bodyPr>
-            <a:normAutofit/>
-          </a:bodyPr>
-          <a:lstStyle/>
-          <a:p>
-            <a:pPr marL="0" indent="0">
-              <a:spcBef>
-                <a:spcPts val="0"/>
-              </a:spcBef>
-              <a:spcAft>
-                <a:spcPts val="0"/>
-              </a:spcAft>
-              <a:buNone/>
-            </a:pPr>
-            <a:endParaRPr lang="en-US" sz="2000" b="1" dirty="0">
-              <a:solidFill>
-                <a:srgbClr val="0070C0"/>
-              </a:solidFill>
-              <a:latin typeface="SImPL" panose="02060600000200020004" pitchFamily="18" charset="0"/>
-              <a:ea typeface="SImPL" panose="02060600000200020004" pitchFamily="18" charset="0"/>
-              <a:cs typeface="SImPL" panose="02060600000200020004" pitchFamily="18" charset="0"/>
-            </a:endParaRPr>
-          </a:p>
-          <a:p>
-            <a:pPr marL="0" indent="0">
-              <a:spcBef>
-                <a:spcPts val="0"/>
-              </a:spcBef>
-              <a:spcAft>
-                <a:spcPts val="0"/>
-              </a:spcAft>
-              <a:buNone/>
-            </a:pPr>
-            <a:endParaRPr lang="en-US" sz="2000" b="1" dirty="0">
-              <a:solidFill>
-                <a:srgbClr val="0070C0"/>
-              </a:solidFill>
-              <a:latin typeface="SImPL" panose="02060600000200020004" pitchFamily="18" charset="0"/>
-              <a:ea typeface="SImPL" panose="02060600000200020004" pitchFamily="18" charset="0"/>
-              <a:cs typeface="SImPL" panose="02060600000200020004" pitchFamily="18" charset="0"/>
-            </a:endParaRPr>
-          </a:p>
-          <a:p>
-            <a:pPr marL="0" indent="0">
-              <a:spcBef>
-                <a:spcPts val="0"/>
-              </a:spcBef>
-              <a:spcAft>
-                <a:spcPts val="0"/>
-              </a:spcAft>
-              <a:buNone/>
-            </a:pPr>
-            <a:r>
-              <a:rPr lang="en-US" sz="1600" b="1" dirty="0">
-                <a:solidFill>
-                  <a:srgbClr val="7030A0"/>
-                </a:solidFill>
-                <a:latin typeface="SImPL" panose="02060600000200020004" pitchFamily="18" charset="0"/>
-                <a:ea typeface="SImPL" panose="02060600000200020004" pitchFamily="18" charset="0"/>
-                <a:cs typeface="SImPL" panose="02060600000200020004" pitchFamily="18" charset="0"/>
-              </a:rPr>
-              <a:t>double</a:t>
-            </a:r>
-            <a:r>
-              <a:rPr lang="en-US" sz="1600" dirty="0">
-                <a:latin typeface="SImPL" panose="02060600000200020004" pitchFamily="18" charset="0"/>
-                <a:ea typeface="SImPL" panose="02060600000200020004" pitchFamily="18" charset="0"/>
-                <a:cs typeface="SImPL" panose="02060600000200020004" pitchFamily="18" charset="0"/>
-              </a:rPr>
-              <a:t> </a:t>
-            </a:r>
-            <a:r>
-              <a:rPr lang="en-US" sz="1600" b="1" dirty="0" err="1">
-                <a:solidFill>
-                  <a:schemeClr val="accent3">
-                    <a:lumMod val="60000"/>
-                    <a:lumOff val="40000"/>
-                  </a:schemeClr>
-                </a:solidFill>
-                <a:latin typeface="SImPL" panose="02060600000200020004" pitchFamily="18" charset="0"/>
-                <a:ea typeface="SImPL" panose="02060600000200020004" pitchFamily="18" charset="0"/>
-                <a:cs typeface="SImPL" panose="02060600000200020004" pitchFamily="18" charset="0"/>
-              </a:rPr>
-              <a:t>func_B</a:t>
-            </a:r>
-            <a:r>
-              <a:rPr lang="en-US" sz="1600" dirty="0">
-                <a:latin typeface="SImPL" panose="02060600000200020004" pitchFamily="18" charset="0"/>
-                <a:ea typeface="SImPL" panose="02060600000200020004" pitchFamily="18" charset="0"/>
-                <a:cs typeface="SImPL" panose="02060600000200020004" pitchFamily="18" charset="0"/>
-              </a:rPr>
-              <a:t>(</a:t>
-            </a:r>
-            <a:r>
-              <a:rPr lang="en-US" sz="1600" dirty="0" err="1">
-                <a:latin typeface="SImPL" panose="02060600000200020004" pitchFamily="18" charset="0"/>
-                <a:ea typeface="SImPL" panose="02060600000200020004" pitchFamily="18" charset="0"/>
-                <a:cs typeface="SImPL" panose="02060600000200020004" pitchFamily="18" charset="0"/>
-              </a:rPr>
-              <a:t>InputParameters</a:t>
-            </a:r>
-            <a:r>
-              <a:rPr lang="en-US" sz="1600" dirty="0">
-                <a:latin typeface="SImPL" panose="02060600000200020004" pitchFamily="18" charset="0"/>
-                <a:ea typeface="SImPL" panose="02060600000200020004" pitchFamily="18" charset="0"/>
-                <a:cs typeface="SImPL" panose="02060600000200020004" pitchFamily="18" charset="0"/>
-              </a:rPr>
-              <a:t> &amp;</a:t>
-            </a:r>
-            <a:r>
-              <a:rPr lang="en-US" sz="1600" dirty="0" err="1">
-                <a:latin typeface="SImPL" panose="02060600000200020004" pitchFamily="18" charset="0"/>
-                <a:ea typeface="SImPL" panose="02060600000200020004" pitchFamily="18" charset="0"/>
-                <a:cs typeface="SImPL" panose="02060600000200020004" pitchFamily="18" charset="0"/>
-              </a:rPr>
-              <a:t>inParams</a:t>
-            </a:r>
-            <a:r>
-              <a:rPr lang="en-US" sz="1600" dirty="0">
-                <a:latin typeface="SImPL" panose="02060600000200020004" pitchFamily="18" charset="0"/>
-                <a:ea typeface="SImPL" panose="02060600000200020004" pitchFamily="18" charset="0"/>
-                <a:cs typeface="SImPL" panose="02060600000200020004" pitchFamily="18" charset="0"/>
-              </a:rPr>
-              <a:t>, </a:t>
-            </a:r>
-            <a:r>
-              <a:rPr lang="en-US" sz="1600" b="1" dirty="0">
-                <a:solidFill>
-                  <a:srgbClr val="7030A0"/>
-                </a:solidFill>
-                <a:latin typeface="SImPL" panose="02060600000200020004" pitchFamily="18" charset="0"/>
-                <a:ea typeface="SImPL" panose="02060600000200020004" pitchFamily="18" charset="0"/>
-                <a:cs typeface="SImPL" panose="02060600000200020004" pitchFamily="18" charset="0"/>
-              </a:rPr>
-              <a:t>double</a:t>
-            </a:r>
-            <a:r>
-              <a:rPr lang="en-US" sz="1600" dirty="0">
-                <a:latin typeface="SImPL" panose="02060600000200020004" pitchFamily="18" charset="0"/>
-                <a:ea typeface="SImPL" panose="02060600000200020004" pitchFamily="18" charset="0"/>
-                <a:cs typeface="SImPL" panose="02060600000200020004" pitchFamily="18" charset="0"/>
-              </a:rPr>
-              <a:t> J) {</a:t>
-            </a:r>
-          </a:p>
-          <a:p>
-            <a:pPr marL="0" indent="0">
-              <a:spcBef>
-                <a:spcPts val="0"/>
-              </a:spcBef>
-              <a:spcAft>
-                <a:spcPts val="0"/>
-              </a:spcAft>
-              <a:buNone/>
-            </a:pPr>
-            <a:r>
-              <a:rPr lang="en-US" sz="1600" dirty="0">
-                <a:latin typeface="SImPL" panose="02060600000200020004" pitchFamily="18" charset="0"/>
-                <a:ea typeface="SImPL" panose="02060600000200020004" pitchFamily="18" charset="0"/>
-                <a:cs typeface="SImPL" panose="02060600000200020004" pitchFamily="18" charset="0"/>
-              </a:rPr>
-              <a:t>    </a:t>
-            </a:r>
-            <a:r>
-              <a:rPr lang="en-US" sz="1600" b="1" dirty="0">
-                <a:solidFill>
-                  <a:srgbClr val="0070C0"/>
-                </a:solidFill>
-                <a:latin typeface="SImPL" panose="02060600000200020004" pitchFamily="18" charset="0"/>
-                <a:ea typeface="SImPL" panose="02060600000200020004" pitchFamily="18" charset="0"/>
-                <a:cs typeface="SImPL" panose="02060600000200020004" pitchFamily="18" charset="0"/>
-              </a:rPr>
-              <a:t>return</a:t>
-            </a:r>
-            <a:r>
-              <a:rPr lang="en-US" sz="1600" dirty="0">
-                <a:latin typeface="SImPL" panose="02060600000200020004" pitchFamily="18" charset="0"/>
-                <a:ea typeface="SImPL" panose="02060600000200020004" pitchFamily="18" charset="0"/>
-                <a:cs typeface="SImPL" panose="02060600000200020004" pitchFamily="18" charset="0"/>
-              </a:rPr>
-              <a:t> ((((</a:t>
-            </a:r>
-            <a:r>
-              <a:rPr lang="en-US" sz="1600" b="1" dirty="0">
-                <a:solidFill>
-                  <a:srgbClr val="F08D0A"/>
-                </a:solidFill>
-                <a:latin typeface="SImPL" panose="02060600000200020004" pitchFamily="18" charset="0"/>
-                <a:ea typeface="SImPL" panose="02060600000200020004" pitchFamily="18" charset="0"/>
-                <a:cs typeface="SImPL" panose="02060600000200020004" pitchFamily="18" charset="0"/>
-              </a:rPr>
-              <a:t>2.86</a:t>
-            </a:r>
-            <a:r>
-              <a:rPr lang="en-US" sz="1600" dirty="0">
-                <a:latin typeface="SImPL" panose="02060600000200020004" pitchFamily="18" charset="0"/>
-                <a:ea typeface="SImPL" panose="02060600000200020004" pitchFamily="18" charset="0"/>
-                <a:cs typeface="SImPL" panose="02060600000200020004" pitchFamily="18" charset="0"/>
-              </a:rPr>
-              <a:t> * (pow(</a:t>
-            </a:r>
-            <a:r>
-              <a:rPr lang="en-US" sz="1600" b="1" dirty="0">
-                <a:solidFill>
-                  <a:srgbClr val="F08D0A"/>
-                </a:solidFill>
-                <a:latin typeface="SImPL" panose="02060600000200020004" pitchFamily="18" charset="0"/>
-                <a:ea typeface="SImPL" panose="02060600000200020004" pitchFamily="18" charset="0"/>
-                <a:cs typeface="SImPL" panose="02060600000200020004" pitchFamily="18" charset="0"/>
-              </a:rPr>
-              <a:t>10</a:t>
-            </a:r>
-            <a:r>
-              <a:rPr lang="en-US" sz="1600" dirty="0">
-                <a:latin typeface="SImPL" panose="02060600000200020004" pitchFamily="18" charset="0"/>
-                <a:ea typeface="SImPL" panose="02060600000200020004" pitchFamily="18" charset="0"/>
-                <a:cs typeface="SImPL" panose="02060600000200020004" pitchFamily="18" charset="0"/>
-              </a:rPr>
-              <a:t>, -(</a:t>
-            </a:r>
-            <a:r>
-              <a:rPr lang="en-US" sz="1600" b="1" dirty="0">
-                <a:solidFill>
-                  <a:srgbClr val="F08D0A"/>
-                </a:solidFill>
-                <a:latin typeface="SImPL" panose="02060600000200020004" pitchFamily="18" charset="0"/>
-                <a:ea typeface="SImPL" panose="02060600000200020004" pitchFamily="18" charset="0"/>
-                <a:cs typeface="SImPL" panose="02060600000200020004" pitchFamily="18" charset="0"/>
-              </a:rPr>
-              <a:t>53</a:t>
-            </a:r>
-            <a:r>
-              <a:rPr lang="en-US" sz="1600" dirty="0">
-                <a:latin typeface="SImPL" panose="02060600000200020004" pitchFamily="18" charset="0"/>
-                <a:ea typeface="SImPL" panose="02060600000200020004" pitchFamily="18" charset="0"/>
-                <a:cs typeface="SImPL" panose="02060600000200020004" pitchFamily="18" charset="0"/>
-              </a:rPr>
-              <a:t>)))) / (pow(</a:t>
-            </a:r>
-            <a:r>
-              <a:rPr lang="en-US" sz="1600" dirty="0" err="1">
-                <a:latin typeface="SImPL" panose="02060600000200020004" pitchFamily="18" charset="0"/>
-                <a:ea typeface="SImPL" panose="02060600000200020004" pitchFamily="18" charset="0"/>
-                <a:cs typeface="SImPL" panose="02060600000200020004" pitchFamily="18" charset="0"/>
-              </a:rPr>
-              <a:t>inParams.a</a:t>
-            </a:r>
-            <a:r>
-              <a:rPr lang="en-US" sz="1600" dirty="0">
-                <a:latin typeface="SImPL" panose="02060600000200020004" pitchFamily="18" charset="0"/>
-                <a:ea typeface="SImPL" panose="02060600000200020004" pitchFamily="18" charset="0"/>
-                <a:cs typeface="SImPL" panose="02060600000200020004" pitchFamily="18" charset="0"/>
-              </a:rPr>
-              <a:t> * </a:t>
-            </a:r>
-            <a:r>
-              <a:rPr lang="en-US" sz="1600" dirty="0" err="1">
-                <a:latin typeface="SImPL" panose="02060600000200020004" pitchFamily="18" charset="0"/>
-                <a:ea typeface="SImPL" panose="02060600000200020004" pitchFamily="18" charset="0"/>
-                <a:cs typeface="SImPL" panose="02060600000200020004" pitchFamily="18" charset="0"/>
-              </a:rPr>
-              <a:t>inParams.b</a:t>
-            </a:r>
-            <a:r>
-              <a:rPr lang="en-US" sz="1600" dirty="0">
-                <a:latin typeface="SImPL" panose="02060600000200020004" pitchFamily="18" charset="0"/>
-                <a:ea typeface="SImPL" panose="02060600000200020004" pitchFamily="18" charset="0"/>
-                <a:cs typeface="SImPL" panose="02060600000200020004" pitchFamily="18" charset="0"/>
-              </a:rPr>
-              <a:t>, </a:t>
-            </a:r>
-            <a:r>
-              <a:rPr lang="en-US" sz="1600" b="1" dirty="0">
-                <a:solidFill>
-                  <a:srgbClr val="F08D0A"/>
-                </a:solidFill>
-                <a:latin typeface="SImPL" panose="02060600000200020004" pitchFamily="18" charset="0"/>
-                <a:ea typeface="SImPL" panose="02060600000200020004" pitchFamily="18" charset="0"/>
-                <a:cs typeface="SImPL" panose="02060600000200020004" pitchFamily="18" charset="0"/>
-              </a:rPr>
-              <a:t>7</a:t>
-            </a:r>
-            <a:r>
-              <a:rPr lang="en-US" sz="1600" dirty="0">
-                <a:latin typeface="SImPL" panose="02060600000200020004" pitchFamily="18" charset="0"/>
-                <a:ea typeface="SImPL" panose="02060600000200020004" pitchFamily="18" charset="0"/>
-                <a:cs typeface="SImPL" panose="02060600000200020004" pitchFamily="18" charset="0"/>
-              </a:rPr>
-              <a:t> - </a:t>
-            </a:r>
-            <a:r>
-              <a:rPr lang="en-US" sz="1600" b="1" dirty="0">
-                <a:solidFill>
-                  <a:srgbClr val="F08D0A"/>
-                </a:solidFill>
-                <a:latin typeface="SImPL" panose="02060600000200020004" pitchFamily="18" charset="0"/>
-                <a:ea typeface="SImPL" panose="02060600000200020004" pitchFamily="18" charset="0"/>
-                <a:cs typeface="SImPL" panose="02060600000200020004" pitchFamily="18" charset="0"/>
-              </a:rPr>
-              <a:t>1</a:t>
-            </a:r>
-            <a:r>
-              <a:rPr lang="en-US" sz="1600" dirty="0">
-                <a:latin typeface="SImPL" panose="02060600000200020004" pitchFamily="18" charset="0"/>
-                <a:ea typeface="SImPL" panose="02060600000200020004" pitchFamily="18" charset="0"/>
-                <a:cs typeface="SImPL" panose="02060600000200020004" pitchFamily="18" charset="0"/>
-              </a:rPr>
-              <a:t>))) * </a:t>
-            </a:r>
-          </a:p>
-          <a:p>
-            <a:pPr marL="0" indent="0">
-              <a:spcBef>
-                <a:spcPts val="0"/>
-              </a:spcBef>
-              <a:spcAft>
-                <a:spcPts val="0"/>
-              </a:spcAft>
-              <a:buNone/>
-            </a:pPr>
-            <a:r>
-              <a:rPr lang="en-US" sz="1600" dirty="0">
-                <a:latin typeface="SImPL" panose="02060600000200020004" pitchFamily="18" charset="0"/>
-                <a:ea typeface="SImPL" panose="02060600000200020004" pitchFamily="18" charset="0"/>
-                <a:cs typeface="SImPL" panose="02060600000200020004" pitchFamily="18" charset="0"/>
-              </a:rPr>
-              <a:t>		(pow(((</a:t>
-            </a:r>
-            <a:r>
-              <a:rPr lang="en-US" sz="1600" b="1" dirty="0">
-                <a:solidFill>
-                  <a:srgbClr val="F08D0A"/>
-                </a:solidFill>
-                <a:latin typeface="SImPL" panose="02060600000200020004" pitchFamily="18" charset="0"/>
-                <a:ea typeface="SImPL" panose="02060600000200020004" pitchFamily="18" charset="0"/>
-                <a:cs typeface="SImPL" panose="02060600000200020004" pitchFamily="18" charset="0"/>
-              </a:rPr>
-              <a:t>7.17</a:t>
-            </a:r>
-            <a:r>
-              <a:rPr lang="en-US" sz="1600" dirty="0">
-                <a:latin typeface="SImPL" panose="02060600000200020004" pitchFamily="18" charset="0"/>
-                <a:ea typeface="SImPL" panose="02060600000200020004" pitchFamily="18" charset="0"/>
-                <a:cs typeface="SImPL" panose="02060600000200020004" pitchFamily="18" charset="0"/>
-              </a:rPr>
-              <a:t> * (pow(</a:t>
-            </a:r>
-            <a:r>
-              <a:rPr lang="en-US" sz="1600" b="1" dirty="0">
-                <a:solidFill>
-                  <a:srgbClr val="F08D0A"/>
-                </a:solidFill>
-                <a:latin typeface="SImPL" panose="02060600000200020004" pitchFamily="18" charset="0"/>
-                <a:ea typeface="SImPL" panose="02060600000200020004" pitchFamily="18" charset="0"/>
-                <a:cs typeface="SImPL" panose="02060600000200020004" pitchFamily="18" charset="0"/>
-              </a:rPr>
-              <a:t>10</a:t>
-            </a:r>
-            <a:r>
-              <a:rPr lang="en-US" sz="1600" dirty="0">
-                <a:latin typeface="SImPL" panose="02060600000200020004" pitchFamily="18" charset="0"/>
-                <a:ea typeface="SImPL" panose="02060600000200020004" pitchFamily="18" charset="0"/>
-                <a:cs typeface="SImPL" panose="02060600000200020004" pitchFamily="18" charset="0"/>
-              </a:rPr>
-              <a:t>, </a:t>
-            </a:r>
-            <a:r>
-              <a:rPr lang="en-US" sz="1600" b="1" dirty="0">
-                <a:solidFill>
-                  <a:srgbClr val="F08D0A"/>
-                </a:solidFill>
-                <a:latin typeface="SImPL" panose="02060600000200020004" pitchFamily="18" charset="0"/>
-                <a:ea typeface="SImPL" panose="02060600000200020004" pitchFamily="18" charset="0"/>
-                <a:cs typeface="SImPL" panose="02060600000200020004" pitchFamily="18" charset="0"/>
-              </a:rPr>
-              <a:t>7</a:t>
-            </a:r>
-            <a:r>
-              <a:rPr lang="en-US" sz="1600" dirty="0">
-                <a:latin typeface="SImPL" panose="02060600000200020004" pitchFamily="18" charset="0"/>
-                <a:ea typeface="SImPL" panose="02060600000200020004" pitchFamily="18" charset="0"/>
-                <a:cs typeface="SImPL" panose="02060600000200020004" pitchFamily="18" charset="0"/>
-              </a:rPr>
-              <a:t>))) * </a:t>
-            </a:r>
-            <a:r>
-              <a:rPr lang="en-US" sz="1600" b="1" dirty="0">
-                <a:solidFill>
-                  <a:srgbClr val="F08D0A"/>
-                </a:solidFill>
-                <a:latin typeface="SImPL" panose="02060600000200020004" pitchFamily="18" charset="0"/>
-                <a:ea typeface="SImPL" panose="02060600000200020004" pitchFamily="18" charset="0"/>
-                <a:cs typeface="SImPL" panose="02060600000200020004" pitchFamily="18" charset="0"/>
-              </a:rPr>
-              <a:t>1000</a:t>
-            </a:r>
-            <a:r>
-              <a:rPr lang="en-US" sz="1600" dirty="0">
-                <a:latin typeface="SImPL" panose="02060600000200020004" pitchFamily="18" charset="0"/>
-                <a:ea typeface="SImPL" panose="02060600000200020004" pitchFamily="18" charset="0"/>
-                <a:cs typeface="SImPL" panose="02060600000200020004" pitchFamily="18" charset="0"/>
-              </a:rPr>
-              <a:t>) * (pow(</a:t>
-            </a:r>
-            <a:r>
-              <a:rPr lang="en-US" sz="1600" dirty="0" err="1">
-                <a:latin typeface="SImPL" panose="02060600000200020004" pitchFamily="18" charset="0"/>
-                <a:ea typeface="SImPL" panose="02060600000200020004" pitchFamily="18" charset="0"/>
-                <a:cs typeface="SImPL" panose="02060600000200020004" pitchFamily="18" charset="0"/>
-              </a:rPr>
-              <a:t>inParams.h</a:t>
-            </a:r>
-            <a:r>
-              <a:rPr lang="en-US" sz="1600" dirty="0">
-                <a:latin typeface="SImPL" panose="02060600000200020004" pitchFamily="18" charset="0"/>
-                <a:ea typeface="SImPL" panose="02060600000200020004" pitchFamily="18" charset="0"/>
-                <a:cs typeface="SImPL" panose="02060600000200020004" pitchFamily="18" charset="0"/>
-              </a:rPr>
-              <a:t>, </a:t>
-            </a:r>
-            <a:r>
-              <a:rPr lang="en-US" sz="1600" b="1" dirty="0">
-                <a:solidFill>
-                  <a:srgbClr val="F08D0A"/>
-                </a:solidFill>
-                <a:latin typeface="SImPL" panose="02060600000200020004" pitchFamily="18" charset="0"/>
-                <a:ea typeface="SImPL" panose="02060600000200020004" pitchFamily="18" charset="0"/>
-                <a:cs typeface="SImPL" panose="02060600000200020004" pitchFamily="18" charset="0"/>
-              </a:rPr>
-              <a:t>2</a:t>
-            </a:r>
-            <a:r>
-              <a:rPr lang="en-US" sz="1600" dirty="0">
-                <a:latin typeface="SImPL" panose="02060600000200020004" pitchFamily="18" charset="0"/>
-                <a:ea typeface="SImPL" panose="02060600000200020004" pitchFamily="18" charset="0"/>
-                <a:cs typeface="SImPL" panose="02060600000200020004" pitchFamily="18" charset="0"/>
-              </a:rPr>
-              <a:t>)), </a:t>
-            </a:r>
-            <a:r>
-              <a:rPr lang="en-US" sz="1600" b="1" dirty="0">
-                <a:solidFill>
-                  <a:srgbClr val="F08D0A"/>
-                </a:solidFill>
-                <a:latin typeface="SImPL" panose="02060600000200020004" pitchFamily="18" charset="0"/>
-                <a:ea typeface="SImPL" panose="02060600000200020004" pitchFamily="18" charset="0"/>
-                <a:cs typeface="SImPL" panose="02060600000200020004" pitchFamily="18" charset="0"/>
-              </a:rPr>
-              <a:t>7</a:t>
-            </a:r>
-            <a:r>
-              <a:rPr lang="en-US" sz="1600" dirty="0">
-                <a:latin typeface="SImPL" panose="02060600000200020004" pitchFamily="18" charset="0"/>
-                <a:ea typeface="SImPL" panose="02060600000200020004" pitchFamily="18" charset="0"/>
-                <a:cs typeface="SImPL" panose="02060600000200020004" pitchFamily="18" charset="0"/>
-              </a:rPr>
-              <a:t>))) * </a:t>
-            </a:r>
-          </a:p>
-          <a:p>
-            <a:pPr marL="0" indent="0">
-              <a:spcBef>
-                <a:spcPts val="0"/>
-              </a:spcBef>
-              <a:spcAft>
-                <a:spcPts val="0"/>
-              </a:spcAft>
-              <a:buNone/>
-            </a:pPr>
-            <a:r>
-              <a:rPr lang="en-US" sz="1600" dirty="0">
-                <a:latin typeface="SImPL" panose="02060600000200020004" pitchFamily="18" charset="0"/>
-                <a:ea typeface="SImPL" panose="02060600000200020004" pitchFamily="18" charset="0"/>
-                <a:cs typeface="SImPL" panose="02060600000200020004" pitchFamily="18" charset="0"/>
-              </a:rPr>
-              <a:t>		(pow(</a:t>
-            </a:r>
-            <a:r>
-              <a:rPr lang="en-US" sz="1600" b="1" dirty="0">
-                <a:solidFill>
-                  <a:srgbClr val="F08D0A"/>
-                </a:solidFill>
-                <a:latin typeface="SImPL" panose="02060600000200020004" pitchFamily="18" charset="0"/>
-                <a:ea typeface="SImPL" panose="02060600000200020004" pitchFamily="18" charset="0"/>
-                <a:cs typeface="SImPL" panose="02060600000200020004" pitchFamily="18" charset="0"/>
-              </a:rPr>
-              <a:t>3</a:t>
-            </a:r>
-            <a:r>
-              <a:rPr lang="en-US" sz="1600" dirty="0">
-                <a:latin typeface="SImPL" panose="02060600000200020004" pitchFamily="18" charset="0"/>
-                <a:ea typeface="SImPL" panose="02060600000200020004" pitchFamily="18" charset="0"/>
-                <a:cs typeface="SImPL" panose="02060600000200020004" pitchFamily="18" charset="0"/>
-              </a:rPr>
-              <a:t> / </a:t>
-            </a:r>
-            <a:r>
-              <a:rPr lang="en-US" sz="1600" b="1" dirty="0">
-                <a:solidFill>
-                  <a:srgbClr val="F08D0A"/>
-                </a:solidFill>
-                <a:latin typeface="SImPL" panose="02060600000200020004" pitchFamily="18" charset="0"/>
-                <a:ea typeface="SImPL" panose="02060600000200020004" pitchFamily="18" charset="0"/>
-                <a:cs typeface="SImPL" panose="02060600000200020004" pitchFamily="18" charset="0"/>
-              </a:rPr>
-              <a:t>60</a:t>
-            </a:r>
-            <a:r>
-              <a:rPr lang="en-US" sz="1600" dirty="0">
-                <a:latin typeface="SImPL" panose="02060600000200020004" pitchFamily="18" charset="0"/>
-                <a:ea typeface="SImPL" panose="02060600000200020004" pitchFamily="18" charset="0"/>
-                <a:cs typeface="SImPL" panose="02060600000200020004" pitchFamily="18" charset="0"/>
-              </a:rPr>
-              <a:t>, </a:t>
-            </a:r>
-            <a:r>
-              <a:rPr lang="en-US" sz="1600" b="1" dirty="0">
-                <a:solidFill>
-                  <a:srgbClr val="F08D0A"/>
-                </a:solidFill>
-                <a:latin typeface="SImPL" panose="02060600000200020004" pitchFamily="18" charset="0"/>
-                <a:ea typeface="SImPL" panose="02060600000200020004" pitchFamily="18" charset="0"/>
-                <a:cs typeface="SImPL" panose="02060600000200020004" pitchFamily="18" charset="0"/>
-              </a:rPr>
-              <a:t>7</a:t>
-            </a:r>
-            <a:r>
-              <a:rPr lang="en-US" sz="1600" dirty="0">
-                <a:latin typeface="SImPL" panose="02060600000200020004" pitchFamily="18" charset="0"/>
-                <a:ea typeface="SImPL" panose="02060600000200020004" pitchFamily="18" charset="0"/>
-                <a:cs typeface="SImPL" panose="02060600000200020004" pitchFamily="18" charset="0"/>
-              </a:rPr>
-              <a:t> / </a:t>
-            </a:r>
-            <a:r>
-              <a:rPr lang="en-US" sz="1600" b="1" dirty="0">
-                <a:solidFill>
-                  <a:srgbClr val="F08D0A"/>
-                </a:solidFill>
-                <a:latin typeface="SImPL" panose="02060600000200020004" pitchFamily="18" charset="0"/>
-                <a:ea typeface="SImPL" panose="02060600000200020004" pitchFamily="18" charset="0"/>
-                <a:cs typeface="SImPL" panose="02060600000200020004" pitchFamily="18" charset="0"/>
-              </a:rPr>
-              <a:t>16</a:t>
-            </a:r>
-            <a:r>
-              <a:rPr lang="en-US" sz="1600" dirty="0">
-                <a:latin typeface="SImPL" panose="02060600000200020004" pitchFamily="18" charset="0"/>
-                <a:ea typeface="SImPL" panose="02060600000200020004" pitchFamily="18" charset="0"/>
-                <a:cs typeface="SImPL" panose="02060600000200020004" pitchFamily="18" charset="0"/>
-              </a:rPr>
-              <a:t>))) * (</a:t>
-            </a:r>
-            <a:r>
-              <a:rPr lang="en-US" sz="1600" dirty="0" err="1">
-                <a:latin typeface="SImPL" panose="02060600000200020004" pitchFamily="18" charset="0"/>
-                <a:ea typeface="SImPL" panose="02060600000200020004" pitchFamily="18" charset="0"/>
-                <a:cs typeface="SImPL" panose="02060600000200020004" pitchFamily="18" charset="0"/>
-              </a:rPr>
-              <a:t>exp</a:t>
-            </a:r>
-            <a:r>
-              <a:rPr lang="en-US" sz="1600" dirty="0">
-                <a:latin typeface="SImPL" panose="02060600000200020004" pitchFamily="18" charset="0"/>
-                <a:ea typeface="SImPL" panose="02060600000200020004" pitchFamily="18" charset="0"/>
-                <a:cs typeface="SImPL" panose="02060600000200020004" pitchFamily="18" charset="0"/>
-              </a:rPr>
-              <a:t>(J));</a:t>
-            </a:r>
-          </a:p>
-          <a:p>
-            <a:pPr marL="0" indent="0">
-              <a:spcBef>
-                <a:spcPts val="0"/>
-              </a:spcBef>
-              <a:spcAft>
-                <a:spcPts val="0"/>
-              </a:spcAft>
-              <a:buNone/>
-            </a:pPr>
-            <a:r>
-              <a:rPr lang="en-US" sz="1600" dirty="0">
-                <a:latin typeface="SImPL" panose="02060600000200020004" pitchFamily="18" charset="0"/>
-                <a:ea typeface="SImPL" panose="02060600000200020004" pitchFamily="18" charset="0"/>
-                <a:cs typeface="SImPL" panose="02060600000200020004" pitchFamily="18" charset="0"/>
-              </a:rPr>
-              <a:t>}</a:t>
-            </a:r>
-          </a:p>
-          <a:p>
-            <a:pPr marL="0" indent="0">
-              <a:spcBef>
-                <a:spcPts val="0"/>
-              </a:spcBef>
-              <a:spcAft>
-                <a:spcPts val="0"/>
-              </a:spcAft>
-              <a:buNone/>
-            </a:pPr>
-            <a:endParaRPr lang="en-US" sz="1600" dirty="0">
-              <a:latin typeface="SImPL" panose="02060600000200020004" pitchFamily="18" charset="0"/>
-              <a:ea typeface="SImPL" panose="02060600000200020004" pitchFamily="18" charset="0"/>
-              <a:cs typeface="SImPL" panose="02060600000200020004" pitchFamily="18" charset="0"/>
-            </a:endParaRPr>
-          </a:p>
-          <a:p>
-            <a:pPr marL="0" indent="0">
-              <a:spcBef>
-                <a:spcPts val="0"/>
-              </a:spcBef>
-              <a:spcAft>
-                <a:spcPts val="0"/>
-              </a:spcAft>
-              <a:buNone/>
-            </a:pPr>
-            <a:endParaRPr lang="en-US" sz="1600" dirty="0">
-              <a:latin typeface="SImPL" panose="02060600000200020004" pitchFamily="18" charset="0"/>
-              <a:ea typeface="SImPL" panose="02060600000200020004" pitchFamily="18" charset="0"/>
-              <a:cs typeface="SImPL" panose="02060600000200020004" pitchFamily="18" charset="0"/>
-            </a:endParaRPr>
-          </a:p>
-          <a:p>
-            <a:pPr marL="0" indent="0">
-              <a:spcBef>
-                <a:spcPts val="0"/>
-              </a:spcBef>
-              <a:spcAft>
-                <a:spcPts val="0"/>
-              </a:spcAft>
-              <a:buNone/>
-            </a:pPr>
-            <a:endParaRPr lang="en-US" sz="1600" dirty="0">
-              <a:latin typeface="SImPL" panose="02060600000200020004" pitchFamily="18" charset="0"/>
-              <a:ea typeface="SImPL" panose="02060600000200020004" pitchFamily="18" charset="0"/>
-              <a:cs typeface="SImPL" panose="02060600000200020004" pitchFamily="18" charset="0"/>
-            </a:endParaRPr>
-          </a:p>
-          <a:p>
-            <a:pPr marL="0" indent="0">
-              <a:spcBef>
-                <a:spcPts val="0"/>
-              </a:spcBef>
-              <a:spcAft>
-                <a:spcPts val="0"/>
-              </a:spcAft>
-              <a:buNone/>
-            </a:pPr>
-            <a:endParaRPr lang="en-US" sz="1600" dirty="0">
-              <a:latin typeface="SImPL" panose="02060600000200020004" pitchFamily="18" charset="0"/>
-              <a:ea typeface="SImPL" panose="02060600000200020004" pitchFamily="18" charset="0"/>
-              <a:cs typeface="SImPL" panose="02060600000200020004" pitchFamily="18" charset="0"/>
-            </a:endParaRPr>
-          </a:p>
-          <a:p>
-            <a:pPr marL="0" indent="0">
-              <a:spcBef>
-                <a:spcPts val="0"/>
-              </a:spcBef>
-              <a:spcAft>
-                <a:spcPts val="0"/>
-              </a:spcAft>
-              <a:buNone/>
-            </a:pPr>
-            <a:r>
-              <a:rPr lang="en-US" sz="1600" b="1" dirty="0">
-                <a:solidFill>
-                  <a:srgbClr val="7030A0"/>
-                </a:solidFill>
-                <a:latin typeface="SImPL" panose="02060600000200020004" pitchFamily="18" charset="0"/>
-                <a:ea typeface="SImPL" panose="02060600000200020004" pitchFamily="18" charset="0"/>
-                <a:cs typeface="SImPL" panose="02060600000200020004" pitchFamily="18" charset="0"/>
-              </a:rPr>
-              <a:t>public static double</a:t>
-            </a:r>
-            <a:r>
-              <a:rPr lang="en-US" sz="1600" b="1" dirty="0">
-                <a:solidFill>
-                  <a:srgbClr val="F08D0A"/>
-                </a:solidFill>
-                <a:latin typeface="SImPL" panose="02060600000200020004" pitchFamily="18" charset="0"/>
-                <a:ea typeface="SImPL" panose="02060600000200020004" pitchFamily="18" charset="0"/>
-                <a:cs typeface="SImPL" panose="02060600000200020004" pitchFamily="18" charset="0"/>
-              </a:rPr>
-              <a:t> </a:t>
-            </a:r>
-            <a:r>
-              <a:rPr lang="en-US" sz="1600" b="1" dirty="0" err="1">
-                <a:solidFill>
-                  <a:schemeClr val="accent3">
-                    <a:lumMod val="60000"/>
-                    <a:lumOff val="40000"/>
-                  </a:schemeClr>
-                </a:solidFill>
-                <a:latin typeface="SImPL" panose="02060600000200020004" pitchFamily="18" charset="0"/>
-                <a:ea typeface="SImPL" panose="02060600000200020004" pitchFamily="18" charset="0"/>
-                <a:cs typeface="SImPL" panose="02060600000200020004" pitchFamily="18" charset="0"/>
-              </a:rPr>
-              <a:t>func_B</a:t>
-            </a:r>
-            <a:r>
-              <a:rPr lang="en-US" sz="1600" dirty="0">
-                <a:latin typeface="SImPL" panose="02060600000200020004" pitchFamily="18" charset="0"/>
-                <a:ea typeface="SImPL" panose="02060600000200020004" pitchFamily="18" charset="0"/>
-                <a:cs typeface="SImPL" panose="02060600000200020004" pitchFamily="18" charset="0"/>
-              </a:rPr>
-              <a:t>(</a:t>
-            </a:r>
-            <a:r>
-              <a:rPr lang="en-US" sz="1600" dirty="0" err="1">
-                <a:latin typeface="SImPL" panose="02060600000200020004" pitchFamily="18" charset="0"/>
-                <a:ea typeface="SImPL" panose="02060600000200020004" pitchFamily="18" charset="0"/>
-                <a:cs typeface="SImPL" panose="02060600000200020004" pitchFamily="18" charset="0"/>
-              </a:rPr>
-              <a:t>InputParameters</a:t>
-            </a:r>
-            <a:r>
-              <a:rPr lang="en-US" sz="1600" dirty="0">
-                <a:latin typeface="SImPL" panose="02060600000200020004" pitchFamily="18" charset="0"/>
-                <a:ea typeface="SImPL" panose="02060600000200020004" pitchFamily="18" charset="0"/>
-                <a:cs typeface="SImPL" panose="02060600000200020004" pitchFamily="18" charset="0"/>
-              </a:rPr>
-              <a:t> </a:t>
-            </a:r>
-            <a:r>
-              <a:rPr lang="en-US" sz="1600" dirty="0" err="1">
-                <a:latin typeface="SImPL" panose="02060600000200020004" pitchFamily="18" charset="0"/>
-                <a:ea typeface="SImPL" panose="02060600000200020004" pitchFamily="18" charset="0"/>
-                <a:cs typeface="SImPL" panose="02060600000200020004" pitchFamily="18" charset="0"/>
-              </a:rPr>
-              <a:t>inParams</a:t>
-            </a:r>
-            <a:r>
-              <a:rPr lang="en-US" sz="1600" dirty="0">
-                <a:latin typeface="SImPL" panose="02060600000200020004" pitchFamily="18" charset="0"/>
-                <a:ea typeface="SImPL" panose="02060600000200020004" pitchFamily="18" charset="0"/>
-                <a:cs typeface="SImPL" panose="02060600000200020004" pitchFamily="18" charset="0"/>
-              </a:rPr>
-              <a:t>, </a:t>
-            </a:r>
-            <a:r>
-              <a:rPr lang="en-US" sz="1600" b="1" dirty="0">
-                <a:solidFill>
-                  <a:srgbClr val="7030A0"/>
-                </a:solidFill>
-                <a:latin typeface="SImPL" panose="02060600000200020004" pitchFamily="18" charset="0"/>
-                <a:ea typeface="SImPL" panose="02060600000200020004" pitchFamily="18" charset="0"/>
-                <a:cs typeface="SImPL" panose="02060600000200020004" pitchFamily="18" charset="0"/>
-              </a:rPr>
-              <a:t>double</a:t>
-            </a:r>
-            <a:r>
-              <a:rPr lang="en-US" sz="1600" dirty="0">
-                <a:latin typeface="SImPL" panose="02060600000200020004" pitchFamily="18" charset="0"/>
-                <a:ea typeface="SImPL" panose="02060600000200020004" pitchFamily="18" charset="0"/>
-                <a:cs typeface="SImPL" panose="02060600000200020004" pitchFamily="18" charset="0"/>
-              </a:rPr>
-              <a:t> J) {</a:t>
-            </a:r>
-          </a:p>
-          <a:p>
-            <a:pPr marL="0" indent="0">
-              <a:spcBef>
-                <a:spcPts val="0"/>
-              </a:spcBef>
-              <a:spcAft>
-                <a:spcPts val="0"/>
-              </a:spcAft>
-              <a:buNone/>
-            </a:pPr>
-            <a:r>
-              <a:rPr lang="en-US" sz="1600" dirty="0">
-                <a:latin typeface="SImPL" panose="02060600000200020004" pitchFamily="18" charset="0"/>
-                <a:ea typeface="SImPL" panose="02060600000200020004" pitchFamily="18" charset="0"/>
-                <a:cs typeface="SImPL" panose="02060600000200020004" pitchFamily="18" charset="0"/>
-              </a:rPr>
-              <a:t>	</a:t>
-            </a:r>
-            <a:r>
-              <a:rPr lang="en-US" sz="1600" b="1" dirty="0">
-                <a:solidFill>
-                  <a:srgbClr val="0070C0"/>
-                </a:solidFill>
-                <a:latin typeface="SImPL" panose="02060600000200020004" pitchFamily="18" charset="0"/>
-                <a:ea typeface="SImPL" panose="02060600000200020004" pitchFamily="18" charset="0"/>
-                <a:cs typeface="SImPL" panose="02060600000200020004" pitchFamily="18" charset="0"/>
-              </a:rPr>
-              <a:t>return</a:t>
-            </a:r>
-            <a:r>
-              <a:rPr lang="en-US" sz="1600" dirty="0">
-                <a:latin typeface="SImPL" panose="02060600000200020004" pitchFamily="18" charset="0"/>
-                <a:ea typeface="SImPL" panose="02060600000200020004" pitchFamily="18" charset="0"/>
-                <a:cs typeface="SImPL" panose="02060600000200020004" pitchFamily="18" charset="0"/>
-              </a:rPr>
-              <a:t> ((((</a:t>
-            </a:r>
-            <a:r>
-              <a:rPr lang="en-US" sz="1600" b="1" dirty="0">
-                <a:solidFill>
-                  <a:srgbClr val="F08D0A"/>
-                </a:solidFill>
-                <a:latin typeface="SImPL" panose="02060600000200020004" pitchFamily="18" charset="0"/>
-                <a:ea typeface="SImPL" panose="02060600000200020004" pitchFamily="18" charset="0"/>
-                <a:cs typeface="SImPL" panose="02060600000200020004" pitchFamily="18" charset="0"/>
-              </a:rPr>
-              <a:t>2.86</a:t>
-            </a:r>
-            <a:r>
-              <a:rPr lang="en-US" sz="1600" dirty="0">
-                <a:latin typeface="SImPL" panose="02060600000200020004" pitchFamily="18" charset="0"/>
-                <a:ea typeface="SImPL" panose="02060600000200020004" pitchFamily="18" charset="0"/>
-                <a:cs typeface="SImPL" panose="02060600000200020004" pitchFamily="18" charset="0"/>
-              </a:rPr>
-              <a:t> * (</a:t>
-            </a:r>
-            <a:r>
-              <a:rPr lang="en-US" sz="1600" dirty="0" err="1">
-                <a:latin typeface="SImPL" panose="02060600000200020004" pitchFamily="18" charset="0"/>
-                <a:ea typeface="SImPL" panose="02060600000200020004" pitchFamily="18" charset="0"/>
-                <a:cs typeface="SImPL" panose="02060600000200020004" pitchFamily="18" charset="0"/>
-              </a:rPr>
-              <a:t>Math.Pow</a:t>
-            </a:r>
-            <a:r>
-              <a:rPr lang="en-US" sz="1600" dirty="0">
-                <a:latin typeface="SImPL" panose="02060600000200020004" pitchFamily="18" charset="0"/>
-                <a:ea typeface="SImPL" panose="02060600000200020004" pitchFamily="18" charset="0"/>
-                <a:cs typeface="SImPL" panose="02060600000200020004" pitchFamily="18" charset="0"/>
-              </a:rPr>
-              <a:t>(</a:t>
-            </a:r>
-            <a:r>
-              <a:rPr lang="en-US" sz="1600" b="1" dirty="0">
-                <a:solidFill>
-                  <a:srgbClr val="F08D0A"/>
-                </a:solidFill>
-                <a:latin typeface="SImPL" panose="02060600000200020004" pitchFamily="18" charset="0"/>
-                <a:ea typeface="SImPL" panose="02060600000200020004" pitchFamily="18" charset="0"/>
-                <a:cs typeface="SImPL" panose="02060600000200020004" pitchFamily="18" charset="0"/>
-              </a:rPr>
-              <a:t>10</a:t>
-            </a:r>
-            <a:r>
-              <a:rPr lang="en-US" sz="1600" dirty="0">
-                <a:latin typeface="SImPL" panose="02060600000200020004" pitchFamily="18" charset="0"/>
-                <a:ea typeface="SImPL" panose="02060600000200020004" pitchFamily="18" charset="0"/>
-                <a:cs typeface="SImPL" panose="02060600000200020004" pitchFamily="18" charset="0"/>
-              </a:rPr>
-              <a:t>, -(</a:t>
-            </a:r>
-            <a:r>
-              <a:rPr lang="en-US" sz="1600" b="1" dirty="0">
-                <a:solidFill>
-                  <a:srgbClr val="F08D0A"/>
-                </a:solidFill>
-                <a:latin typeface="SImPL" panose="02060600000200020004" pitchFamily="18" charset="0"/>
-                <a:ea typeface="SImPL" panose="02060600000200020004" pitchFamily="18" charset="0"/>
-                <a:cs typeface="SImPL" panose="02060600000200020004" pitchFamily="18" charset="0"/>
-              </a:rPr>
-              <a:t>53</a:t>
-            </a:r>
-            <a:r>
-              <a:rPr lang="en-US" sz="1600" dirty="0">
-                <a:latin typeface="SImPL" panose="02060600000200020004" pitchFamily="18" charset="0"/>
-                <a:ea typeface="SImPL" panose="02060600000200020004" pitchFamily="18" charset="0"/>
-                <a:cs typeface="SImPL" panose="02060600000200020004" pitchFamily="18" charset="0"/>
-              </a:rPr>
-              <a:t>)))) / </a:t>
-            </a:r>
-          </a:p>
-          <a:p>
-            <a:pPr marL="0" indent="0">
-              <a:spcBef>
-                <a:spcPts val="0"/>
-              </a:spcBef>
-              <a:spcAft>
-                <a:spcPts val="0"/>
-              </a:spcAft>
-              <a:buNone/>
-            </a:pPr>
-            <a:r>
-              <a:rPr lang="en-US" sz="1600" dirty="0">
-                <a:latin typeface="SImPL" panose="02060600000200020004" pitchFamily="18" charset="0"/>
-                <a:ea typeface="SImPL" panose="02060600000200020004" pitchFamily="18" charset="0"/>
-                <a:cs typeface="SImPL" panose="02060600000200020004" pitchFamily="18" charset="0"/>
-              </a:rPr>
-              <a:t>		(</a:t>
-            </a:r>
-            <a:r>
-              <a:rPr lang="en-US" sz="1600" dirty="0" err="1">
-                <a:latin typeface="SImPL" panose="02060600000200020004" pitchFamily="18" charset="0"/>
-                <a:ea typeface="SImPL" panose="02060600000200020004" pitchFamily="18" charset="0"/>
-                <a:cs typeface="SImPL" panose="02060600000200020004" pitchFamily="18" charset="0"/>
-              </a:rPr>
-              <a:t>Math.Pow</a:t>
-            </a:r>
-            <a:r>
-              <a:rPr lang="en-US" sz="1600" dirty="0">
-                <a:latin typeface="SImPL" panose="02060600000200020004" pitchFamily="18" charset="0"/>
-                <a:ea typeface="SImPL" panose="02060600000200020004" pitchFamily="18" charset="0"/>
-                <a:cs typeface="SImPL" panose="02060600000200020004" pitchFamily="18" charset="0"/>
-              </a:rPr>
-              <a:t>(</a:t>
-            </a:r>
-            <a:r>
-              <a:rPr lang="en-US" sz="1600" dirty="0" err="1">
-                <a:latin typeface="SImPL" panose="02060600000200020004" pitchFamily="18" charset="0"/>
-                <a:ea typeface="SImPL" panose="02060600000200020004" pitchFamily="18" charset="0"/>
-                <a:cs typeface="SImPL" panose="02060600000200020004" pitchFamily="18" charset="0"/>
-              </a:rPr>
-              <a:t>inParams.a</a:t>
-            </a:r>
-            <a:r>
-              <a:rPr lang="en-US" sz="1600" dirty="0">
-                <a:latin typeface="SImPL" panose="02060600000200020004" pitchFamily="18" charset="0"/>
-                <a:ea typeface="SImPL" panose="02060600000200020004" pitchFamily="18" charset="0"/>
-                <a:cs typeface="SImPL" panose="02060600000200020004" pitchFamily="18" charset="0"/>
-              </a:rPr>
-              <a:t> * </a:t>
-            </a:r>
-            <a:r>
-              <a:rPr lang="en-US" sz="1600" dirty="0" err="1">
-                <a:latin typeface="SImPL" panose="02060600000200020004" pitchFamily="18" charset="0"/>
-                <a:ea typeface="SImPL" panose="02060600000200020004" pitchFamily="18" charset="0"/>
-                <a:cs typeface="SImPL" panose="02060600000200020004" pitchFamily="18" charset="0"/>
-              </a:rPr>
-              <a:t>inParams.b</a:t>
-            </a:r>
-            <a:r>
-              <a:rPr lang="en-US" sz="1600" dirty="0">
-                <a:latin typeface="SImPL" panose="02060600000200020004" pitchFamily="18" charset="0"/>
-                <a:ea typeface="SImPL" panose="02060600000200020004" pitchFamily="18" charset="0"/>
-                <a:cs typeface="SImPL" panose="02060600000200020004" pitchFamily="18" charset="0"/>
-              </a:rPr>
-              <a:t>, </a:t>
-            </a:r>
-            <a:r>
-              <a:rPr lang="en-US" sz="1600" b="1" dirty="0">
-                <a:solidFill>
-                  <a:srgbClr val="F08D0A"/>
-                </a:solidFill>
-                <a:latin typeface="SImPL" panose="02060600000200020004" pitchFamily="18" charset="0"/>
-                <a:ea typeface="SImPL" panose="02060600000200020004" pitchFamily="18" charset="0"/>
-                <a:cs typeface="SImPL" panose="02060600000200020004" pitchFamily="18" charset="0"/>
-              </a:rPr>
-              <a:t>7</a:t>
-            </a:r>
-            <a:r>
-              <a:rPr lang="en-US" sz="1600" dirty="0">
-                <a:latin typeface="SImPL" panose="02060600000200020004" pitchFamily="18" charset="0"/>
-                <a:ea typeface="SImPL" panose="02060600000200020004" pitchFamily="18" charset="0"/>
-                <a:cs typeface="SImPL" panose="02060600000200020004" pitchFamily="18" charset="0"/>
-              </a:rPr>
-              <a:t> - </a:t>
-            </a:r>
-            <a:r>
-              <a:rPr lang="en-US" sz="1600" b="1" dirty="0">
-                <a:solidFill>
-                  <a:srgbClr val="F08D0A"/>
-                </a:solidFill>
-                <a:latin typeface="SImPL" panose="02060600000200020004" pitchFamily="18" charset="0"/>
-                <a:ea typeface="SImPL" panose="02060600000200020004" pitchFamily="18" charset="0"/>
-                <a:cs typeface="SImPL" panose="02060600000200020004" pitchFamily="18" charset="0"/>
-              </a:rPr>
-              <a:t>1</a:t>
-            </a:r>
-            <a:r>
-              <a:rPr lang="en-US" sz="1600" dirty="0">
-                <a:latin typeface="SImPL" panose="02060600000200020004" pitchFamily="18" charset="0"/>
-                <a:ea typeface="SImPL" panose="02060600000200020004" pitchFamily="18" charset="0"/>
-                <a:cs typeface="SImPL" panose="02060600000200020004" pitchFamily="18" charset="0"/>
-              </a:rPr>
-              <a:t>))) * </a:t>
-            </a:r>
-          </a:p>
-          <a:p>
-            <a:pPr marL="0" indent="0">
-              <a:spcBef>
-                <a:spcPts val="0"/>
-              </a:spcBef>
-              <a:spcAft>
-                <a:spcPts val="0"/>
-              </a:spcAft>
-              <a:buNone/>
-            </a:pPr>
-            <a:r>
-              <a:rPr lang="en-US" sz="1600" dirty="0">
-                <a:latin typeface="SImPL" panose="02060600000200020004" pitchFamily="18" charset="0"/>
-                <a:ea typeface="SImPL" panose="02060600000200020004" pitchFamily="18" charset="0"/>
-                <a:cs typeface="SImPL" panose="02060600000200020004" pitchFamily="18" charset="0"/>
-              </a:rPr>
-              <a:t>		(</a:t>
-            </a:r>
-            <a:r>
-              <a:rPr lang="en-US" sz="1600" dirty="0" err="1">
-                <a:latin typeface="SImPL" panose="02060600000200020004" pitchFamily="18" charset="0"/>
-                <a:ea typeface="SImPL" panose="02060600000200020004" pitchFamily="18" charset="0"/>
-                <a:cs typeface="SImPL" panose="02060600000200020004" pitchFamily="18" charset="0"/>
-              </a:rPr>
-              <a:t>Math.Pow</a:t>
-            </a:r>
-            <a:r>
-              <a:rPr lang="en-US" sz="1600" dirty="0">
-                <a:latin typeface="SImPL" panose="02060600000200020004" pitchFamily="18" charset="0"/>
-                <a:ea typeface="SImPL" panose="02060600000200020004" pitchFamily="18" charset="0"/>
-                <a:cs typeface="SImPL" panose="02060600000200020004" pitchFamily="18" charset="0"/>
-              </a:rPr>
-              <a:t>(((</a:t>
-            </a:r>
-            <a:r>
-              <a:rPr lang="en-US" sz="1600" b="1" dirty="0">
-                <a:solidFill>
-                  <a:srgbClr val="F08D0A"/>
-                </a:solidFill>
-                <a:latin typeface="SImPL" panose="02060600000200020004" pitchFamily="18" charset="0"/>
-                <a:ea typeface="SImPL" panose="02060600000200020004" pitchFamily="18" charset="0"/>
-                <a:cs typeface="SImPL" panose="02060600000200020004" pitchFamily="18" charset="0"/>
-              </a:rPr>
-              <a:t>7.17</a:t>
-            </a:r>
-            <a:r>
-              <a:rPr lang="en-US" sz="1600" dirty="0">
-                <a:latin typeface="SImPL" panose="02060600000200020004" pitchFamily="18" charset="0"/>
-                <a:ea typeface="SImPL" panose="02060600000200020004" pitchFamily="18" charset="0"/>
-                <a:cs typeface="SImPL" panose="02060600000200020004" pitchFamily="18" charset="0"/>
-              </a:rPr>
-              <a:t> * (</a:t>
-            </a:r>
-            <a:r>
-              <a:rPr lang="en-US" sz="1600" dirty="0" err="1">
-                <a:latin typeface="SImPL" panose="02060600000200020004" pitchFamily="18" charset="0"/>
-                <a:ea typeface="SImPL" panose="02060600000200020004" pitchFamily="18" charset="0"/>
-                <a:cs typeface="SImPL" panose="02060600000200020004" pitchFamily="18" charset="0"/>
-              </a:rPr>
-              <a:t>Math.Pow</a:t>
-            </a:r>
-            <a:r>
-              <a:rPr lang="en-US" sz="1600" dirty="0">
-                <a:latin typeface="SImPL" panose="02060600000200020004" pitchFamily="18" charset="0"/>
-                <a:ea typeface="SImPL" panose="02060600000200020004" pitchFamily="18" charset="0"/>
-                <a:cs typeface="SImPL" panose="02060600000200020004" pitchFamily="18" charset="0"/>
-              </a:rPr>
-              <a:t>(</a:t>
-            </a:r>
-            <a:r>
-              <a:rPr lang="en-US" sz="1600" b="1" dirty="0">
-                <a:solidFill>
-                  <a:srgbClr val="F08D0A"/>
-                </a:solidFill>
-                <a:latin typeface="SImPL" panose="02060600000200020004" pitchFamily="18" charset="0"/>
-                <a:ea typeface="SImPL" panose="02060600000200020004" pitchFamily="18" charset="0"/>
-                <a:cs typeface="SImPL" panose="02060600000200020004" pitchFamily="18" charset="0"/>
-              </a:rPr>
-              <a:t>10</a:t>
-            </a:r>
-            <a:r>
-              <a:rPr lang="en-US" sz="1600" dirty="0">
-                <a:latin typeface="SImPL" panose="02060600000200020004" pitchFamily="18" charset="0"/>
-                <a:ea typeface="SImPL" panose="02060600000200020004" pitchFamily="18" charset="0"/>
-                <a:cs typeface="SImPL" panose="02060600000200020004" pitchFamily="18" charset="0"/>
-              </a:rPr>
-              <a:t>, </a:t>
-            </a:r>
-            <a:r>
-              <a:rPr lang="en-US" sz="1600" b="1" dirty="0">
-                <a:solidFill>
-                  <a:srgbClr val="F08D0A"/>
-                </a:solidFill>
-                <a:latin typeface="SImPL" panose="02060600000200020004" pitchFamily="18" charset="0"/>
-                <a:ea typeface="SImPL" panose="02060600000200020004" pitchFamily="18" charset="0"/>
-                <a:cs typeface="SImPL" panose="02060600000200020004" pitchFamily="18" charset="0"/>
-              </a:rPr>
-              <a:t>7</a:t>
-            </a:r>
-            <a:r>
-              <a:rPr lang="en-US" sz="1600" dirty="0">
-                <a:latin typeface="SImPL" panose="02060600000200020004" pitchFamily="18" charset="0"/>
-                <a:ea typeface="SImPL" panose="02060600000200020004" pitchFamily="18" charset="0"/>
-                <a:cs typeface="SImPL" panose="02060600000200020004" pitchFamily="18" charset="0"/>
-              </a:rPr>
-              <a:t>))) * </a:t>
-            </a:r>
-            <a:r>
-              <a:rPr lang="en-US" sz="1600" b="1" dirty="0">
-                <a:solidFill>
-                  <a:srgbClr val="F08D0A"/>
-                </a:solidFill>
-                <a:latin typeface="SImPL" panose="02060600000200020004" pitchFamily="18" charset="0"/>
-                <a:ea typeface="SImPL" panose="02060600000200020004" pitchFamily="18" charset="0"/>
-                <a:cs typeface="SImPL" panose="02060600000200020004" pitchFamily="18" charset="0"/>
-              </a:rPr>
-              <a:t>1000</a:t>
-            </a:r>
-            <a:r>
-              <a:rPr lang="en-US" sz="1600" dirty="0">
-                <a:latin typeface="SImPL" panose="02060600000200020004" pitchFamily="18" charset="0"/>
-                <a:ea typeface="SImPL" panose="02060600000200020004" pitchFamily="18" charset="0"/>
-                <a:cs typeface="SImPL" panose="02060600000200020004" pitchFamily="18" charset="0"/>
-              </a:rPr>
-              <a:t>) * </a:t>
-            </a:r>
-          </a:p>
-          <a:p>
-            <a:pPr marL="0" indent="0">
-              <a:spcBef>
-                <a:spcPts val="0"/>
-              </a:spcBef>
-              <a:spcAft>
-                <a:spcPts val="0"/>
-              </a:spcAft>
-              <a:buNone/>
-            </a:pPr>
-            <a:r>
-              <a:rPr lang="en-US" sz="1600" dirty="0">
-                <a:latin typeface="SImPL" panose="02060600000200020004" pitchFamily="18" charset="0"/>
-                <a:ea typeface="SImPL" panose="02060600000200020004" pitchFamily="18" charset="0"/>
-                <a:cs typeface="SImPL" panose="02060600000200020004" pitchFamily="18" charset="0"/>
-              </a:rPr>
-              <a:t>		(</a:t>
-            </a:r>
-            <a:r>
-              <a:rPr lang="en-US" sz="1600" dirty="0" err="1">
-                <a:latin typeface="SImPL" panose="02060600000200020004" pitchFamily="18" charset="0"/>
-                <a:ea typeface="SImPL" panose="02060600000200020004" pitchFamily="18" charset="0"/>
-                <a:cs typeface="SImPL" panose="02060600000200020004" pitchFamily="18" charset="0"/>
-              </a:rPr>
-              <a:t>Math.Pow</a:t>
-            </a:r>
-            <a:r>
-              <a:rPr lang="en-US" sz="1600" dirty="0">
-                <a:latin typeface="SImPL" panose="02060600000200020004" pitchFamily="18" charset="0"/>
-                <a:ea typeface="SImPL" panose="02060600000200020004" pitchFamily="18" charset="0"/>
-                <a:cs typeface="SImPL" panose="02060600000200020004" pitchFamily="18" charset="0"/>
-              </a:rPr>
-              <a:t>(</a:t>
-            </a:r>
-            <a:r>
-              <a:rPr lang="en-US" sz="1600" dirty="0" err="1">
-                <a:latin typeface="SImPL" panose="02060600000200020004" pitchFamily="18" charset="0"/>
-                <a:ea typeface="SImPL" panose="02060600000200020004" pitchFamily="18" charset="0"/>
-                <a:cs typeface="SImPL" panose="02060600000200020004" pitchFamily="18" charset="0"/>
-              </a:rPr>
-              <a:t>inParams.h</a:t>
-            </a:r>
-            <a:r>
-              <a:rPr lang="en-US" sz="1600" dirty="0">
-                <a:latin typeface="SImPL" panose="02060600000200020004" pitchFamily="18" charset="0"/>
-                <a:ea typeface="SImPL" panose="02060600000200020004" pitchFamily="18" charset="0"/>
-                <a:cs typeface="SImPL" panose="02060600000200020004" pitchFamily="18" charset="0"/>
-              </a:rPr>
-              <a:t>, </a:t>
-            </a:r>
-            <a:r>
-              <a:rPr lang="en-US" sz="1600" b="1" dirty="0">
-                <a:solidFill>
-                  <a:srgbClr val="F08D0A"/>
-                </a:solidFill>
-                <a:latin typeface="SImPL" panose="02060600000200020004" pitchFamily="18" charset="0"/>
-                <a:ea typeface="SImPL" panose="02060600000200020004" pitchFamily="18" charset="0"/>
-                <a:cs typeface="SImPL" panose="02060600000200020004" pitchFamily="18" charset="0"/>
-              </a:rPr>
-              <a:t>2</a:t>
-            </a:r>
-            <a:r>
-              <a:rPr lang="en-US" sz="1600" dirty="0">
-                <a:latin typeface="SImPL" panose="02060600000200020004" pitchFamily="18" charset="0"/>
-                <a:ea typeface="SImPL" panose="02060600000200020004" pitchFamily="18" charset="0"/>
-                <a:cs typeface="SImPL" panose="02060600000200020004" pitchFamily="18" charset="0"/>
-              </a:rPr>
-              <a:t>)), </a:t>
-            </a:r>
-            <a:r>
-              <a:rPr lang="en-US" sz="1600" b="1" dirty="0">
-                <a:solidFill>
-                  <a:srgbClr val="F08D0A"/>
-                </a:solidFill>
-                <a:latin typeface="SImPL" panose="02060600000200020004" pitchFamily="18" charset="0"/>
-                <a:ea typeface="SImPL" panose="02060600000200020004" pitchFamily="18" charset="0"/>
-                <a:cs typeface="SImPL" panose="02060600000200020004" pitchFamily="18" charset="0"/>
-              </a:rPr>
-              <a:t>7</a:t>
-            </a:r>
-            <a:r>
-              <a:rPr lang="en-US" sz="1600" dirty="0">
-                <a:latin typeface="SImPL" panose="02060600000200020004" pitchFamily="18" charset="0"/>
-                <a:ea typeface="SImPL" panose="02060600000200020004" pitchFamily="18" charset="0"/>
-                <a:cs typeface="SImPL" panose="02060600000200020004" pitchFamily="18" charset="0"/>
-              </a:rPr>
-              <a:t>))) * (</a:t>
-            </a:r>
-            <a:r>
-              <a:rPr lang="en-US" sz="1600" dirty="0" err="1">
-                <a:latin typeface="SImPL" panose="02060600000200020004" pitchFamily="18" charset="0"/>
-                <a:ea typeface="SImPL" panose="02060600000200020004" pitchFamily="18" charset="0"/>
-                <a:cs typeface="SImPL" panose="02060600000200020004" pitchFamily="18" charset="0"/>
-              </a:rPr>
-              <a:t>Math.Pow</a:t>
-            </a:r>
-            <a:r>
-              <a:rPr lang="en-US" sz="1600" dirty="0">
-                <a:latin typeface="SImPL" panose="02060600000200020004" pitchFamily="18" charset="0"/>
-                <a:ea typeface="SImPL" panose="02060600000200020004" pitchFamily="18" charset="0"/>
-                <a:cs typeface="SImPL" panose="02060600000200020004" pitchFamily="18" charset="0"/>
-              </a:rPr>
-              <a:t>(</a:t>
-            </a:r>
-            <a:r>
-              <a:rPr lang="en-US" sz="1600" b="1" dirty="0">
-                <a:solidFill>
-                  <a:srgbClr val="F08D0A"/>
-                </a:solidFill>
-                <a:latin typeface="SImPL" panose="02060600000200020004" pitchFamily="18" charset="0"/>
-                <a:ea typeface="SImPL" panose="02060600000200020004" pitchFamily="18" charset="0"/>
-                <a:cs typeface="SImPL" panose="02060600000200020004" pitchFamily="18" charset="0"/>
-              </a:rPr>
-              <a:t>3</a:t>
-            </a:r>
-            <a:r>
-              <a:rPr lang="en-US" sz="1600" dirty="0">
-                <a:latin typeface="SImPL" panose="02060600000200020004" pitchFamily="18" charset="0"/>
-                <a:ea typeface="SImPL" panose="02060600000200020004" pitchFamily="18" charset="0"/>
-                <a:cs typeface="SImPL" panose="02060600000200020004" pitchFamily="18" charset="0"/>
-              </a:rPr>
-              <a:t> / </a:t>
-            </a:r>
-            <a:r>
-              <a:rPr lang="en-US" sz="1600" b="1" dirty="0">
-                <a:solidFill>
-                  <a:srgbClr val="F08D0A"/>
-                </a:solidFill>
-                <a:latin typeface="SImPL" panose="02060600000200020004" pitchFamily="18" charset="0"/>
-                <a:ea typeface="SImPL" panose="02060600000200020004" pitchFamily="18" charset="0"/>
-                <a:cs typeface="SImPL" panose="02060600000200020004" pitchFamily="18" charset="0"/>
-              </a:rPr>
-              <a:t>60</a:t>
-            </a:r>
-            <a:r>
-              <a:rPr lang="en-US" sz="1600" dirty="0">
-                <a:latin typeface="SImPL" panose="02060600000200020004" pitchFamily="18" charset="0"/>
-                <a:ea typeface="SImPL" panose="02060600000200020004" pitchFamily="18" charset="0"/>
-                <a:cs typeface="SImPL" panose="02060600000200020004" pitchFamily="18" charset="0"/>
-              </a:rPr>
-              <a:t>, </a:t>
-            </a:r>
-            <a:r>
-              <a:rPr lang="en-US" sz="1600" b="1" dirty="0">
-                <a:solidFill>
-                  <a:srgbClr val="F08D0A"/>
-                </a:solidFill>
-                <a:latin typeface="SImPL" panose="02060600000200020004" pitchFamily="18" charset="0"/>
-                <a:ea typeface="SImPL" panose="02060600000200020004" pitchFamily="18" charset="0"/>
-                <a:cs typeface="SImPL" panose="02060600000200020004" pitchFamily="18" charset="0"/>
-              </a:rPr>
-              <a:t>7</a:t>
-            </a:r>
-            <a:r>
-              <a:rPr lang="en-US" sz="1600" dirty="0">
-                <a:latin typeface="SImPL" panose="02060600000200020004" pitchFamily="18" charset="0"/>
-                <a:ea typeface="SImPL" panose="02060600000200020004" pitchFamily="18" charset="0"/>
-                <a:cs typeface="SImPL" panose="02060600000200020004" pitchFamily="18" charset="0"/>
-              </a:rPr>
-              <a:t> / </a:t>
-            </a:r>
-            <a:r>
-              <a:rPr lang="en-US" sz="1600" b="1" dirty="0">
-                <a:solidFill>
-                  <a:srgbClr val="F08D0A"/>
-                </a:solidFill>
-                <a:latin typeface="SImPL" panose="02060600000200020004" pitchFamily="18" charset="0"/>
-                <a:ea typeface="SImPL" panose="02060600000200020004" pitchFamily="18" charset="0"/>
-                <a:cs typeface="SImPL" panose="02060600000200020004" pitchFamily="18" charset="0"/>
-              </a:rPr>
-              <a:t>16</a:t>
-            </a:r>
-            <a:r>
-              <a:rPr lang="en-US" sz="1600" dirty="0">
-                <a:latin typeface="SImPL" panose="02060600000200020004" pitchFamily="18" charset="0"/>
-                <a:ea typeface="SImPL" panose="02060600000200020004" pitchFamily="18" charset="0"/>
-                <a:cs typeface="SImPL" panose="02060600000200020004" pitchFamily="18" charset="0"/>
-              </a:rPr>
-              <a:t>))) * (</a:t>
-            </a:r>
-            <a:r>
-              <a:rPr lang="en-US" sz="1600" dirty="0" err="1">
-                <a:latin typeface="SImPL" panose="02060600000200020004" pitchFamily="18" charset="0"/>
-                <a:ea typeface="SImPL" panose="02060600000200020004" pitchFamily="18" charset="0"/>
-                <a:cs typeface="SImPL" panose="02060600000200020004" pitchFamily="18" charset="0"/>
-              </a:rPr>
-              <a:t>Math.Exp</a:t>
-            </a:r>
-            <a:r>
-              <a:rPr lang="en-US" sz="1600" dirty="0">
-                <a:latin typeface="SImPL" panose="02060600000200020004" pitchFamily="18" charset="0"/>
-                <a:ea typeface="SImPL" panose="02060600000200020004" pitchFamily="18" charset="0"/>
-                <a:cs typeface="SImPL" panose="02060600000200020004" pitchFamily="18" charset="0"/>
-              </a:rPr>
-              <a:t>(J));</a:t>
-            </a:r>
-          </a:p>
-          <a:p>
-            <a:pPr marL="0" indent="0">
-              <a:spcBef>
-                <a:spcPts val="0"/>
-              </a:spcBef>
-              <a:spcAft>
-                <a:spcPts val="0"/>
-              </a:spcAft>
-              <a:buNone/>
-            </a:pPr>
-            <a:r>
-              <a:rPr lang="en-US" sz="1600" dirty="0">
-                <a:latin typeface="SImPL" panose="02060600000200020004" pitchFamily="18" charset="0"/>
-                <a:ea typeface="SImPL" panose="02060600000200020004" pitchFamily="18" charset="0"/>
-                <a:cs typeface="SImPL" panose="02060600000200020004" pitchFamily="18" charset="0"/>
-              </a:rPr>
-              <a:t>}</a:t>
-            </a:r>
-          </a:p>
-          <a:p>
-            <a:pPr marL="0" indent="0">
-              <a:spcBef>
-                <a:spcPts val="0"/>
-              </a:spcBef>
-              <a:spcAft>
-                <a:spcPts val="0"/>
-              </a:spcAft>
-              <a:buNone/>
-            </a:pPr>
-            <a:endParaRPr lang="en-US" sz="2000" dirty="0">
-              <a:latin typeface="SImPL" panose="02060600000200020004" pitchFamily="18" charset="0"/>
-              <a:ea typeface="SImPL" panose="02060600000200020004" pitchFamily="18" charset="0"/>
-              <a:cs typeface="SImPL" panose="02060600000200020004" pitchFamily="18" charset="0"/>
-            </a:endParaRPr>
-          </a:p>
-          <a:p>
-            <a:pPr marL="0" indent="0">
-              <a:spcBef>
-                <a:spcPts val="0"/>
-              </a:spcBef>
-              <a:spcAft>
-                <a:spcPts val="0"/>
-              </a:spcAft>
-              <a:buNone/>
-            </a:pPr>
-            <a:endParaRPr lang="en-US" sz="2000" dirty="0">
-              <a:latin typeface="SImPL" panose="02060600000200020004" pitchFamily="18" charset="0"/>
-              <a:ea typeface="SImPL" panose="02060600000200020004" pitchFamily="18" charset="0"/>
-              <a:cs typeface="SImPL" panose="02060600000200020004" pitchFamily="18" charset="0"/>
-            </a:endParaRPr>
-          </a:p>
-        </p:txBody>
-      </p:sp>
-      <p:sp>
-        <p:nvSpPr>
-          <p:cNvPr id="4" name="Slide Number Placeholder 3">
-            <a:extLst>
-              <a:ext uri="{FF2B5EF4-FFF2-40B4-BE49-F238E27FC236}">
-                <a16:creationId xmlns:a16="http://schemas.microsoft.com/office/drawing/2014/main" id="{2A08ACC6-74A8-416B-B875-DCA577271410}"/>
-              </a:ext>
-            </a:extLst>
-          </p:cNvPr>
-          <p:cNvSpPr>
-            <a:spLocks noGrp="1"/>
-          </p:cNvSpPr>
-          <p:nvPr>
-            <p:ph type="sldNum" sz="quarter" idx="12"/>
-          </p:nvPr>
-        </p:nvSpPr>
-        <p:spPr/>
-        <p:txBody>
-          <a:bodyPr/>
-          <a:lstStyle/>
-          <a:p>
-            <a:fld id="{D57F1E4F-1CFF-5643-939E-217C01CDF565}" type="slidenum">
-              <a:rPr lang="en-US" smtClean="0"/>
-              <a:pPr/>
-              <a:t>12</a:t>
-            </a:fld>
-            <a:endParaRPr lang="en-US" dirty="0"/>
-          </a:p>
-        </p:txBody>
-      </p:sp>
-      <p:sp>
-        <p:nvSpPr>
-          <p:cNvPr id="6" name="Rectangle 5">
-            <a:extLst>
-              <a:ext uri="{FF2B5EF4-FFF2-40B4-BE49-F238E27FC236}">
-                <a16:creationId xmlns:a16="http://schemas.microsoft.com/office/drawing/2014/main" id="{9B006948-88A0-4C20-B2C8-8EDEBBD2B9D8}"/>
-              </a:ext>
-            </a:extLst>
-          </p:cNvPr>
-          <p:cNvSpPr/>
-          <p:nvPr/>
-        </p:nvSpPr>
-        <p:spPr>
-          <a:xfrm>
-            <a:off x="581191" y="2148896"/>
-            <a:ext cx="10643399" cy="1336426"/>
-          </a:xfrm>
-          <a:prstGeom prst="rect">
-            <a:avLst/>
-          </a:prstGeom>
-          <a:noFill/>
-          <a:ln>
-            <a:solidFill>
-              <a:schemeClr val="tx1"/>
-            </a:solidFill>
-          </a:ln>
-        </p:spPr>
-        <p:style>
-          <a:lnRef idx="2">
-            <a:schemeClr val="accent1">
-              <a:shade val="50000"/>
-            </a:schemeClr>
-          </a:lnRef>
-          <a:fillRef idx="1">
-            <a:schemeClr val="accent1"/>
-          </a:fillRef>
-          <a:effectRef idx="0">
-            <a:schemeClr val="accent1"/>
-          </a:effectRef>
-          <a:fontRef idx="minor">
-            <a:schemeClr val="lt1"/>
-          </a:fontRef>
-        </p:style>
-        <p:txBody>
-          <a:bodyPr rtlCol="0" anchor="ctr"/>
-          <a:lstStyle/>
-          <a:p>
-            <a:pPr algn="ctr"/>
-            <a:endParaRPr lang="en-US"/>
-          </a:p>
-        </p:txBody>
-      </p:sp>
-      <p:sp>
-        <p:nvSpPr>
-          <p:cNvPr id="7" name="TextBox 6">
-            <a:extLst>
-              <a:ext uri="{FF2B5EF4-FFF2-40B4-BE49-F238E27FC236}">
-                <a16:creationId xmlns:a16="http://schemas.microsoft.com/office/drawing/2014/main" id="{761DE23F-D8E5-4EB1-B790-54679619AB40}"/>
-              </a:ext>
-            </a:extLst>
-          </p:cNvPr>
-          <p:cNvSpPr txBox="1"/>
-          <p:nvPr/>
-        </p:nvSpPr>
-        <p:spPr>
-          <a:xfrm>
-            <a:off x="581191" y="1733181"/>
-            <a:ext cx="603114" cy="369332"/>
-          </a:xfrm>
-          <a:prstGeom prst="rect">
-            <a:avLst/>
-          </a:prstGeom>
-          <a:noFill/>
-        </p:spPr>
-        <p:txBody>
-          <a:bodyPr wrap="none" rtlCol="0">
-            <a:spAutoFit/>
-          </a:bodyPr>
-          <a:lstStyle/>
-          <a:p>
-            <a:r>
-              <a:rPr lang="en-US" dirty="0"/>
-              <a:t>C++:</a:t>
-            </a:r>
-          </a:p>
-        </p:txBody>
-      </p:sp>
-      <p:sp>
-        <p:nvSpPr>
-          <p:cNvPr id="8" name="TextBox 7">
-            <a:extLst>
-              <a:ext uri="{FF2B5EF4-FFF2-40B4-BE49-F238E27FC236}">
-                <a16:creationId xmlns:a16="http://schemas.microsoft.com/office/drawing/2014/main" id="{7B67E112-D85B-46AA-9AE8-868025D9BE46}"/>
-              </a:ext>
-            </a:extLst>
-          </p:cNvPr>
-          <p:cNvSpPr txBox="1"/>
-          <p:nvPr/>
-        </p:nvSpPr>
-        <p:spPr>
-          <a:xfrm>
-            <a:off x="581191" y="3917746"/>
-            <a:ext cx="486030" cy="369332"/>
-          </a:xfrm>
-          <a:prstGeom prst="rect">
-            <a:avLst/>
-          </a:prstGeom>
-          <a:noFill/>
-        </p:spPr>
-        <p:txBody>
-          <a:bodyPr wrap="none" rtlCol="0">
-            <a:spAutoFit/>
-          </a:bodyPr>
-          <a:lstStyle/>
-          <a:p>
-            <a:r>
-              <a:rPr lang="en-US" dirty="0"/>
-              <a:t>C#:</a:t>
-            </a:r>
-          </a:p>
-        </p:txBody>
-      </p:sp>
-    </p:spTree>
-    <p:extLst>
-      <p:ext uri="{BB962C8B-B14F-4D97-AF65-F5344CB8AC3E}">
-        <p14:creationId xmlns:p14="http://schemas.microsoft.com/office/powerpoint/2010/main" val="3527740241"/>
       </p:ext>
     </p:extLst>
   </p:cSld>
@@ -5931,13 +4484,13 @@
             <a:r>
               <a:rPr lang="en-US" sz="1600" b="1" dirty="0">
                 <a:solidFill>
-                  <a:srgbClr val="0070C0"/>
-                </a:solidFill>
-                <a:latin typeface="SImPL" panose="02060600000200020004" pitchFamily="18" charset="0"/>
-                <a:ea typeface="SImPL" panose="02060600000200020004" pitchFamily="18" charset="0"/>
-                <a:cs typeface="SImPL" panose="02060600000200020004" pitchFamily="18" charset="0"/>
-              </a:rPr>
-              <a:t>def</a:t>
+                  <a:srgbClr val="7030A0"/>
+                </a:solidFill>
+                <a:latin typeface="SImPL" panose="02060600000200020004" pitchFamily="18" charset="0"/>
+                <a:ea typeface="SImPL" panose="02060600000200020004" pitchFamily="18" charset="0"/>
+                <a:cs typeface="SImPL" panose="02060600000200020004" pitchFamily="18" charset="0"/>
+              </a:rPr>
+              <a:t>double</a:t>
             </a:r>
             <a:r>
               <a:rPr lang="en-US" sz="1600" dirty="0">
@@ -5950,7 +4503,7 @@
             <a:r>
               <a:rPr lang="en-US" sz="1600" b="1" dirty="0" err="1">
                 <a:solidFill>
-                  <a:schemeClr val="bg2">
+                  <a:schemeClr val="accent3">
                     <a:lumMod val="60000"/>
                     <a:lumOff val="40000"/>
                   </a:schemeClr>
@@ -5975,6 +4528,22 @@
                 <a:ea typeface="SImPL" panose="02060600000200020004" pitchFamily="18" charset="0"/>
                 <a:cs typeface="SImPL" panose="02060600000200020004" pitchFamily="18" charset="0"/>
               </a:rPr>
+              <a:t>InputParameters</a:t>
+            </a:r>
+            <a:r>
+              <a:rPr lang="en-US" sz="1600" dirty="0">
+                <a:latin typeface="SImPL" panose="02060600000200020004" pitchFamily="18" charset="0"/>
+                <a:ea typeface="SImPL" panose="02060600000200020004" pitchFamily="18" charset="0"/>
+                <a:cs typeface="SImPL" panose="02060600000200020004" pitchFamily="18" charset="0"/>
+              </a:rPr>
+              <a:t> &amp;</a:t>
+            </a:r>
+            <a:r>
+              <a:rPr lang="en-US" sz="1600" dirty="0" err="1">
+                <a:latin typeface="SImPL" panose="02060600000200020004" pitchFamily="18" charset="0"/>
+                <a:ea typeface="SImPL" panose="02060600000200020004" pitchFamily="18" charset="0"/>
+                <a:cs typeface="SImPL" panose="02060600000200020004" pitchFamily="18" charset="0"/>
+              </a:rPr>
               <a:t>inParams</a:t>
             </a:r>
             <a:r>
@@ -5983,7 +4552,26 @@
                 <a:ea typeface="SImPL" panose="02060600000200020004" pitchFamily="18" charset="0"/>
                 <a:cs typeface="SImPL" panose="02060600000200020004" pitchFamily="18" charset="0"/>
               </a:rPr>
-              <a:t>, J):     </a:t>
+              <a:t>, </a:t>
+            </a:r>
+            <a:r>
+              <a:rPr lang="en-US" sz="1600" b="1" dirty="0">
+                <a:solidFill>
+                  <a:srgbClr val="7030A0"/>
+                </a:solidFill>
+                <a:latin typeface="SImPL" panose="02060600000200020004" pitchFamily="18" charset="0"/>
+                <a:ea typeface="SImPL" panose="02060600000200020004" pitchFamily="18" charset="0"/>
+                <a:cs typeface="SImPL" panose="02060600000200020004" pitchFamily="18" charset="0"/>
+              </a:rPr>
+              <a:t>double</a:t>
+            </a:r>
+            <a:r>
+              <a:rPr lang="en-US" sz="1600" dirty="0">
+                <a:latin typeface="SImPL" panose="02060600000200020004" pitchFamily="18" charset="0"/>
+                <a:ea typeface="SImPL" panose="02060600000200020004" pitchFamily="18" charset="0"/>
+                <a:cs typeface="SImPL" panose="02060600000200020004" pitchFamily="18" charset="0"/>
+              </a:rPr>
+              <a:t> J) {</a:t>
             </a:r>
           </a:p>
           <a:p>
@@ -6040,7 +4628,7 @@
                 <a:ea typeface="SImPL" panose="02060600000200020004" pitchFamily="18" charset="0"/>
                 <a:cs typeface="SImPL" panose="02060600000200020004" pitchFamily="18" charset="0"/>
               </a:rPr>
-              <a:t> * (</a:t>
+              <a:t> * (pow(</a:t>
             </a:r>
             <a:r>
               <a:rPr lang="en-US" sz="1600" b="1" dirty="0">
@@ -6059,7 +4647,7 @@
                 <a:ea typeface="SImPL" panose="02060600000200020004" pitchFamily="18" charset="0"/>
                 <a:cs typeface="SImPL" panose="02060600000200020004" pitchFamily="18" charset="0"/>
               </a:rPr>
-              <a:t> ** (-(</a:t>
+              <a:t>, -(</a:t>
             </a:r>
             <a:r>
               <a:rPr lang="en-US" sz="1600" b="1" dirty="0">
@@ -6078,7 +4666,7 @@
                 <a:ea typeface="SImPL" panose="02060600000200020004" pitchFamily="18" charset="0"/>
                 <a:cs typeface="SImPL" panose="02060600000200020004" pitchFamily="18" charset="0"/>
               </a:rPr>
-              <a:t>)))) / ((</a:t>
+              <a:t>)))) / (pow(</a:t>
             </a:r>
             <a:r>
               <a:rPr lang="en-US" sz="1600" dirty="0" err="1">
@@ -6110,7 +4698,45 @@
                 <a:ea typeface="SImPL" panose="02060600000200020004" pitchFamily="18" charset="0"/>
                 <a:cs typeface="SImPL" panose="02060600000200020004" pitchFamily="18" charset="0"/>
               </a:rPr>
-              <a:t>) ** </a:t>
+              <a:t>, </a:t>
+            </a:r>
+            <a:r>
+              <a:rPr lang="en-US" sz="1600" b="1" dirty="0">
+                <a:solidFill>
+                  <a:srgbClr val="F08D0A"/>
+                </a:solidFill>
+                <a:latin typeface="SImPL" panose="02060600000200020004" pitchFamily="18" charset="0"/>
+                <a:ea typeface="SImPL" panose="02060600000200020004" pitchFamily="18" charset="0"/>
+                <a:cs typeface="SImPL" panose="02060600000200020004" pitchFamily="18" charset="0"/>
+              </a:rPr>
+              <a:t>7</a:t>
+            </a:r>
+            <a:r>
+              <a:rPr lang="en-US" sz="1600" dirty="0">
+                <a:latin typeface="SImPL" panose="02060600000200020004" pitchFamily="18" charset="0"/>
+                <a:ea typeface="SImPL" panose="02060600000200020004" pitchFamily="18" charset="0"/>
+                <a:cs typeface="SImPL" panose="02060600000200020004" pitchFamily="18" charset="0"/>
+              </a:rPr>
+              <a:t> - </a:t>
+            </a:r>
+            <a:r>
+              <a:rPr lang="en-US" sz="1600" b="1" dirty="0">
+                <a:solidFill>
+                  <a:srgbClr val="F08D0A"/>
+                </a:solidFill>
+                <a:latin typeface="SImPL" panose="02060600000200020004" pitchFamily="18" charset="0"/>
+                <a:ea typeface="SImPL" panose="02060600000200020004" pitchFamily="18" charset="0"/>
+                <a:cs typeface="SImPL" panose="02060600000200020004" pitchFamily="18" charset="0"/>
+              </a:rPr>
+              <a:t>1</a:t>
+            </a:r>
+            <a:r>
+              <a:rPr lang="en-US" sz="1600" dirty="0">
+                <a:latin typeface="SImPL" panose="02060600000200020004" pitchFamily="18" charset="0"/>
+                <a:ea typeface="SImPL" panose="02060600000200020004" pitchFamily="18" charset="0"/>
+                <a:cs typeface="SImPL" panose="02060600000200020004" pitchFamily="18" charset="0"/>
+              </a:rPr>
+              <a:t>))) * </a:t>
             </a:r>
           </a:p>
           <a:p>
@@ -6129,7 +4755,7 @@
                 <a:ea typeface="SImPL" panose="02060600000200020004" pitchFamily="18" charset="0"/>
                 <a:cs typeface="SImPL" panose="02060600000200020004" pitchFamily="18" charset="0"/>
               </a:rPr>
-              <a:t>		(</a:t>
+              <a:t>		(pow(((</a:t>
             </a:r>
             <a:r>
               <a:rPr lang="en-US" sz="1600" b="1" dirty="0">
@@ -6140,6 +4766,44 @@
                 <a:ea typeface="SImPL" panose="02060600000200020004" pitchFamily="18" charset="0"/>
                 <a:cs typeface="SImPL" panose="02060600000200020004" pitchFamily="18" charset="0"/>
               </a:rPr>
+              <a:t>7.17</a:t>
+            </a:r>
+            <a:r>
+              <a:rPr lang="en-US" sz="1600" dirty="0">
+                <a:latin typeface="SImPL" panose="02060600000200020004" pitchFamily="18" charset="0"/>
+                <a:ea typeface="SImPL" panose="02060600000200020004" pitchFamily="18" charset="0"/>
+                <a:cs typeface="SImPL" panose="02060600000200020004" pitchFamily="18" charset="0"/>
+              </a:rPr>
+              <a:t> * (pow(</a:t>
+            </a:r>
+            <a:r>
+              <a:rPr lang="en-US" sz="1600" b="1" dirty="0">
+                <a:solidFill>
+                  <a:srgbClr val="F08D0A"/>
+                </a:solidFill>
+                <a:latin typeface="SImPL" panose="02060600000200020004" pitchFamily="18" charset="0"/>
+                <a:ea typeface="SImPL" panose="02060600000200020004" pitchFamily="18" charset="0"/>
+                <a:cs typeface="SImPL" panose="02060600000200020004" pitchFamily="18" charset="0"/>
+              </a:rPr>
+              <a:t>10</a:t>
+            </a:r>
+            <a:r>
+              <a:rPr lang="en-US" sz="1600" dirty="0">
+                <a:latin typeface="SImPL" panose="02060600000200020004" pitchFamily="18" charset="0"/>
+                <a:ea typeface="SImPL" panose="02060600000200020004" pitchFamily="18" charset="0"/>
+                <a:cs typeface="SImPL" panose="02060600000200020004" pitchFamily="18" charset="0"/>
+              </a:rPr>
+              <a:t>, </a:t>
+            </a:r>
+            <a:r>
+              <a:rPr lang="en-US" sz="1600" b="1" dirty="0">
+                <a:solidFill>
+                  <a:srgbClr val="F08D0A"/>
+                </a:solidFill>
+                <a:latin typeface="SImPL" panose="02060600000200020004" pitchFamily="18" charset="0"/>
+                <a:ea typeface="SImPL" panose="02060600000200020004" pitchFamily="18" charset="0"/>
+                <a:cs typeface="SImPL" panose="02060600000200020004" pitchFamily="18" charset="0"/>
+              </a:rPr>
               <a:t>7</a:t>
             </a:r>
             <a:r>
@@ -6148,7 +4812,7 @@
                 <a:ea typeface="SImPL" panose="02060600000200020004" pitchFamily="18" charset="0"/>
                 <a:cs typeface="SImPL" panose="02060600000200020004" pitchFamily="18" charset="0"/>
               </a:rPr>
-              <a:t> - </a:t>
+              <a:t>))) * </a:t>
             </a:r>
             <a:r>
               <a:rPr lang="en-US" sz="1600" b="1" dirty="0">
@@ -6159,7 +4823,7 @@
                 <a:ea typeface="SImPL" panose="02060600000200020004" pitchFamily="18" charset="0"/>
                 <a:cs typeface="SImPL" panose="02060600000200020004" pitchFamily="18" charset="0"/>
               </a:rPr>
-              <a:t>1</a:t>
+              <a:t>1000</a:t>
             </a:r>
             <a:r>
               <a:rPr lang="en-US" sz="1600" dirty="0">
@@ -6167,7 +4831,23 @@
                 <a:ea typeface="SImPL" panose="02060600000200020004" pitchFamily="18" charset="0"/>
                 <a:cs typeface="SImPL" panose="02060600000200020004" pitchFamily="18" charset="0"/>
               </a:rPr>
-              <a:t>))) * ((((</a:t>
+              <a:t>) * (pow(</a:t>
+            </a:r>
+            <a:r>
+              <a:rPr lang="en-US" sz="1600" dirty="0" err="1">
+                <a:latin typeface="SImPL" panose="02060600000200020004" pitchFamily="18" charset="0"/>
+                <a:ea typeface="SImPL" panose="02060600000200020004" pitchFamily="18" charset="0"/>
+                <a:cs typeface="SImPL" panose="02060600000200020004" pitchFamily="18" charset="0"/>
+              </a:rPr>
+              <a:t>inParams.h</a:t>
+            </a:r>
+            <a:r>
+              <a:rPr lang="en-US" sz="1600" dirty="0">
+                <a:latin typeface="SImPL" panose="02060600000200020004" pitchFamily="18" charset="0"/>
+                <a:ea typeface="SImPL" panose="02060600000200020004" pitchFamily="18" charset="0"/>
+                <a:cs typeface="SImPL" panose="02060600000200020004" pitchFamily="18" charset="0"/>
+              </a:rPr>
+              <a:t>, </a:t>
             </a:r>
             <a:r>
               <a:rPr lang="en-US" sz="1600" b="1" dirty="0">
@@ -6178,7 +4858,7 @@
                 <a:ea typeface="SImPL" panose="02060600000200020004" pitchFamily="18" charset="0"/>
                 <a:cs typeface="SImPL" panose="02060600000200020004" pitchFamily="18" charset="0"/>
               </a:rPr>
-              <a:t>7.17</a:t>
+              <a:t>2</a:t>
             </a:r>
             <a:r>
               <a:rPr lang="en-US" sz="1600" dirty="0">
@@ -6186,7 +4866,7 @@
                 <a:ea typeface="SImPL" panose="02060600000200020004" pitchFamily="18" charset="0"/>
                 <a:cs typeface="SImPL" panose="02060600000200020004" pitchFamily="18" charset="0"/>
               </a:rPr>
-              <a:t> * (</a:t>
+              <a:t>)), </a:t>
             </a:r>
             <a:r>
               <a:rPr lang="en-US" sz="1600" b="1" dirty="0">
@@ -6197,7 +4877,7 @@
                 <a:ea typeface="SImPL" panose="02060600000200020004" pitchFamily="18" charset="0"/>
                 <a:cs typeface="SImPL" panose="02060600000200020004" pitchFamily="18" charset="0"/>
               </a:rPr>
-              <a:t>10</a:t>
+              <a:t>7</a:t>
             </a:r>
             <a:r>
               <a:rPr lang="en-US" sz="1600" dirty="0">
@@ -6205,45 +4885,7 @@
                 <a:ea typeface="SImPL" panose="02060600000200020004" pitchFamily="18" charset="0"/>
                 <a:cs typeface="SImPL" panose="02060600000200020004" pitchFamily="18" charset="0"/>
               </a:rPr>
-              <a:t> ** </a:t>
-            </a:r>
-            <a:r>
-              <a:rPr lang="en-US" sz="1600" b="1" dirty="0">
-                <a:solidFill>
-                  <a:srgbClr val="F08D0A"/>
-                </a:solidFill>
-                <a:latin typeface="SImPL" panose="02060600000200020004" pitchFamily="18" charset="0"/>
-                <a:ea typeface="SImPL" panose="02060600000200020004" pitchFamily="18" charset="0"/>
-                <a:cs typeface="SImPL" panose="02060600000200020004" pitchFamily="18" charset="0"/>
-              </a:rPr>
-              <a:t>7</a:t>
-            </a:r>
-            <a:r>
-              <a:rPr lang="en-US" sz="1600" dirty="0">
-                <a:latin typeface="SImPL" panose="02060600000200020004" pitchFamily="18" charset="0"/>
-                <a:ea typeface="SImPL" panose="02060600000200020004" pitchFamily="18" charset="0"/>
-                <a:cs typeface="SImPL" panose="02060600000200020004" pitchFamily="18" charset="0"/>
-              </a:rPr>
-              <a:t>)) * </a:t>
-            </a:r>
-            <a:r>
-              <a:rPr lang="en-US" sz="1600" b="1" dirty="0">
-                <a:solidFill>
-                  <a:srgbClr val="F08D0A"/>
-                </a:solidFill>
-                <a:latin typeface="SImPL" panose="02060600000200020004" pitchFamily="18" charset="0"/>
-                <a:ea typeface="SImPL" panose="02060600000200020004" pitchFamily="18" charset="0"/>
-                <a:cs typeface="SImPL" panose="02060600000200020004" pitchFamily="18" charset="0"/>
-              </a:rPr>
-              <a:t>1000</a:t>
-            </a:r>
-            <a:r>
-              <a:rPr lang="en-US" sz="1600" dirty="0">
-                <a:latin typeface="SImPL" panose="02060600000200020004" pitchFamily="18" charset="0"/>
-                <a:ea typeface="SImPL" panose="02060600000200020004" pitchFamily="18" charset="0"/>
-                <a:cs typeface="SImPL" panose="02060600000200020004" pitchFamily="18" charset="0"/>
-              </a:rPr>
-              <a:t>) * </a:t>
+              <a:t>))) * </a:t>
             </a:r>
           </a:p>
           <a:p>
@@ -6262,7 +4904,83 @@
                 <a:ea typeface="SImPL" panose="02060600000200020004" pitchFamily="18" charset="0"/>
                 <a:cs typeface="SImPL" panose="02060600000200020004" pitchFamily="18" charset="0"/>
               </a:rPr>
-              <a:t>		(</a:t>
+              <a:t>		(pow(</a:t>
+            </a:r>
+            <a:r>
+              <a:rPr lang="en-US" sz="1600" b="1" dirty="0">
+                <a:solidFill>
+                  <a:srgbClr val="F08D0A"/>
+                </a:solidFill>
+                <a:latin typeface="SImPL" panose="02060600000200020004" pitchFamily="18" charset="0"/>
+                <a:ea typeface="SImPL" panose="02060600000200020004" pitchFamily="18" charset="0"/>
+                <a:cs typeface="SImPL" panose="02060600000200020004" pitchFamily="18" charset="0"/>
+              </a:rPr>
+              <a:t>3</a:t>
+            </a:r>
+            <a:r>
+              <a:rPr lang="en-US" sz="1600" dirty="0">
+                <a:latin typeface="SImPL" panose="02060600000200020004" pitchFamily="18" charset="0"/>
+                <a:ea typeface="SImPL" panose="02060600000200020004" pitchFamily="18" charset="0"/>
+                <a:cs typeface="SImPL" panose="02060600000200020004" pitchFamily="18" charset="0"/>
+              </a:rPr>
+              <a:t> / </a:t>
+            </a:r>
+            <a:r>
+              <a:rPr lang="en-US" sz="1600" b="1" dirty="0">
+                <a:solidFill>
+                  <a:srgbClr val="F08D0A"/>
+                </a:solidFill>
+                <a:latin typeface="SImPL" panose="02060600000200020004" pitchFamily="18" charset="0"/>
+                <a:ea typeface="SImPL" panose="02060600000200020004" pitchFamily="18" charset="0"/>
+                <a:cs typeface="SImPL" panose="02060600000200020004" pitchFamily="18" charset="0"/>
+              </a:rPr>
+              <a:t>60</a:t>
+            </a:r>
+            <a:r>
+              <a:rPr lang="en-US" sz="1600" dirty="0">
+                <a:latin typeface="SImPL" panose="02060600000200020004" pitchFamily="18" charset="0"/>
+                <a:ea typeface="SImPL" panose="02060600000200020004" pitchFamily="18" charset="0"/>
+                <a:cs typeface="SImPL" panose="02060600000200020004" pitchFamily="18" charset="0"/>
+              </a:rPr>
+              <a:t>, </a:t>
+            </a:r>
+            <a:r>
+              <a:rPr lang="en-US" sz="1600" b="1" dirty="0">
+                <a:solidFill>
+                  <a:srgbClr val="F08D0A"/>
+                </a:solidFill>
+                <a:latin typeface="SImPL" panose="02060600000200020004" pitchFamily="18" charset="0"/>
+                <a:ea typeface="SImPL" panose="02060600000200020004" pitchFamily="18" charset="0"/>
+                <a:cs typeface="SImPL" panose="02060600000200020004" pitchFamily="18" charset="0"/>
+              </a:rPr>
+              <a:t>7</a:t>
+            </a:r>
+            <a:r>
+              <a:rPr lang="en-US" sz="1600" dirty="0">
+                <a:latin typeface="SImPL" panose="02060600000200020004" pitchFamily="18" charset="0"/>
+                <a:ea typeface="SImPL" panose="02060600000200020004" pitchFamily="18" charset="0"/>
+                <a:cs typeface="SImPL" panose="02060600000200020004" pitchFamily="18" charset="0"/>
+              </a:rPr>
+              <a:t> / </a:t>
+            </a:r>
+            <a:r>
+              <a:rPr lang="en-US" sz="1600" b="1" dirty="0">
+                <a:solidFill>
+                  <a:srgbClr val="F08D0A"/>
+                </a:solidFill>
+                <a:latin typeface="SImPL" panose="02060600000200020004" pitchFamily="18" charset="0"/>
+                <a:ea typeface="SImPL" panose="02060600000200020004" pitchFamily="18" charset="0"/>
+                <a:cs typeface="SImPL" panose="02060600000200020004" pitchFamily="18" charset="0"/>
+              </a:rPr>
+              <a:t>16</a:t>
+            </a:r>
+            <a:r>
+              <a:rPr lang="en-US" sz="1600" dirty="0">
+                <a:latin typeface="SImPL" panose="02060600000200020004" pitchFamily="18" charset="0"/>
+                <a:ea typeface="SImPL" panose="02060600000200020004" pitchFamily="18" charset="0"/>
+                <a:cs typeface="SImPL" panose="02060600000200020004" pitchFamily="18" charset="0"/>
+              </a:rPr>
+              <a:t>))) * (</a:t>
             </a:r>
             <a:r>
               <a:rPr lang="en-US" sz="1600" dirty="0" err="1">
@@ -6270,7 +4988,7 @@
                 <a:ea typeface="SImPL" panose="02060600000200020004" pitchFamily="18" charset="0"/>
                 <a:cs typeface="SImPL" panose="02060600000200020004" pitchFamily="18" charset="0"/>
               </a:rPr>
-              <a:t>inParams.h</a:t>
+              <a:t>exp</a:t>
             </a:r>
             <a:r>
               <a:rPr lang="en-US" sz="1600" dirty="0">
@@ -6278,121 +4996,7 @@
                 <a:ea typeface="SImPL" panose="02060600000200020004" pitchFamily="18" charset="0"/>
                 <a:cs typeface="SImPL" panose="02060600000200020004" pitchFamily="18" charset="0"/>
               </a:rPr>
-              <a:t> ** </a:t>
-            </a:r>
-            <a:r>
-              <a:rPr lang="en-US" sz="1600" b="1" dirty="0">
-                <a:solidFill>
-                  <a:srgbClr val="F08D0A"/>
-                </a:solidFill>
-                <a:latin typeface="SImPL" panose="02060600000200020004" pitchFamily="18" charset="0"/>
-                <a:ea typeface="SImPL" panose="02060600000200020004" pitchFamily="18" charset="0"/>
-                <a:cs typeface="SImPL" panose="02060600000200020004" pitchFamily="18" charset="0"/>
-              </a:rPr>
-              <a:t>2</a:t>
-            </a:r>
-            <a:r>
-              <a:rPr lang="en-US" sz="1600" dirty="0">
-                <a:latin typeface="SImPL" panose="02060600000200020004" pitchFamily="18" charset="0"/>
-                <a:ea typeface="SImPL" panose="02060600000200020004" pitchFamily="18" charset="0"/>
-                <a:cs typeface="SImPL" panose="02060600000200020004" pitchFamily="18" charset="0"/>
-              </a:rPr>
-              <a:t>)) ** </a:t>
-            </a:r>
-            <a:r>
-              <a:rPr lang="en-US" sz="1600" b="1" dirty="0">
-                <a:solidFill>
-                  <a:srgbClr val="F08D0A"/>
-                </a:solidFill>
-                <a:latin typeface="SImPL" panose="02060600000200020004" pitchFamily="18" charset="0"/>
-                <a:ea typeface="SImPL" panose="02060600000200020004" pitchFamily="18" charset="0"/>
-                <a:cs typeface="SImPL" panose="02060600000200020004" pitchFamily="18" charset="0"/>
-              </a:rPr>
-              <a:t>7</a:t>
-            </a:r>
-            <a:r>
-              <a:rPr lang="en-US" sz="1600" dirty="0">
-                <a:latin typeface="SImPL" panose="02060600000200020004" pitchFamily="18" charset="0"/>
-                <a:ea typeface="SImPL" panose="02060600000200020004" pitchFamily="18" charset="0"/>
-                <a:cs typeface="SImPL" panose="02060600000200020004" pitchFamily="18" charset="0"/>
-              </a:rPr>
-              <a:t>)) * ((</a:t>
-            </a:r>
-            <a:r>
-              <a:rPr lang="en-US" sz="1600" b="1" dirty="0">
-                <a:solidFill>
-                  <a:srgbClr val="F08D0A"/>
-                </a:solidFill>
-                <a:latin typeface="SImPL" panose="02060600000200020004" pitchFamily="18" charset="0"/>
-                <a:ea typeface="SImPL" panose="02060600000200020004" pitchFamily="18" charset="0"/>
-                <a:cs typeface="SImPL" panose="02060600000200020004" pitchFamily="18" charset="0"/>
-              </a:rPr>
-              <a:t>3</a:t>
-            </a:r>
-            <a:r>
-              <a:rPr lang="en-US" sz="1600" dirty="0">
-                <a:latin typeface="SImPL" panose="02060600000200020004" pitchFamily="18" charset="0"/>
-                <a:ea typeface="SImPL" panose="02060600000200020004" pitchFamily="18" charset="0"/>
-                <a:cs typeface="SImPL" panose="02060600000200020004" pitchFamily="18" charset="0"/>
-              </a:rPr>
-              <a:t> / </a:t>
-            </a:r>
-            <a:r>
-              <a:rPr lang="en-US" sz="1600" b="1" dirty="0">
-                <a:solidFill>
-                  <a:srgbClr val="F08D0A"/>
-                </a:solidFill>
-                <a:latin typeface="SImPL" panose="02060600000200020004" pitchFamily="18" charset="0"/>
-                <a:ea typeface="SImPL" panose="02060600000200020004" pitchFamily="18" charset="0"/>
-                <a:cs typeface="SImPL" panose="02060600000200020004" pitchFamily="18" charset="0"/>
-              </a:rPr>
-              <a:t>60</a:t>
-            </a:r>
-            <a:r>
-              <a:rPr lang="en-US" sz="1600" dirty="0">
-                <a:latin typeface="SImPL" panose="02060600000200020004" pitchFamily="18" charset="0"/>
-                <a:ea typeface="SImPL" panose="02060600000200020004" pitchFamily="18" charset="0"/>
-                <a:cs typeface="SImPL" panose="02060600000200020004" pitchFamily="18" charset="0"/>
-              </a:rPr>
-              <a:t>) ** (</a:t>
-            </a:r>
-            <a:r>
-              <a:rPr lang="en-US" sz="1600" b="1" dirty="0">
-                <a:solidFill>
-                  <a:srgbClr val="F08D0A"/>
-                </a:solidFill>
-                <a:latin typeface="SImPL" panose="02060600000200020004" pitchFamily="18" charset="0"/>
-                <a:ea typeface="SImPL" panose="02060600000200020004" pitchFamily="18" charset="0"/>
-                <a:cs typeface="SImPL" panose="02060600000200020004" pitchFamily="18" charset="0"/>
-              </a:rPr>
-              <a:t>7</a:t>
-            </a:r>
-            <a:r>
-              <a:rPr lang="en-US" sz="1600" dirty="0">
-                <a:latin typeface="SImPL" panose="02060600000200020004" pitchFamily="18" charset="0"/>
-                <a:ea typeface="SImPL" panose="02060600000200020004" pitchFamily="18" charset="0"/>
-                <a:cs typeface="SImPL" panose="02060600000200020004" pitchFamily="18" charset="0"/>
-              </a:rPr>
-              <a:t> / </a:t>
-            </a:r>
-            <a:r>
-              <a:rPr lang="en-US" sz="1600" b="1" dirty="0">
-                <a:solidFill>
-                  <a:srgbClr val="F08D0A"/>
-                </a:solidFill>
-                <a:latin typeface="SImPL" panose="02060600000200020004" pitchFamily="18" charset="0"/>
-                <a:ea typeface="SImPL" panose="02060600000200020004" pitchFamily="18" charset="0"/>
-                <a:cs typeface="SImPL" panose="02060600000200020004" pitchFamily="18" charset="0"/>
-              </a:rPr>
-              <a:t>16</a:t>
-            </a:r>
-            <a:r>
-              <a:rPr lang="en-US" sz="1600" dirty="0">
-                <a:latin typeface="SImPL" panose="02060600000200020004" pitchFamily="18" charset="0"/>
-                <a:ea typeface="SImPL" panose="02060600000200020004" pitchFamily="18" charset="0"/>
-                <a:cs typeface="SImPL" panose="02060600000200020004" pitchFamily="18" charset="0"/>
-              </a:rPr>
-              <a:t>))) * </a:t>
+              <a:t>(J));</a:t>
             </a:r>
           </a:p>
           <a:p>
@@ -6411,23 +5015,7 @@
                 <a:ea typeface="SImPL" panose="02060600000200020004" pitchFamily="18" charset="0"/>
                 <a:cs typeface="SImPL" panose="02060600000200020004" pitchFamily="18" charset="0"/>
               </a:rPr>
-              <a:t>		(</a:t>
-            </a:r>
-            <a:r>
-              <a:rPr lang="en-US" sz="1600" dirty="0" err="1">
-                <a:latin typeface="SImPL" panose="02060600000200020004" pitchFamily="18" charset="0"/>
-                <a:ea typeface="SImPL" panose="02060600000200020004" pitchFamily="18" charset="0"/>
-                <a:cs typeface="SImPL" panose="02060600000200020004" pitchFamily="18" charset="0"/>
-              </a:rPr>
-              <a:t>math.exp</a:t>
-            </a:r>
-            <a:r>
-              <a:rPr lang="en-US" sz="1600" dirty="0">
-                <a:latin typeface="SImPL" panose="02060600000200020004" pitchFamily="18" charset="0"/>
-                <a:ea typeface="SImPL" panose="02060600000200020004" pitchFamily="18" charset="0"/>
-                <a:cs typeface="SImPL" panose="02060600000200020004" pitchFamily="18" charset="0"/>
-              </a:rPr>
-              <a:t>(J))</a:t>
+              <a:t>}</a:t>
             </a:r>
           </a:p>
           <a:p>
@@ -6513,7 +5101,18 @@
                 <a:ea typeface="SImPL" panose="02060600000200020004" pitchFamily="18" charset="0"/>
                 <a:cs typeface="SImPL" panose="02060600000200020004" pitchFamily="18" charset="0"/>
               </a:rPr>
-              <a:t>public static double </a:t>
+              <a:t>public static double</a:t>
+            </a:r>
+            <a:r>
+              <a:rPr lang="en-US" sz="1600" b="1" dirty="0">
+                <a:solidFill>
+                  <a:srgbClr val="F08D0A"/>
+                </a:solidFill>
+                <a:latin typeface="SImPL" panose="02060600000200020004" pitchFamily="18" charset="0"/>
+                <a:ea typeface="SImPL" panose="02060600000200020004" pitchFamily="18" charset="0"/>
+                <a:cs typeface="SImPL" panose="02060600000200020004" pitchFamily="18" charset="0"/>
+              </a:rPr>
+              <a:t> </a:t>
             </a:r>
             <a:r>
               <a:rPr lang="en-US" sz="1600" b="1" dirty="0" err="1">
@@ -6586,26 +5185,7 @@
                 <a:ea typeface="SImPL" panose="02060600000200020004" pitchFamily="18" charset="0"/>
                 <a:cs typeface="SImPL" panose="02060600000200020004" pitchFamily="18" charset="0"/>
               </a:rPr>
-              <a:t> J) </a:t>
-            </a:r>
-            <a:r>
-              <a:rPr lang="en-US" sz="1600" b="1" dirty="0">
-                <a:solidFill>
-                  <a:schemeClr val="accent2"/>
-                </a:solidFill>
-                <a:latin typeface="SImPL" panose="02060600000200020004" pitchFamily="18" charset="0"/>
-                <a:ea typeface="SImPL" panose="02060600000200020004" pitchFamily="18" charset="0"/>
-                <a:cs typeface="SImPL" panose="02060600000200020004" pitchFamily="18" charset="0"/>
-              </a:rPr>
-              <a:t>throws</a:t>
-            </a:r>
-            <a:r>
-              <a:rPr lang="en-US" sz="1600" dirty="0">
-                <a:latin typeface="SImPL" panose="02060600000200020004" pitchFamily="18" charset="0"/>
-                <a:ea typeface="SImPL" panose="02060600000200020004" pitchFamily="18" charset="0"/>
-                <a:cs typeface="SImPL" panose="02060600000200020004" pitchFamily="18" charset="0"/>
-              </a:rPr>
-              <a:t> Exception {</a:t>
+              <a:t> J) {</a:t>
             </a:r>
           </a:p>
           <a:p>
@@ -6629,7 +5209,7 @@
             <a:r>
               <a:rPr lang="en-US" sz="1600" b="1" dirty="0">
                 <a:solidFill>
-                  <a:schemeClr val="accent2"/>
+                  <a:srgbClr val="0070C0"/>
                 </a:solidFill>
                 <a:latin typeface="SImPL" panose="02060600000200020004" pitchFamily="18" charset="0"/>
                 <a:ea typeface="SImPL" panose="02060600000200020004" pitchFamily="18" charset="0"/>
@@ -6670,7 +5250,7 @@
                 <a:ea typeface="SImPL" panose="02060600000200020004" pitchFamily="18" charset="0"/>
                 <a:cs typeface="SImPL" panose="02060600000200020004" pitchFamily="18" charset="0"/>
               </a:rPr>
-              <a:t>Math.pow</a:t>
+              <a:t>Math.Pow</a:t>
             </a:r>
             <a:r>
               <a:rPr lang="en-US" sz="1600" dirty="0">
@@ -6743,7 +5323,7 @@
                 <a:ea typeface="SImPL" panose="02060600000200020004" pitchFamily="18" charset="0"/>
                 <a:cs typeface="SImPL" panose="02060600000200020004" pitchFamily="18" charset="0"/>
               </a:rPr>
-              <a:t>Math.pow</a:t>
+              <a:t>Math.Pow</a:t>
             </a:r>
             <a:r>
               <a:rPr lang="en-US" sz="1600" dirty="0">
@@ -6848,7 +5428,7 @@
                 <a:ea typeface="SImPL" panose="02060600000200020004" pitchFamily="18" charset="0"/>
                 <a:cs typeface="SImPL" panose="02060600000200020004" pitchFamily="18" charset="0"/>
               </a:rPr>
-              <a:t>Math.pow</a:t>
+              <a:t>Math.Pow</a:t>
             </a:r>
             <a:r>
               <a:rPr lang="en-US" sz="1600" dirty="0">
@@ -6883,7 +5463,7 @@
                 <a:ea typeface="SImPL" panose="02060600000200020004" pitchFamily="18" charset="0"/>
                 <a:cs typeface="SImPL" panose="02060600000200020004" pitchFamily="18" charset="0"/>
               </a:rPr>
-              <a:t>Math.pow</a:t>
+              <a:t>Math.Pow</a:t>
             </a:r>
             <a:r>
               <a:rPr lang="en-US" sz="1600" dirty="0">
@@ -6975,7 +5555,7 @@
                 <a:ea typeface="SImPL" panose="02060600000200020004" pitchFamily="18" charset="0"/>
                 <a:cs typeface="SImPL" panose="02060600000200020004" pitchFamily="18" charset="0"/>
               </a:rPr>
-              <a:t>Math.pow</a:t>
+              <a:t>Math.Pow</a:t>
             </a:r>
             <a:r>
               <a:rPr lang="en-US" sz="1600" dirty="0">
@@ -7045,7 +5625,7 @@
                 <a:ea typeface="SImPL" panose="02060600000200020004" pitchFamily="18" charset="0"/>
                 <a:cs typeface="SImPL" panose="02060600000200020004" pitchFamily="18" charset="0"/>
               </a:rPr>
-              <a:t>Math.pow</a:t>
+              <a:t>Math.Pow</a:t>
             </a:r>
             <a:r>
               <a:rPr lang="en-US" sz="1600" dirty="0">
@@ -7137,7 +5717,7 @@
                 <a:ea typeface="SImPL" panose="02060600000200020004" pitchFamily="18" charset="0"/>
                 <a:cs typeface="SImPL" panose="02060600000200020004" pitchFamily="18" charset="0"/>
               </a:rPr>
-              <a:t>Math.exp</a:t>
+              <a:t>Math.Exp</a:t>
             </a:r>
             <a:r>
               <a:rPr lang="en-US" sz="1600" dirty="0">
@@ -7166,22 +5746,6 @@
               </a:rPr>
               <a:t>}</a:t>
             </a:r>
-          </a:p>
-          <a:p>
-            <a:pPr marL="0" indent="0">
-              <a:spcBef>
-                <a:spcPts val="0"/>
-              </a:spcBef>
-              <a:spcAft>
-                <a:spcPts val="0"/>
-              </a:spcAft>
-              <a:buNone/>
-            </a:pPr>
-            <a:endParaRPr lang="en-US" sz="2000" dirty="0">
-              <a:latin typeface="SImPL" panose="02060600000200020004" pitchFamily="18" charset="0"/>
-              <a:ea typeface="SImPL" panose="02060600000200020004" pitchFamily="18" charset="0"/>
-              <a:cs typeface="SImPL" panose="02060600000200020004" pitchFamily="18" charset="0"/>
-            </a:endParaRPr>
           </a:p>
           <a:p>
             <a:pPr marL="0" indent="0">
@@ -7314,6 +5878,1632 @@
         <p:spPr>
           <a:xfrm>
             <a:off x="581191" y="1733181"/>
+            <a:ext cx="603114" cy="369332"/>
+          </a:xfrm>
+          <a:prstGeom prst="rect">
+            <a:avLst/>
+          </a:prstGeom>
+          <a:noFill/>
+        </p:spPr>
+        <p:txBody>
+          <a:bodyPr wrap="none" rtlCol="0">
+            <a:spAutoFit/>
+          </a:bodyPr>
+          <a:lstStyle/>
+          <a:p>
+            <a:r>
+              <a:rPr lang="en-US" dirty="0"/>
+              <a:t>C++:</a:t>
+            </a:r>
+          </a:p>
+        </p:txBody>
+      </p:sp>
+      <p:sp>
+        <p:nvSpPr>
+          <p:cNvPr id="8" name="TextBox 7">
+            <a:extLst>
+              <a:ext uri="{FF2B5EF4-FFF2-40B4-BE49-F238E27FC236}">
+                <a16:creationId xmlns:a16="http://schemas.microsoft.com/office/drawing/2014/main" id="{7B67E112-D85B-46AA-9AE8-868025D9BE46}"/>
+              </a:ext>
+            </a:extLst>
+          </p:cNvPr>
+          <p:cNvSpPr txBox="1"/>
+          <p:nvPr/>
+        </p:nvSpPr>
+        <p:spPr>
+          <a:xfrm>
+            <a:off x="581191" y="3917746"/>
+            <a:ext cx="486030" cy="369332"/>
+          </a:xfrm>
+          <a:prstGeom prst="rect">
+            <a:avLst/>
+          </a:prstGeom>
+          <a:noFill/>
+        </p:spPr>
+        <p:txBody>
+          <a:bodyPr wrap="none" rtlCol="0">
+            <a:spAutoFit/>
+          </a:bodyPr>
+          <a:lstStyle/>
+          <a:p>
+            <a:r>
+              <a:rPr lang="en-US" dirty="0"/>
+              <a:t>C#:</a:t>
+            </a:r>
+          </a:p>
+        </p:txBody>
+      </p:sp>
+    </p:spTree>
+    <p:extLst>
+      <p:ext uri="{BB962C8B-B14F-4D97-AF65-F5344CB8AC3E}">
+        <p14:creationId xmlns:p14="http://schemas.microsoft.com/office/powerpoint/2010/main" val="3527740241"/>
+      </p:ext>
+    </p:extLst>
+  </p:cSld>
+  <p:clrMapOvr>
+    <a:masterClrMapping/>
+  </p:clrMapOvr>
+</p:sld>
+</file>
+
+<file path=ppt/slides/slide15.xml><?xml version="1.0" encoding="utf-8"?>
+<p:sld xmlns:a="http://schemas.openxmlformats.org/drawingml/2006/main" xmlns:r="http://schemas.openxmlformats.org/officeDocument/2006/relationships" xmlns:p="http://schemas.openxmlformats.org/presentationml/2006/main">
+  <p:cSld>
+    <p:spTree>
+      <p:nvGrpSpPr>
+        <p:cNvPr id="1" name=""/>
+        <p:cNvGrpSpPr/>
+        <p:nvPr/>
+      </p:nvGrpSpPr>
+      <p:grpSpPr>
+        <a:xfrm>
+          <a:off x="0" y="0"/>
+          <a:ext cx="0" cy="0"/>
+          <a:chOff x="0" y="0"/>
+          <a:chExt cx="0" cy="0"/>
+        </a:xfrm>
+      </p:grpSpPr>
+      <p:sp>
+        <p:nvSpPr>
+          <p:cNvPr id="5" name="Rectangle 4">
+            <a:extLst>
+              <a:ext uri="{FF2B5EF4-FFF2-40B4-BE49-F238E27FC236}">
+                <a16:creationId xmlns:a16="http://schemas.microsoft.com/office/drawing/2014/main" id="{7C7C3A47-A2F6-4664-A85C-9DA9D6669120}"/>
+              </a:ext>
+            </a:extLst>
+          </p:cNvPr>
+          <p:cNvSpPr/>
+          <p:nvPr/>
+        </p:nvSpPr>
+        <p:spPr>
+          <a:xfrm>
+            <a:off x="581192" y="4333461"/>
+            <a:ext cx="10643399" cy="1570382"/>
+          </a:xfrm>
+          <a:prstGeom prst="rect">
+            <a:avLst/>
+          </a:prstGeom>
+          <a:noFill/>
+          <a:ln>
+            <a:solidFill>
+              <a:schemeClr val="tx1"/>
+            </a:solidFill>
+          </a:ln>
+        </p:spPr>
+        <p:style>
+          <a:lnRef idx="2">
+            <a:schemeClr val="accent1">
+              <a:shade val="50000"/>
+            </a:schemeClr>
+          </a:lnRef>
+          <a:fillRef idx="1">
+            <a:schemeClr val="accent1"/>
+          </a:fillRef>
+          <a:effectRef idx="0">
+            <a:schemeClr val="accent1"/>
+          </a:effectRef>
+          <a:fontRef idx="minor">
+            <a:schemeClr val="lt1"/>
+          </a:fontRef>
+        </p:style>
+        <p:txBody>
+          <a:bodyPr rtlCol="0" anchor="ctr"/>
+          <a:lstStyle/>
+          <a:p>
+            <a:pPr algn="ctr"/>
+            <a:endParaRPr lang="en-US"/>
+          </a:p>
+        </p:txBody>
+      </p:sp>
+      <p:sp>
+        <p:nvSpPr>
+          <p:cNvPr id="2" name="Title 1">
+            <a:extLst>
+              <a:ext uri="{FF2B5EF4-FFF2-40B4-BE49-F238E27FC236}">
+                <a16:creationId xmlns:a16="http://schemas.microsoft.com/office/drawing/2014/main" id="{0CF20F46-7E84-4231-89B4-FF5F8A826EBE}"/>
+              </a:ext>
+            </a:extLst>
+          </p:cNvPr>
+          <p:cNvSpPr>
+            <a:spLocks noGrp="1"/>
+          </p:cNvSpPr>
+          <p:nvPr>
+            <p:ph type="title"/>
+          </p:nvPr>
+        </p:nvSpPr>
+        <p:spPr/>
+        <p:txBody>
+          <a:bodyPr/>
+          <a:lstStyle/>
+          <a:p>
+            <a:r>
+              <a:rPr lang="en-US" dirty="0"/>
+              <a:t>Risk of Failure:  Generated Code</a:t>
+            </a:r>
+          </a:p>
+        </p:txBody>
+      </p:sp>
+      <p:sp>
+        <p:nvSpPr>
+          <p:cNvPr id="3" name="Content Placeholder 2">
+            <a:extLst>
+              <a:ext uri="{FF2B5EF4-FFF2-40B4-BE49-F238E27FC236}">
+                <a16:creationId xmlns:a16="http://schemas.microsoft.com/office/drawing/2014/main" id="{DD560CE5-DFC1-47A2-93B0-4E716FF22662}"/>
+              </a:ext>
+            </a:extLst>
+          </p:cNvPr>
+          <p:cNvSpPr>
+            <a:spLocks noGrp="1"/>
+          </p:cNvSpPr>
+          <p:nvPr>
+            <p:ph idx="1"/>
+          </p:nvPr>
+        </p:nvSpPr>
+        <p:spPr>
+          <a:xfrm>
+            <a:off x="581192" y="1534712"/>
+            <a:ext cx="11029615" cy="4415514"/>
+          </a:xfrm>
+        </p:spPr>
+        <p:txBody>
+          <a:bodyPr>
+            <a:normAutofit/>
+          </a:bodyPr>
+          <a:lstStyle/>
+          <a:p>
+            <a:pPr marL="0" indent="0">
+              <a:spcBef>
+                <a:spcPts val="0"/>
+              </a:spcBef>
+              <a:spcAft>
+                <a:spcPts val="0"/>
+              </a:spcAft>
+              <a:buNone/>
+            </a:pPr>
+            <a:endParaRPr lang="en-US" sz="2000" b="1" dirty="0">
+              <a:solidFill>
+                <a:srgbClr val="0070C0"/>
+              </a:solidFill>
+              <a:latin typeface="SImPL" panose="02060600000200020004" pitchFamily="18" charset="0"/>
+              <a:ea typeface="SImPL" panose="02060600000200020004" pitchFamily="18" charset="0"/>
+              <a:cs typeface="SImPL" panose="02060600000200020004" pitchFamily="18" charset="0"/>
+            </a:endParaRPr>
+          </a:p>
+          <a:p>
+            <a:pPr marL="0" indent="0">
+              <a:spcBef>
+                <a:spcPts val="0"/>
+              </a:spcBef>
+              <a:spcAft>
+                <a:spcPts val="0"/>
+              </a:spcAft>
+              <a:buNone/>
+            </a:pPr>
+            <a:endParaRPr lang="en-US" sz="2000" b="1" dirty="0">
+              <a:solidFill>
+                <a:srgbClr val="0070C0"/>
+              </a:solidFill>
+              <a:latin typeface="SImPL" panose="02060600000200020004" pitchFamily="18" charset="0"/>
+              <a:ea typeface="SImPL" panose="02060600000200020004" pitchFamily="18" charset="0"/>
+              <a:cs typeface="SImPL" panose="02060600000200020004" pitchFamily="18" charset="0"/>
+            </a:endParaRPr>
+          </a:p>
+          <a:p>
+            <a:pPr marL="0" indent="0">
+              <a:spcBef>
+                <a:spcPts val="0"/>
+              </a:spcBef>
+              <a:spcAft>
+                <a:spcPts val="0"/>
+              </a:spcAft>
+              <a:buNone/>
+            </a:pPr>
+            <a:r>
+              <a:rPr lang="en-US" sz="1600" b="1" dirty="0">
+                <a:solidFill>
+                  <a:srgbClr val="0070C0"/>
+                </a:solidFill>
+                <a:latin typeface="SImPL" panose="02060600000200020004" pitchFamily="18" charset="0"/>
+                <a:ea typeface="SImPL" panose="02060600000200020004" pitchFamily="18" charset="0"/>
+                <a:cs typeface="SImPL" panose="02060600000200020004" pitchFamily="18" charset="0"/>
+              </a:rPr>
+              <a:t>def</a:t>
+            </a:r>
+            <a:r>
+              <a:rPr lang="en-US" sz="1600" dirty="0">
+                <a:latin typeface="SImPL" panose="02060600000200020004" pitchFamily="18" charset="0"/>
+                <a:ea typeface="SImPL" panose="02060600000200020004" pitchFamily="18" charset="0"/>
+                <a:cs typeface="SImPL" panose="02060600000200020004" pitchFamily="18" charset="0"/>
+              </a:rPr>
+              <a:t> </a:t>
+            </a:r>
+            <a:r>
+              <a:rPr lang="en-US" sz="1600" b="1" dirty="0" err="1">
+                <a:solidFill>
+                  <a:schemeClr val="bg2">
+                    <a:lumMod val="60000"/>
+                    <a:lumOff val="40000"/>
+                  </a:schemeClr>
+                </a:solidFill>
+                <a:latin typeface="SImPL" panose="02060600000200020004" pitchFamily="18" charset="0"/>
+                <a:ea typeface="SImPL" panose="02060600000200020004" pitchFamily="18" charset="0"/>
+                <a:cs typeface="SImPL" panose="02060600000200020004" pitchFamily="18" charset="0"/>
+              </a:rPr>
+              <a:t>func_B</a:t>
+            </a:r>
+            <a:r>
+              <a:rPr lang="en-US" sz="1600" dirty="0">
+                <a:latin typeface="SImPL" panose="02060600000200020004" pitchFamily="18" charset="0"/>
+                <a:ea typeface="SImPL" panose="02060600000200020004" pitchFamily="18" charset="0"/>
+                <a:cs typeface="SImPL" panose="02060600000200020004" pitchFamily="18" charset="0"/>
+              </a:rPr>
+              <a:t>(</a:t>
+            </a:r>
+            <a:r>
+              <a:rPr lang="en-US" sz="1600" dirty="0" err="1">
+                <a:latin typeface="SImPL" panose="02060600000200020004" pitchFamily="18" charset="0"/>
+                <a:ea typeface="SImPL" panose="02060600000200020004" pitchFamily="18" charset="0"/>
+                <a:cs typeface="SImPL" panose="02060600000200020004" pitchFamily="18" charset="0"/>
+              </a:rPr>
+              <a:t>inParams</a:t>
+            </a:r>
+            <a:r>
+              <a:rPr lang="en-US" sz="1600" dirty="0">
+                <a:latin typeface="SImPL" panose="02060600000200020004" pitchFamily="18" charset="0"/>
+                <a:ea typeface="SImPL" panose="02060600000200020004" pitchFamily="18" charset="0"/>
+                <a:cs typeface="SImPL" panose="02060600000200020004" pitchFamily="18" charset="0"/>
+              </a:rPr>
+              <a:t>, J):     </a:t>
+            </a:r>
+          </a:p>
+          <a:p>
+            <a:pPr marL="0" indent="0">
+              <a:spcBef>
+                <a:spcPts val="0"/>
+              </a:spcBef>
+              <a:spcAft>
+                <a:spcPts val="0"/>
+              </a:spcAft>
+              <a:buNone/>
+            </a:pPr>
+            <a:r>
+              <a:rPr lang="en-US" sz="1600" dirty="0">
+                <a:latin typeface="SImPL" panose="02060600000200020004" pitchFamily="18" charset="0"/>
+                <a:ea typeface="SImPL" panose="02060600000200020004" pitchFamily="18" charset="0"/>
+                <a:cs typeface="SImPL" panose="02060600000200020004" pitchFamily="18" charset="0"/>
+              </a:rPr>
+              <a:t>    </a:t>
+            </a:r>
+            <a:r>
+              <a:rPr lang="en-US" sz="1600" b="1" dirty="0">
+                <a:solidFill>
+                  <a:srgbClr val="0070C0"/>
+                </a:solidFill>
+                <a:latin typeface="SImPL" panose="02060600000200020004" pitchFamily="18" charset="0"/>
+                <a:ea typeface="SImPL" panose="02060600000200020004" pitchFamily="18" charset="0"/>
+                <a:cs typeface="SImPL" panose="02060600000200020004" pitchFamily="18" charset="0"/>
+              </a:rPr>
+              <a:t>return</a:t>
+            </a:r>
+            <a:r>
+              <a:rPr lang="en-US" sz="1600" dirty="0">
+                <a:latin typeface="SImPL" panose="02060600000200020004" pitchFamily="18" charset="0"/>
+                <a:ea typeface="SImPL" panose="02060600000200020004" pitchFamily="18" charset="0"/>
+                <a:cs typeface="SImPL" panose="02060600000200020004" pitchFamily="18" charset="0"/>
+              </a:rPr>
+              <a:t> ((((</a:t>
+            </a:r>
+            <a:r>
+              <a:rPr lang="en-US" sz="1600" b="1" dirty="0">
+                <a:solidFill>
+                  <a:srgbClr val="F08D0A"/>
+                </a:solidFill>
+                <a:latin typeface="SImPL" panose="02060600000200020004" pitchFamily="18" charset="0"/>
+                <a:ea typeface="SImPL" panose="02060600000200020004" pitchFamily="18" charset="0"/>
+                <a:cs typeface="SImPL" panose="02060600000200020004" pitchFamily="18" charset="0"/>
+              </a:rPr>
+              <a:t>2.86</a:t>
+            </a:r>
+            <a:r>
+              <a:rPr lang="en-US" sz="1600" dirty="0">
+                <a:latin typeface="SImPL" panose="02060600000200020004" pitchFamily="18" charset="0"/>
+                <a:ea typeface="SImPL" panose="02060600000200020004" pitchFamily="18" charset="0"/>
+                <a:cs typeface="SImPL" panose="02060600000200020004" pitchFamily="18" charset="0"/>
+              </a:rPr>
+              <a:t> * (</a:t>
+            </a:r>
+            <a:r>
+              <a:rPr lang="en-US" sz="1600" b="1" dirty="0">
+                <a:solidFill>
+                  <a:srgbClr val="F08D0A"/>
+                </a:solidFill>
+                <a:latin typeface="SImPL" panose="02060600000200020004" pitchFamily="18" charset="0"/>
+                <a:ea typeface="SImPL" panose="02060600000200020004" pitchFamily="18" charset="0"/>
+                <a:cs typeface="SImPL" panose="02060600000200020004" pitchFamily="18" charset="0"/>
+              </a:rPr>
+              <a:t>10</a:t>
+            </a:r>
+            <a:r>
+              <a:rPr lang="en-US" sz="1600" dirty="0">
+                <a:latin typeface="SImPL" panose="02060600000200020004" pitchFamily="18" charset="0"/>
+                <a:ea typeface="SImPL" panose="02060600000200020004" pitchFamily="18" charset="0"/>
+                <a:cs typeface="SImPL" panose="02060600000200020004" pitchFamily="18" charset="0"/>
+              </a:rPr>
+              <a:t> ** (-(</a:t>
+            </a:r>
+            <a:r>
+              <a:rPr lang="en-US" sz="1600" b="1" dirty="0">
+                <a:solidFill>
+                  <a:srgbClr val="F08D0A"/>
+                </a:solidFill>
+                <a:latin typeface="SImPL" panose="02060600000200020004" pitchFamily="18" charset="0"/>
+                <a:ea typeface="SImPL" panose="02060600000200020004" pitchFamily="18" charset="0"/>
+                <a:cs typeface="SImPL" panose="02060600000200020004" pitchFamily="18" charset="0"/>
+              </a:rPr>
+              <a:t>53</a:t>
+            </a:r>
+            <a:r>
+              <a:rPr lang="en-US" sz="1600" dirty="0">
+                <a:latin typeface="SImPL" panose="02060600000200020004" pitchFamily="18" charset="0"/>
+                <a:ea typeface="SImPL" panose="02060600000200020004" pitchFamily="18" charset="0"/>
+                <a:cs typeface="SImPL" panose="02060600000200020004" pitchFamily="18" charset="0"/>
+              </a:rPr>
+              <a:t>)))) / ((</a:t>
+            </a:r>
+            <a:r>
+              <a:rPr lang="en-US" sz="1600" dirty="0" err="1">
+                <a:latin typeface="SImPL" panose="02060600000200020004" pitchFamily="18" charset="0"/>
+                <a:ea typeface="SImPL" panose="02060600000200020004" pitchFamily="18" charset="0"/>
+                <a:cs typeface="SImPL" panose="02060600000200020004" pitchFamily="18" charset="0"/>
+              </a:rPr>
+              <a:t>inParams.a</a:t>
+            </a:r>
+            <a:r>
+              <a:rPr lang="en-US" sz="1600" dirty="0">
+                <a:latin typeface="SImPL" panose="02060600000200020004" pitchFamily="18" charset="0"/>
+                <a:ea typeface="SImPL" panose="02060600000200020004" pitchFamily="18" charset="0"/>
+                <a:cs typeface="SImPL" panose="02060600000200020004" pitchFamily="18" charset="0"/>
+              </a:rPr>
+              <a:t> * </a:t>
+            </a:r>
+            <a:r>
+              <a:rPr lang="en-US" sz="1600" dirty="0" err="1">
+                <a:latin typeface="SImPL" panose="02060600000200020004" pitchFamily="18" charset="0"/>
+                <a:ea typeface="SImPL" panose="02060600000200020004" pitchFamily="18" charset="0"/>
+                <a:cs typeface="SImPL" panose="02060600000200020004" pitchFamily="18" charset="0"/>
+              </a:rPr>
+              <a:t>inParams.b</a:t>
+            </a:r>
+            <a:r>
+              <a:rPr lang="en-US" sz="1600" dirty="0">
+                <a:latin typeface="SImPL" panose="02060600000200020004" pitchFamily="18" charset="0"/>
+                <a:ea typeface="SImPL" panose="02060600000200020004" pitchFamily="18" charset="0"/>
+                <a:cs typeface="SImPL" panose="02060600000200020004" pitchFamily="18" charset="0"/>
+              </a:rPr>
+              <a:t>) ** </a:t>
+            </a:r>
+          </a:p>
+          <a:p>
+            <a:pPr marL="0" indent="0">
+              <a:spcBef>
+                <a:spcPts val="0"/>
+              </a:spcBef>
+              <a:spcAft>
+                <a:spcPts val="0"/>
+              </a:spcAft>
+              <a:buNone/>
+            </a:pPr>
+            <a:r>
+              <a:rPr lang="en-US" sz="1600" dirty="0">
+                <a:latin typeface="SImPL" panose="02060600000200020004" pitchFamily="18" charset="0"/>
+                <a:ea typeface="SImPL" panose="02060600000200020004" pitchFamily="18" charset="0"/>
+                <a:cs typeface="SImPL" panose="02060600000200020004" pitchFamily="18" charset="0"/>
+              </a:rPr>
+              <a:t>		(</a:t>
+            </a:r>
+            <a:r>
+              <a:rPr lang="en-US" sz="1600" b="1" dirty="0">
+                <a:solidFill>
+                  <a:srgbClr val="F08D0A"/>
+                </a:solidFill>
+                <a:latin typeface="SImPL" panose="02060600000200020004" pitchFamily="18" charset="0"/>
+                <a:ea typeface="SImPL" panose="02060600000200020004" pitchFamily="18" charset="0"/>
+                <a:cs typeface="SImPL" panose="02060600000200020004" pitchFamily="18" charset="0"/>
+              </a:rPr>
+              <a:t>7</a:t>
+            </a:r>
+            <a:r>
+              <a:rPr lang="en-US" sz="1600" dirty="0">
+                <a:latin typeface="SImPL" panose="02060600000200020004" pitchFamily="18" charset="0"/>
+                <a:ea typeface="SImPL" panose="02060600000200020004" pitchFamily="18" charset="0"/>
+                <a:cs typeface="SImPL" panose="02060600000200020004" pitchFamily="18" charset="0"/>
+              </a:rPr>
+              <a:t> - </a:t>
+            </a:r>
+            <a:r>
+              <a:rPr lang="en-US" sz="1600" b="1" dirty="0">
+                <a:solidFill>
+                  <a:srgbClr val="F08D0A"/>
+                </a:solidFill>
+                <a:latin typeface="SImPL" panose="02060600000200020004" pitchFamily="18" charset="0"/>
+                <a:ea typeface="SImPL" panose="02060600000200020004" pitchFamily="18" charset="0"/>
+                <a:cs typeface="SImPL" panose="02060600000200020004" pitchFamily="18" charset="0"/>
+              </a:rPr>
+              <a:t>1</a:t>
+            </a:r>
+            <a:r>
+              <a:rPr lang="en-US" sz="1600" dirty="0">
+                <a:latin typeface="SImPL" panose="02060600000200020004" pitchFamily="18" charset="0"/>
+                <a:ea typeface="SImPL" panose="02060600000200020004" pitchFamily="18" charset="0"/>
+                <a:cs typeface="SImPL" panose="02060600000200020004" pitchFamily="18" charset="0"/>
+              </a:rPr>
+              <a:t>))) * ((((</a:t>
+            </a:r>
+            <a:r>
+              <a:rPr lang="en-US" sz="1600" b="1" dirty="0">
+                <a:solidFill>
+                  <a:srgbClr val="F08D0A"/>
+                </a:solidFill>
+                <a:latin typeface="SImPL" panose="02060600000200020004" pitchFamily="18" charset="0"/>
+                <a:ea typeface="SImPL" panose="02060600000200020004" pitchFamily="18" charset="0"/>
+                <a:cs typeface="SImPL" panose="02060600000200020004" pitchFamily="18" charset="0"/>
+              </a:rPr>
+              <a:t>7.17</a:t>
+            </a:r>
+            <a:r>
+              <a:rPr lang="en-US" sz="1600" dirty="0">
+                <a:latin typeface="SImPL" panose="02060600000200020004" pitchFamily="18" charset="0"/>
+                <a:ea typeface="SImPL" panose="02060600000200020004" pitchFamily="18" charset="0"/>
+                <a:cs typeface="SImPL" panose="02060600000200020004" pitchFamily="18" charset="0"/>
+              </a:rPr>
+              <a:t> * (</a:t>
+            </a:r>
+            <a:r>
+              <a:rPr lang="en-US" sz="1600" b="1" dirty="0">
+                <a:solidFill>
+                  <a:srgbClr val="F08D0A"/>
+                </a:solidFill>
+                <a:latin typeface="SImPL" panose="02060600000200020004" pitchFamily="18" charset="0"/>
+                <a:ea typeface="SImPL" panose="02060600000200020004" pitchFamily="18" charset="0"/>
+                <a:cs typeface="SImPL" panose="02060600000200020004" pitchFamily="18" charset="0"/>
+              </a:rPr>
+              <a:t>10</a:t>
+            </a:r>
+            <a:r>
+              <a:rPr lang="en-US" sz="1600" dirty="0">
+                <a:latin typeface="SImPL" panose="02060600000200020004" pitchFamily="18" charset="0"/>
+                <a:ea typeface="SImPL" panose="02060600000200020004" pitchFamily="18" charset="0"/>
+                <a:cs typeface="SImPL" panose="02060600000200020004" pitchFamily="18" charset="0"/>
+              </a:rPr>
+              <a:t> ** </a:t>
+            </a:r>
+            <a:r>
+              <a:rPr lang="en-US" sz="1600" b="1" dirty="0">
+                <a:solidFill>
+                  <a:srgbClr val="F08D0A"/>
+                </a:solidFill>
+                <a:latin typeface="SImPL" panose="02060600000200020004" pitchFamily="18" charset="0"/>
+                <a:ea typeface="SImPL" panose="02060600000200020004" pitchFamily="18" charset="0"/>
+                <a:cs typeface="SImPL" panose="02060600000200020004" pitchFamily="18" charset="0"/>
+              </a:rPr>
+              <a:t>7</a:t>
+            </a:r>
+            <a:r>
+              <a:rPr lang="en-US" sz="1600" dirty="0">
+                <a:latin typeface="SImPL" panose="02060600000200020004" pitchFamily="18" charset="0"/>
+                <a:ea typeface="SImPL" panose="02060600000200020004" pitchFamily="18" charset="0"/>
+                <a:cs typeface="SImPL" panose="02060600000200020004" pitchFamily="18" charset="0"/>
+              </a:rPr>
+              <a:t>)) * </a:t>
+            </a:r>
+            <a:r>
+              <a:rPr lang="en-US" sz="1600" b="1" dirty="0">
+                <a:solidFill>
+                  <a:srgbClr val="F08D0A"/>
+                </a:solidFill>
+                <a:latin typeface="SImPL" panose="02060600000200020004" pitchFamily="18" charset="0"/>
+                <a:ea typeface="SImPL" panose="02060600000200020004" pitchFamily="18" charset="0"/>
+                <a:cs typeface="SImPL" panose="02060600000200020004" pitchFamily="18" charset="0"/>
+              </a:rPr>
+              <a:t>1000</a:t>
+            </a:r>
+            <a:r>
+              <a:rPr lang="en-US" sz="1600" dirty="0">
+                <a:latin typeface="SImPL" panose="02060600000200020004" pitchFamily="18" charset="0"/>
+                <a:ea typeface="SImPL" panose="02060600000200020004" pitchFamily="18" charset="0"/>
+                <a:cs typeface="SImPL" panose="02060600000200020004" pitchFamily="18" charset="0"/>
+              </a:rPr>
+              <a:t>) * </a:t>
+            </a:r>
+          </a:p>
+          <a:p>
+            <a:pPr marL="0" indent="0">
+              <a:spcBef>
+                <a:spcPts val="0"/>
+              </a:spcBef>
+              <a:spcAft>
+                <a:spcPts val="0"/>
+              </a:spcAft>
+              <a:buNone/>
+            </a:pPr>
+            <a:r>
+              <a:rPr lang="en-US" sz="1600" dirty="0">
+                <a:latin typeface="SImPL" panose="02060600000200020004" pitchFamily="18" charset="0"/>
+                <a:ea typeface="SImPL" panose="02060600000200020004" pitchFamily="18" charset="0"/>
+                <a:cs typeface="SImPL" panose="02060600000200020004" pitchFamily="18" charset="0"/>
+              </a:rPr>
+              <a:t>		(</a:t>
+            </a:r>
+            <a:r>
+              <a:rPr lang="en-US" sz="1600" dirty="0" err="1">
+                <a:latin typeface="SImPL" panose="02060600000200020004" pitchFamily="18" charset="0"/>
+                <a:ea typeface="SImPL" panose="02060600000200020004" pitchFamily="18" charset="0"/>
+                <a:cs typeface="SImPL" panose="02060600000200020004" pitchFamily="18" charset="0"/>
+              </a:rPr>
+              <a:t>inParams.h</a:t>
+            </a:r>
+            <a:r>
+              <a:rPr lang="en-US" sz="1600" dirty="0">
+                <a:latin typeface="SImPL" panose="02060600000200020004" pitchFamily="18" charset="0"/>
+                <a:ea typeface="SImPL" panose="02060600000200020004" pitchFamily="18" charset="0"/>
+                <a:cs typeface="SImPL" panose="02060600000200020004" pitchFamily="18" charset="0"/>
+              </a:rPr>
+              <a:t> ** </a:t>
+            </a:r>
+            <a:r>
+              <a:rPr lang="en-US" sz="1600" b="1" dirty="0">
+                <a:solidFill>
+                  <a:srgbClr val="F08D0A"/>
+                </a:solidFill>
+                <a:latin typeface="SImPL" panose="02060600000200020004" pitchFamily="18" charset="0"/>
+                <a:ea typeface="SImPL" panose="02060600000200020004" pitchFamily="18" charset="0"/>
+                <a:cs typeface="SImPL" panose="02060600000200020004" pitchFamily="18" charset="0"/>
+              </a:rPr>
+              <a:t>2</a:t>
+            </a:r>
+            <a:r>
+              <a:rPr lang="en-US" sz="1600" dirty="0">
+                <a:latin typeface="SImPL" panose="02060600000200020004" pitchFamily="18" charset="0"/>
+                <a:ea typeface="SImPL" panose="02060600000200020004" pitchFamily="18" charset="0"/>
+                <a:cs typeface="SImPL" panose="02060600000200020004" pitchFamily="18" charset="0"/>
+              </a:rPr>
+              <a:t>)) ** </a:t>
+            </a:r>
+            <a:r>
+              <a:rPr lang="en-US" sz="1600" b="1" dirty="0">
+                <a:solidFill>
+                  <a:srgbClr val="F08D0A"/>
+                </a:solidFill>
+                <a:latin typeface="SImPL" panose="02060600000200020004" pitchFamily="18" charset="0"/>
+                <a:ea typeface="SImPL" panose="02060600000200020004" pitchFamily="18" charset="0"/>
+                <a:cs typeface="SImPL" panose="02060600000200020004" pitchFamily="18" charset="0"/>
+              </a:rPr>
+              <a:t>7</a:t>
+            </a:r>
+            <a:r>
+              <a:rPr lang="en-US" sz="1600" dirty="0">
+                <a:latin typeface="SImPL" panose="02060600000200020004" pitchFamily="18" charset="0"/>
+                <a:ea typeface="SImPL" panose="02060600000200020004" pitchFamily="18" charset="0"/>
+                <a:cs typeface="SImPL" panose="02060600000200020004" pitchFamily="18" charset="0"/>
+              </a:rPr>
+              <a:t>)) * ((</a:t>
+            </a:r>
+            <a:r>
+              <a:rPr lang="en-US" sz="1600" b="1" dirty="0">
+                <a:solidFill>
+                  <a:srgbClr val="F08D0A"/>
+                </a:solidFill>
+                <a:latin typeface="SImPL" panose="02060600000200020004" pitchFamily="18" charset="0"/>
+                <a:ea typeface="SImPL" panose="02060600000200020004" pitchFamily="18" charset="0"/>
+                <a:cs typeface="SImPL" panose="02060600000200020004" pitchFamily="18" charset="0"/>
+              </a:rPr>
+              <a:t>3</a:t>
+            </a:r>
+            <a:r>
+              <a:rPr lang="en-US" sz="1600" dirty="0">
+                <a:latin typeface="SImPL" panose="02060600000200020004" pitchFamily="18" charset="0"/>
+                <a:ea typeface="SImPL" panose="02060600000200020004" pitchFamily="18" charset="0"/>
+                <a:cs typeface="SImPL" panose="02060600000200020004" pitchFamily="18" charset="0"/>
+              </a:rPr>
+              <a:t> / </a:t>
+            </a:r>
+            <a:r>
+              <a:rPr lang="en-US" sz="1600" b="1" dirty="0">
+                <a:solidFill>
+                  <a:srgbClr val="F08D0A"/>
+                </a:solidFill>
+                <a:latin typeface="SImPL" panose="02060600000200020004" pitchFamily="18" charset="0"/>
+                <a:ea typeface="SImPL" panose="02060600000200020004" pitchFamily="18" charset="0"/>
+                <a:cs typeface="SImPL" panose="02060600000200020004" pitchFamily="18" charset="0"/>
+              </a:rPr>
+              <a:t>60</a:t>
+            </a:r>
+            <a:r>
+              <a:rPr lang="en-US" sz="1600" dirty="0">
+                <a:latin typeface="SImPL" panose="02060600000200020004" pitchFamily="18" charset="0"/>
+                <a:ea typeface="SImPL" panose="02060600000200020004" pitchFamily="18" charset="0"/>
+                <a:cs typeface="SImPL" panose="02060600000200020004" pitchFamily="18" charset="0"/>
+              </a:rPr>
+              <a:t>) ** (</a:t>
+            </a:r>
+            <a:r>
+              <a:rPr lang="en-US" sz="1600" b="1" dirty="0">
+                <a:solidFill>
+                  <a:srgbClr val="F08D0A"/>
+                </a:solidFill>
+                <a:latin typeface="SImPL" panose="02060600000200020004" pitchFamily="18" charset="0"/>
+                <a:ea typeface="SImPL" panose="02060600000200020004" pitchFamily="18" charset="0"/>
+                <a:cs typeface="SImPL" panose="02060600000200020004" pitchFamily="18" charset="0"/>
+              </a:rPr>
+              <a:t>7</a:t>
+            </a:r>
+            <a:r>
+              <a:rPr lang="en-US" sz="1600" dirty="0">
+                <a:latin typeface="SImPL" panose="02060600000200020004" pitchFamily="18" charset="0"/>
+                <a:ea typeface="SImPL" panose="02060600000200020004" pitchFamily="18" charset="0"/>
+                <a:cs typeface="SImPL" panose="02060600000200020004" pitchFamily="18" charset="0"/>
+              </a:rPr>
+              <a:t> / </a:t>
+            </a:r>
+            <a:r>
+              <a:rPr lang="en-US" sz="1600" b="1" dirty="0">
+                <a:solidFill>
+                  <a:srgbClr val="F08D0A"/>
+                </a:solidFill>
+                <a:latin typeface="SImPL" panose="02060600000200020004" pitchFamily="18" charset="0"/>
+                <a:ea typeface="SImPL" panose="02060600000200020004" pitchFamily="18" charset="0"/>
+                <a:cs typeface="SImPL" panose="02060600000200020004" pitchFamily="18" charset="0"/>
+              </a:rPr>
+              <a:t>16</a:t>
+            </a:r>
+            <a:r>
+              <a:rPr lang="en-US" sz="1600" dirty="0">
+                <a:latin typeface="SImPL" panose="02060600000200020004" pitchFamily="18" charset="0"/>
+                <a:ea typeface="SImPL" panose="02060600000200020004" pitchFamily="18" charset="0"/>
+                <a:cs typeface="SImPL" panose="02060600000200020004" pitchFamily="18" charset="0"/>
+              </a:rPr>
+              <a:t>))) * </a:t>
+            </a:r>
+          </a:p>
+          <a:p>
+            <a:pPr marL="0" indent="0">
+              <a:spcBef>
+                <a:spcPts val="0"/>
+              </a:spcBef>
+              <a:spcAft>
+                <a:spcPts val="0"/>
+              </a:spcAft>
+              <a:buNone/>
+            </a:pPr>
+            <a:r>
+              <a:rPr lang="en-US" sz="1600" dirty="0">
+                <a:latin typeface="SImPL" panose="02060600000200020004" pitchFamily="18" charset="0"/>
+                <a:ea typeface="SImPL" panose="02060600000200020004" pitchFamily="18" charset="0"/>
+                <a:cs typeface="SImPL" panose="02060600000200020004" pitchFamily="18" charset="0"/>
+              </a:rPr>
+              <a:t>		(</a:t>
+            </a:r>
+            <a:r>
+              <a:rPr lang="en-US" sz="1600" dirty="0" err="1">
+                <a:latin typeface="SImPL" panose="02060600000200020004" pitchFamily="18" charset="0"/>
+                <a:ea typeface="SImPL" panose="02060600000200020004" pitchFamily="18" charset="0"/>
+                <a:cs typeface="SImPL" panose="02060600000200020004" pitchFamily="18" charset="0"/>
+              </a:rPr>
+              <a:t>math.exp</a:t>
+            </a:r>
+            <a:r>
+              <a:rPr lang="en-US" sz="1600" dirty="0">
+                <a:latin typeface="SImPL" panose="02060600000200020004" pitchFamily="18" charset="0"/>
+                <a:ea typeface="SImPL" panose="02060600000200020004" pitchFamily="18" charset="0"/>
+                <a:cs typeface="SImPL" panose="02060600000200020004" pitchFamily="18" charset="0"/>
+              </a:rPr>
+              <a:t>(J))</a:t>
+            </a:r>
+          </a:p>
+          <a:p>
+            <a:pPr marL="0" indent="0">
+              <a:spcBef>
+                <a:spcPts val="0"/>
+              </a:spcBef>
+              <a:spcAft>
+                <a:spcPts val="0"/>
+              </a:spcAft>
+              <a:buNone/>
+            </a:pPr>
+            <a:endParaRPr lang="en-US" sz="1600" dirty="0">
+              <a:latin typeface="SImPL" panose="02060600000200020004" pitchFamily="18" charset="0"/>
+              <a:ea typeface="SImPL" panose="02060600000200020004" pitchFamily="18" charset="0"/>
+              <a:cs typeface="SImPL" panose="02060600000200020004" pitchFamily="18" charset="0"/>
+            </a:endParaRPr>
+          </a:p>
+          <a:p>
+            <a:pPr marL="0" indent="0">
+              <a:spcBef>
+                <a:spcPts val="0"/>
+              </a:spcBef>
+              <a:spcAft>
+                <a:spcPts val="0"/>
+              </a:spcAft>
+              <a:buNone/>
+            </a:pPr>
+            <a:endParaRPr lang="en-US" sz="1600" dirty="0">
+              <a:latin typeface="SImPL" panose="02060600000200020004" pitchFamily="18" charset="0"/>
+              <a:ea typeface="SImPL" panose="02060600000200020004" pitchFamily="18" charset="0"/>
+              <a:cs typeface="SImPL" panose="02060600000200020004" pitchFamily="18" charset="0"/>
+            </a:endParaRPr>
+          </a:p>
+          <a:p>
+            <a:pPr marL="0" indent="0">
+              <a:spcBef>
+                <a:spcPts val="0"/>
+              </a:spcBef>
+              <a:spcAft>
+                <a:spcPts val="0"/>
+              </a:spcAft>
+              <a:buNone/>
+            </a:pPr>
+            <a:endParaRPr lang="en-US" sz="1600" dirty="0">
+              <a:latin typeface="SImPL" panose="02060600000200020004" pitchFamily="18" charset="0"/>
+              <a:ea typeface="SImPL" panose="02060600000200020004" pitchFamily="18" charset="0"/>
+              <a:cs typeface="SImPL" panose="02060600000200020004" pitchFamily="18" charset="0"/>
+            </a:endParaRPr>
+          </a:p>
+          <a:p>
+            <a:pPr marL="0" indent="0">
+              <a:spcBef>
+                <a:spcPts val="0"/>
+              </a:spcBef>
+              <a:spcAft>
+                <a:spcPts val="0"/>
+              </a:spcAft>
+              <a:buNone/>
+            </a:pPr>
+            <a:endParaRPr lang="en-US" sz="1600" dirty="0">
+              <a:latin typeface="SImPL" panose="02060600000200020004" pitchFamily="18" charset="0"/>
+              <a:ea typeface="SImPL" panose="02060600000200020004" pitchFamily="18" charset="0"/>
+              <a:cs typeface="SImPL" panose="02060600000200020004" pitchFamily="18" charset="0"/>
+            </a:endParaRPr>
+          </a:p>
+          <a:p>
+            <a:pPr marL="0" indent="0">
+              <a:spcBef>
+                <a:spcPts val="0"/>
+              </a:spcBef>
+              <a:spcAft>
+                <a:spcPts val="0"/>
+              </a:spcAft>
+              <a:buNone/>
+            </a:pPr>
+            <a:r>
+              <a:rPr lang="en-US" sz="1600" b="1" dirty="0">
+                <a:solidFill>
+                  <a:srgbClr val="7030A0"/>
+                </a:solidFill>
+                <a:latin typeface="SImPL" panose="02060600000200020004" pitchFamily="18" charset="0"/>
+                <a:ea typeface="SImPL" panose="02060600000200020004" pitchFamily="18" charset="0"/>
+                <a:cs typeface="SImPL" panose="02060600000200020004" pitchFamily="18" charset="0"/>
+              </a:rPr>
+              <a:t>public static double </a:t>
+            </a:r>
+            <a:r>
+              <a:rPr lang="en-US" sz="1600" b="1" dirty="0" err="1">
+                <a:solidFill>
+                  <a:schemeClr val="accent3">
+                    <a:lumMod val="60000"/>
+                    <a:lumOff val="40000"/>
+                  </a:schemeClr>
+                </a:solidFill>
+                <a:latin typeface="SImPL" panose="02060600000200020004" pitchFamily="18" charset="0"/>
+                <a:ea typeface="SImPL" panose="02060600000200020004" pitchFamily="18" charset="0"/>
+                <a:cs typeface="SImPL" panose="02060600000200020004" pitchFamily="18" charset="0"/>
+              </a:rPr>
+              <a:t>func_B</a:t>
+            </a:r>
+            <a:r>
+              <a:rPr lang="en-US" sz="1600" dirty="0">
+                <a:latin typeface="SImPL" panose="02060600000200020004" pitchFamily="18" charset="0"/>
+                <a:ea typeface="SImPL" panose="02060600000200020004" pitchFamily="18" charset="0"/>
+                <a:cs typeface="SImPL" panose="02060600000200020004" pitchFamily="18" charset="0"/>
+              </a:rPr>
+              <a:t>(</a:t>
+            </a:r>
+            <a:r>
+              <a:rPr lang="en-US" sz="1600" dirty="0" err="1">
+                <a:latin typeface="SImPL" panose="02060600000200020004" pitchFamily="18" charset="0"/>
+                <a:ea typeface="SImPL" panose="02060600000200020004" pitchFamily="18" charset="0"/>
+                <a:cs typeface="SImPL" panose="02060600000200020004" pitchFamily="18" charset="0"/>
+              </a:rPr>
+              <a:t>InputParameters</a:t>
+            </a:r>
+            <a:r>
+              <a:rPr lang="en-US" sz="1600" dirty="0">
+                <a:latin typeface="SImPL" panose="02060600000200020004" pitchFamily="18" charset="0"/>
+                <a:ea typeface="SImPL" panose="02060600000200020004" pitchFamily="18" charset="0"/>
+                <a:cs typeface="SImPL" panose="02060600000200020004" pitchFamily="18" charset="0"/>
+              </a:rPr>
+              <a:t> </a:t>
+            </a:r>
+            <a:r>
+              <a:rPr lang="en-US" sz="1600" dirty="0" err="1">
+                <a:latin typeface="SImPL" panose="02060600000200020004" pitchFamily="18" charset="0"/>
+                <a:ea typeface="SImPL" panose="02060600000200020004" pitchFamily="18" charset="0"/>
+                <a:cs typeface="SImPL" panose="02060600000200020004" pitchFamily="18" charset="0"/>
+              </a:rPr>
+              <a:t>inParams</a:t>
+            </a:r>
+            <a:r>
+              <a:rPr lang="en-US" sz="1600" dirty="0">
+                <a:latin typeface="SImPL" panose="02060600000200020004" pitchFamily="18" charset="0"/>
+                <a:ea typeface="SImPL" panose="02060600000200020004" pitchFamily="18" charset="0"/>
+                <a:cs typeface="SImPL" panose="02060600000200020004" pitchFamily="18" charset="0"/>
+              </a:rPr>
+              <a:t>, </a:t>
+            </a:r>
+            <a:r>
+              <a:rPr lang="en-US" sz="1600" b="1" dirty="0">
+                <a:solidFill>
+                  <a:srgbClr val="7030A0"/>
+                </a:solidFill>
+                <a:latin typeface="SImPL" panose="02060600000200020004" pitchFamily="18" charset="0"/>
+                <a:ea typeface="SImPL" panose="02060600000200020004" pitchFamily="18" charset="0"/>
+                <a:cs typeface="SImPL" panose="02060600000200020004" pitchFamily="18" charset="0"/>
+              </a:rPr>
+              <a:t>double</a:t>
+            </a:r>
+            <a:r>
+              <a:rPr lang="en-US" sz="1600" dirty="0">
+                <a:latin typeface="SImPL" panose="02060600000200020004" pitchFamily="18" charset="0"/>
+                <a:ea typeface="SImPL" panose="02060600000200020004" pitchFamily="18" charset="0"/>
+                <a:cs typeface="SImPL" panose="02060600000200020004" pitchFamily="18" charset="0"/>
+              </a:rPr>
+              <a:t> J) </a:t>
+            </a:r>
+            <a:r>
+              <a:rPr lang="en-US" sz="1600" b="1" dirty="0">
+                <a:solidFill>
+                  <a:schemeClr val="accent2"/>
+                </a:solidFill>
+                <a:latin typeface="SImPL" panose="02060600000200020004" pitchFamily="18" charset="0"/>
+                <a:ea typeface="SImPL" panose="02060600000200020004" pitchFamily="18" charset="0"/>
+                <a:cs typeface="SImPL" panose="02060600000200020004" pitchFamily="18" charset="0"/>
+              </a:rPr>
+              <a:t>throws</a:t>
+            </a:r>
+            <a:r>
+              <a:rPr lang="en-US" sz="1600" dirty="0">
+                <a:latin typeface="SImPL" panose="02060600000200020004" pitchFamily="18" charset="0"/>
+                <a:ea typeface="SImPL" panose="02060600000200020004" pitchFamily="18" charset="0"/>
+                <a:cs typeface="SImPL" panose="02060600000200020004" pitchFamily="18" charset="0"/>
+              </a:rPr>
+              <a:t> Exception {</a:t>
+            </a:r>
+          </a:p>
+          <a:p>
+            <a:pPr marL="0" indent="0">
+              <a:spcBef>
+                <a:spcPts val="0"/>
+              </a:spcBef>
+              <a:spcAft>
+                <a:spcPts val="0"/>
+              </a:spcAft>
+              <a:buNone/>
+            </a:pPr>
+            <a:r>
+              <a:rPr lang="en-US" sz="1600" dirty="0">
+                <a:latin typeface="SImPL" panose="02060600000200020004" pitchFamily="18" charset="0"/>
+                <a:ea typeface="SImPL" panose="02060600000200020004" pitchFamily="18" charset="0"/>
+                <a:cs typeface="SImPL" panose="02060600000200020004" pitchFamily="18" charset="0"/>
+              </a:rPr>
+              <a:t>	</a:t>
+            </a:r>
+            <a:r>
+              <a:rPr lang="en-US" sz="1600" b="1" dirty="0">
+                <a:solidFill>
+                  <a:schemeClr val="accent2"/>
+                </a:solidFill>
+                <a:latin typeface="SImPL" panose="02060600000200020004" pitchFamily="18" charset="0"/>
+                <a:ea typeface="SImPL" panose="02060600000200020004" pitchFamily="18" charset="0"/>
+                <a:cs typeface="SImPL" panose="02060600000200020004" pitchFamily="18" charset="0"/>
+              </a:rPr>
+              <a:t>return</a:t>
+            </a:r>
+            <a:r>
+              <a:rPr lang="en-US" sz="1600" dirty="0">
+                <a:latin typeface="SImPL" panose="02060600000200020004" pitchFamily="18" charset="0"/>
+                <a:ea typeface="SImPL" panose="02060600000200020004" pitchFamily="18" charset="0"/>
+                <a:cs typeface="SImPL" panose="02060600000200020004" pitchFamily="18" charset="0"/>
+              </a:rPr>
+              <a:t> ((((</a:t>
+            </a:r>
+            <a:r>
+              <a:rPr lang="en-US" sz="1600" b="1" dirty="0">
+                <a:solidFill>
+                  <a:srgbClr val="F08D0A"/>
+                </a:solidFill>
+                <a:latin typeface="SImPL" panose="02060600000200020004" pitchFamily="18" charset="0"/>
+                <a:ea typeface="SImPL" panose="02060600000200020004" pitchFamily="18" charset="0"/>
+                <a:cs typeface="SImPL" panose="02060600000200020004" pitchFamily="18" charset="0"/>
+              </a:rPr>
+              <a:t>2.86</a:t>
+            </a:r>
+            <a:r>
+              <a:rPr lang="en-US" sz="1600" dirty="0">
+                <a:latin typeface="SImPL" panose="02060600000200020004" pitchFamily="18" charset="0"/>
+                <a:ea typeface="SImPL" panose="02060600000200020004" pitchFamily="18" charset="0"/>
+                <a:cs typeface="SImPL" panose="02060600000200020004" pitchFamily="18" charset="0"/>
+              </a:rPr>
+              <a:t> * (</a:t>
+            </a:r>
+            <a:r>
+              <a:rPr lang="en-US" sz="1600" dirty="0" err="1">
+                <a:latin typeface="SImPL" panose="02060600000200020004" pitchFamily="18" charset="0"/>
+                <a:ea typeface="SImPL" panose="02060600000200020004" pitchFamily="18" charset="0"/>
+                <a:cs typeface="SImPL" panose="02060600000200020004" pitchFamily="18" charset="0"/>
+              </a:rPr>
+              <a:t>Math.pow</a:t>
+            </a:r>
+            <a:r>
+              <a:rPr lang="en-US" sz="1600" dirty="0">
+                <a:latin typeface="SImPL" panose="02060600000200020004" pitchFamily="18" charset="0"/>
+                <a:ea typeface="SImPL" panose="02060600000200020004" pitchFamily="18" charset="0"/>
+                <a:cs typeface="SImPL" panose="02060600000200020004" pitchFamily="18" charset="0"/>
+              </a:rPr>
+              <a:t>(</a:t>
+            </a:r>
+            <a:r>
+              <a:rPr lang="en-US" sz="1600" b="1" dirty="0">
+                <a:solidFill>
+                  <a:srgbClr val="F08D0A"/>
+                </a:solidFill>
+                <a:latin typeface="SImPL" panose="02060600000200020004" pitchFamily="18" charset="0"/>
+                <a:ea typeface="SImPL" panose="02060600000200020004" pitchFamily="18" charset="0"/>
+                <a:cs typeface="SImPL" panose="02060600000200020004" pitchFamily="18" charset="0"/>
+              </a:rPr>
+              <a:t>10</a:t>
+            </a:r>
+            <a:r>
+              <a:rPr lang="en-US" sz="1600" dirty="0">
+                <a:latin typeface="SImPL" panose="02060600000200020004" pitchFamily="18" charset="0"/>
+                <a:ea typeface="SImPL" panose="02060600000200020004" pitchFamily="18" charset="0"/>
+                <a:cs typeface="SImPL" panose="02060600000200020004" pitchFamily="18" charset="0"/>
+              </a:rPr>
+              <a:t>, -(</a:t>
+            </a:r>
+            <a:r>
+              <a:rPr lang="en-US" sz="1600" b="1" dirty="0">
+                <a:solidFill>
+                  <a:srgbClr val="F08D0A"/>
+                </a:solidFill>
+                <a:latin typeface="SImPL" panose="02060600000200020004" pitchFamily="18" charset="0"/>
+                <a:ea typeface="SImPL" panose="02060600000200020004" pitchFamily="18" charset="0"/>
+                <a:cs typeface="SImPL" panose="02060600000200020004" pitchFamily="18" charset="0"/>
+              </a:rPr>
+              <a:t>53</a:t>
+            </a:r>
+            <a:r>
+              <a:rPr lang="en-US" sz="1600" dirty="0">
+                <a:latin typeface="SImPL" panose="02060600000200020004" pitchFamily="18" charset="0"/>
+                <a:ea typeface="SImPL" panose="02060600000200020004" pitchFamily="18" charset="0"/>
+                <a:cs typeface="SImPL" panose="02060600000200020004" pitchFamily="18" charset="0"/>
+              </a:rPr>
+              <a:t>)))) / </a:t>
+            </a:r>
+          </a:p>
+          <a:p>
+            <a:pPr marL="0" indent="0">
+              <a:spcBef>
+                <a:spcPts val="0"/>
+              </a:spcBef>
+              <a:spcAft>
+                <a:spcPts val="0"/>
+              </a:spcAft>
+              <a:buNone/>
+            </a:pPr>
+            <a:r>
+              <a:rPr lang="en-US" sz="1600" dirty="0">
+                <a:latin typeface="SImPL" panose="02060600000200020004" pitchFamily="18" charset="0"/>
+                <a:ea typeface="SImPL" panose="02060600000200020004" pitchFamily="18" charset="0"/>
+                <a:cs typeface="SImPL" panose="02060600000200020004" pitchFamily="18" charset="0"/>
+              </a:rPr>
+              <a:t>		(</a:t>
+            </a:r>
+            <a:r>
+              <a:rPr lang="en-US" sz="1600" dirty="0" err="1">
+                <a:latin typeface="SImPL" panose="02060600000200020004" pitchFamily="18" charset="0"/>
+                <a:ea typeface="SImPL" panose="02060600000200020004" pitchFamily="18" charset="0"/>
+                <a:cs typeface="SImPL" panose="02060600000200020004" pitchFamily="18" charset="0"/>
+              </a:rPr>
+              <a:t>Math.pow</a:t>
+            </a:r>
+            <a:r>
+              <a:rPr lang="en-US" sz="1600" dirty="0">
+                <a:latin typeface="SImPL" panose="02060600000200020004" pitchFamily="18" charset="0"/>
+                <a:ea typeface="SImPL" panose="02060600000200020004" pitchFamily="18" charset="0"/>
+                <a:cs typeface="SImPL" panose="02060600000200020004" pitchFamily="18" charset="0"/>
+              </a:rPr>
+              <a:t>(</a:t>
+            </a:r>
+            <a:r>
+              <a:rPr lang="en-US" sz="1600" dirty="0" err="1">
+                <a:latin typeface="SImPL" panose="02060600000200020004" pitchFamily="18" charset="0"/>
+                <a:ea typeface="SImPL" panose="02060600000200020004" pitchFamily="18" charset="0"/>
+                <a:cs typeface="SImPL" panose="02060600000200020004" pitchFamily="18" charset="0"/>
+              </a:rPr>
+              <a:t>inParams.a</a:t>
+            </a:r>
+            <a:r>
+              <a:rPr lang="en-US" sz="1600" dirty="0">
+                <a:latin typeface="SImPL" panose="02060600000200020004" pitchFamily="18" charset="0"/>
+                <a:ea typeface="SImPL" panose="02060600000200020004" pitchFamily="18" charset="0"/>
+                <a:cs typeface="SImPL" panose="02060600000200020004" pitchFamily="18" charset="0"/>
+              </a:rPr>
+              <a:t> * </a:t>
+            </a:r>
+            <a:r>
+              <a:rPr lang="en-US" sz="1600" dirty="0" err="1">
+                <a:latin typeface="SImPL" panose="02060600000200020004" pitchFamily="18" charset="0"/>
+                <a:ea typeface="SImPL" panose="02060600000200020004" pitchFamily="18" charset="0"/>
+                <a:cs typeface="SImPL" panose="02060600000200020004" pitchFamily="18" charset="0"/>
+              </a:rPr>
+              <a:t>inParams.b</a:t>
+            </a:r>
+            <a:r>
+              <a:rPr lang="en-US" sz="1600" dirty="0">
+                <a:latin typeface="SImPL" panose="02060600000200020004" pitchFamily="18" charset="0"/>
+                <a:ea typeface="SImPL" panose="02060600000200020004" pitchFamily="18" charset="0"/>
+                <a:cs typeface="SImPL" panose="02060600000200020004" pitchFamily="18" charset="0"/>
+              </a:rPr>
+              <a:t>, </a:t>
+            </a:r>
+            <a:r>
+              <a:rPr lang="en-US" sz="1600" b="1" dirty="0">
+                <a:solidFill>
+                  <a:srgbClr val="F08D0A"/>
+                </a:solidFill>
+                <a:latin typeface="SImPL" panose="02060600000200020004" pitchFamily="18" charset="0"/>
+                <a:ea typeface="SImPL" panose="02060600000200020004" pitchFamily="18" charset="0"/>
+                <a:cs typeface="SImPL" panose="02060600000200020004" pitchFamily="18" charset="0"/>
+              </a:rPr>
+              <a:t>7</a:t>
+            </a:r>
+            <a:r>
+              <a:rPr lang="en-US" sz="1600" dirty="0">
+                <a:latin typeface="SImPL" panose="02060600000200020004" pitchFamily="18" charset="0"/>
+                <a:ea typeface="SImPL" panose="02060600000200020004" pitchFamily="18" charset="0"/>
+                <a:cs typeface="SImPL" panose="02060600000200020004" pitchFamily="18" charset="0"/>
+              </a:rPr>
+              <a:t> - </a:t>
+            </a:r>
+            <a:r>
+              <a:rPr lang="en-US" sz="1600" b="1" dirty="0">
+                <a:solidFill>
+                  <a:srgbClr val="F08D0A"/>
+                </a:solidFill>
+                <a:latin typeface="SImPL" panose="02060600000200020004" pitchFamily="18" charset="0"/>
+                <a:ea typeface="SImPL" panose="02060600000200020004" pitchFamily="18" charset="0"/>
+                <a:cs typeface="SImPL" panose="02060600000200020004" pitchFamily="18" charset="0"/>
+              </a:rPr>
+              <a:t>1</a:t>
+            </a:r>
+            <a:r>
+              <a:rPr lang="en-US" sz="1600" dirty="0">
+                <a:latin typeface="SImPL" panose="02060600000200020004" pitchFamily="18" charset="0"/>
+                <a:ea typeface="SImPL" panose="02060600000200020004" pitchFamily="18" charset="0"/>
+                <a:cs typeface="SImPL" panose="02060600000200020004" pitchFamily="18" charset="0"/>
+              </a:rPr>
+              <a:t>))) * </a:t>
+            </a:r>
+          </a:p>
+          <a:p>
+            <a:pPr marL="0" indent="0">
+              <a:spcBef>
+                <a:spcPts val="0"/>
+              </a:spcBef>
+              <a:spcAft>
+                <a:spcPts val="0"/>
+              </a:spcAft>
+              <a:buNone/>
+            </a:pPr>
+            <a:r>
+              <a:rPr lang="en-US" sz="1600" dirty="0">
+                <a:latin typeface="SImPL" panose="02060600000200020004" pitchFamily="18" charset="0"/>
+                <a:ea typeface="SImPL" panose="02060600000200020004" pitchFamily="18" charset="0"/>
+                <a:cs typeface="SImPL" panose="02060600000200020004" pitchFamily="18" charset="0"/>
+              </a:rPr>
+              <a:t>		(</a:t>
+            </a:r>
+            <a:r>
+              <a:rPr lang="en-US" sz="1600" dirty="0" err="1">
+                <a:latin typeface="SImPL" panose="02060600000200020004" pitchFamily="18" charset="0"/>
+                <a:ea typeface="SImPL" panose="02060600000200020004" pitchFamily="18" charset="0"/>
+                <a:cs typeface="SImPL" panose="02060600000200020004" pitchFamily="18" charset="0"/>
+              </a:rPr>
+              <a:t>Math.pow</a:t>
+            </a:r>
+            <a:r>
+              <a:rPr lang="en-US" sz="1600" dirty="0">
+                <a:latin typeface="SImPL" panose="02060600000200020004" pitchFamily="18" charset="0"/>
+                <a:ea typeface="SImPL" panose="02060600000200020004" pitchFamily="18" charset="0"/>
+                <a:cs typeface="SImPL" panose="02060600000200020004" pitchFamily="18" charset="0"/>
+              </a:rPr>
+              <a:t>(((</a:t>
+            </a:r>
+            <a:r>
+              <a:rPr lang="en-US" sz="1600" b="1" dirty="0">
+                <a:solidFill>
+                  <a:srgbClr val="F08D0A"/>
+                </a:solidFill>
+                <a:latin typeface="SImPL" panose="02060600000200020004" pitchFamily="18" charset="0"/>
+                <a:ea typeface="SImPL" panose="02060600000200020004" pitchFamily="18" charset="0"/>
+                <a:cs typeface="SImPL" panose="02060600000200020004" pitchFamily="18" charset="0"/>
+              </a:rPr>
+              <a:t>7.17</a:t>
+            </a:r>
+            <a:r>
+              <a:rPr lang="en-US" sz="1600" dirty="0">
+                <a:latin typeface="SImPL" panose="02060600000200020004" pitchFamily="18" charset="0"/>
+                <a:ea typeface="SImPL" panose="02060600000200020004" pitchFamily="18" charset="0"/>
+                <a:cs typeface="SImPL" panose="02060600000200020004" pitchFamily="18" charset="0"/>
+              </a:rPr>
+              <a:t> * (</a:t>
+            </a:r>
+            <a:r>
+              <a:rPr lang="en-US" sz="1600" dirty="0" err="1">
+                <a:latin typeface="SImPL" panose="02060600000200020004" pitchFamily="18" charset="0"/>
+                <a:ea typeface="SImPL" panose="02060600000200020004" pitchFamily="18" charset="0"/>
+                <a:cs typeface="SImPL" panose="02060600000200020004" pitchFamily="18" charset="0"/>
+              </a:rPr>
+              <a:t>Math.pow</a:t>
+            </a:r>
+            <a:r>
+              <a:rPr lang="en-US" sz="1600" dirty="0">
+                <a:latin typeface="SImPL" panose="02060600000200020004" pitchFamily="18" charset="0"/>
+                <a:ea typeface="SImPL" panose="02060600000200020004" pitchFamily="18" charset="0"/>
+                <a:cs typeface="SImPL" panose="02060600000200020004" pitchFamily="18" charset="0"/>
+              </a:rPr>
+              <a:t>(</a:t>
+            </a:r>
+            <a:r>
+              <a:rPr lang="en-US" sz="1600" b="1" dirty="0">
+                <a:solidFill>
+                  <a:srgbClr val="F08D0A"/>
+                </a:solidFill>
+                <a:latin typeface="SImPL" panose="02060600000200020004" pitchFamily="18" charset="0"/>
+                <a:ea typeface="SImPL" panose="02060600000200020004" pitchFamily="18" charset="0"/>
+                <a:cs typeface="SImPL" panose="02060600000200020004" pitchFamily="18" charset="0"/>
+              </a:rPr>
+              <a:t>10</a:t>
+            </a:r>
+            <a:r>
+              <a:rPr lang="en-US" sz="1600" dirty="0">
+                <a:latin typeface="SImPL" panose="02060600000200020004" pitchFamily="18" charset="0"/>
+                <a:ea typeface="SImPL" panose="02060600000200020004" pitchFamily="18" charset="0"/>
+                <a:cs typeface="SImPL" panose="02060600000200020004" pitchFamily="18" charset="0"/>
+              </a:rPr>
+              <a:t>, </a:t>
+            </a:r>
+            <a:r>
+              <a:rPr lang="en-US" sz="1600" b="1" dirty="0">
+                <a:solidFill>
+                  <a:srgbClr val="F08D0A"/>
+                </a:solidFill>
+                <a:latin typeface="SImPL" panose="02060600000200020004" pitchFamily="18" charset="0"/>
+                <a:ea typeface="SImPL" panose="02060600000200020004" pitchFamily="18" charset="0"/>
+                <a:cs typeface="SImPL" panose="02060600000200020004" pitchFamily="18" charset="0"/>
+              </a:rPr>
+              <a:t>7</a:t>
+            </a:r>
+            <a:r>
+              <a:rPr lang="en-US" sz="1600" dirty="0">
+                <a:latin typeface="SImPL" panose="02060600000200020004" pitchFamily="18" charset="0"/>
+                <a:ea typeface="SImPL" panose="02060600000200020004" pitchFamily="18" charset="0"/>
+                <a:cs typeface="SImPL" panose="02060600000200020004" pitchFamily="18" charset="0"/>
+              </a:rPr>
+              <a:t>))) * </a:t>
+            </a:r>
+            <a:r>
+              <a:rPr lang="en-US" sz="1600" b="1" dirty="0">
+                <a:solidFill>
+                  <a:srgbClr val="F08D0A"/>
+                </a:solidFill>
+                <a:latin typeface="SImPL" panose="02060600000200020004" pitchFamily="18" charset="0"/>
+                <a:ea typeface="SImPL" panose="02060600000200020004" pitchFamily="18" charset="0"/>
+                <a:cs typeface="SImPL" panose="02060600000200020004" pitchFamily="18" charset="0"/>
+              </a:rPr>
+              <a:t>1000</a:t>
+            </a:r>
+            <a:r>
+              <a:rPr lang="en-US" sz="1600" dirty="0">
+                <a:latin typeface="SImPL" panose="02060600000200020004" pitchFamily="18" charset="0"/>
+                <a:ea typeface="SImPL" panose="02060600000200020004" pitchFamily="18" charset="0"/>
+                <a:cs typeface="SImPL" panose="02060600000200020004" pitchFamily="18" charset="0"/>
+              </a:rPr>
+              <a:t>) * </a:t>
+            </a:r>
+          </a:p>
+          <a:p>
+            <a:pPr marL="0" indent="0">
+              <a:spcBef>
+                <a:spcPts val="0"/>
+              </a:spcBef>
+              <a:spcAft>
+                <a:spcPts val="0"/>
+              </a:spcAft>
+              <a:buNone/>
+            </a:pPr>
+            <a:r>
+              <a:rPr lang="en-US" sz="1600" dirty="0">
+                <a:latin typeface="SImPL" panose="02060600000200020004" pitchFamily="18" charset="0"/>
+                <a:ea typeface="SImPL" panose="02060600000200020004" pitchFamily="18" charset="0"/>
+                <a:cs typeface="SImPL" panose="02060600000200020004" pitchFamily="18" charset="0"/>
+              </a:rPr>
+              <a:t>		(</a:t>
+            </a:r>
+            <a:r>
+              <a:rPr lang="en-US" sz="1600" dirty="0" err="1">
+                <a:latin typeface="SImPL" panose="02060600000200020004" pitchFamily="18" charset="0"/>
+                <a:ea typeface="SImPL" panose="02060600000200020004" pitchFamily="18" charset="0"/>
+                <a:cs typeface="SImPL" panose="02060600000200020004" pitchFamily="18" charset="0"/>
+              </a:rPr>
+              <a:t>Math.pow</a:t>
+            </a:r>
+            <a:r>
+              <a:rPr lang="en-US" sz="1600" dirty="0">
+                <a:latin typeface="SImPL" panose="02060600000200020004" pitchFamily="18" charset="0"/>
+                <a:ea typeface="SImPL" panose="02060600000200020004" pitchFamily="18" charset="0"/>
+                <a:cs typeface="SImPL" panose="02060600000200020004" pitchFamily="18" charset="0"/>
+              </a:rPr>
+              <a:t>(</a:t>
+            </a:r>
+            <a:r>
+              <a:rPr lang="en-US" sz="1600" dirty="0" err="1">
+                <a:latin typeface="SImPL" panose="02060600000200020004" pitchFamily="18" charset="0"/>
+                <a:ea typeface="SImPL" panose="02060600000200020004" pitchFamily="18" charset="0"/>
+                <a:cs typeface="SImPL" panose="02060600000200020004" pitchFamily="18" charset="0"/>
+              </a:rPr>
+              <a:t>inParams.h</a:t>
+            </a:r>
+            <a:r>
+              <a:rPr lang="en-US" sz="1600" dirty="0">
+                <a:latin typeface="SImPL" panose="02060600000200020004" pitchFamily="18" charset="0"/>
+                <a:ea typeface="SImPL" panose="02060600000200020004" pitchFamily="18" charset="0"/>
+                <a:cs typeface="SImPL" panose="02060600000200020004" pitchFamily="18" charset="0"/>
+              </a:rPr>
+              <a:t>, </a:t>
+            </a:r>
+            <a:r>
+              <a:rPr lang="en-US" sz="1600" b="1" dirty="0">
+                <a:solidFill>
+                  <a:srgbClr val="F08D0A"/>
+                </a:solidFill>
+                <a:latin typeface="SImPL" panose="02060600000200020004" pitchFamily="18" charset="0"/>
+                <a:ea typeface="SImPL" panose="02060600000200020004" pitchFamily="18" charset="0"/>
+                <a:cs typeface="SImPL" panose="02060600000200020004" pitchFamily="18" charset="0"/>
+              </a:rPr>
+              <a:t>2</a:t>
+            </a:r>
+            <a:r>
+              <a:rPr lang="en-US" sz="1600" dirty="0">
+                <a:latin typeface="SImPL" panose="02060600000200020004" pitchFamily="18" charset="0"/>
+                <a:ea typeface="SImPL" panose="02060600000200020004" pitchFamily="18" charset="0"/>
+                <a:cs typeface="SImPL" panose="02060600000200020004" pitchFamily="18" charset="0"/>
+              </a:rPr>
+              <a:t>)), </a:t>
+            </a:r>
+            <a:r>
+              <a:rPr lang="en-US" sz="1600" b="1" dirty="0">
+                <a:solidFill>
+                  <a:srgbClr val="F08D0A"/>
+                </a:solidFill>
+                <a:latin typeface="SImPL" panose="02060600000200020004" pitchFamily="18" charset="0"/>
+                <a:ea typeface="SImPL" panose="02060600000200020004" pitchFamily="18" charset="0"/>
+                <a:cs typeface="SImPL" panose="02060600000200020004" pitchFamily="18" charset="0"/>
+              </a:rPr>
+              <a:t>7</a:t>
+            </a:r>
+            <a:r>
+              <a:rPr lang="en-US" sz="1600" dirty="0">
+                <a:latin typeface="SImPL" panose="02060600000200020004" pitchFamily="18" charset="0"/>
+                <a:ea typeface="SImPL" panose="02060600000200020004" pitchFamily="18" charset="0"/>
+                <a:cs typeface="SImPL" panose="02060600000200020004" pitchFamily="18" charset="0"/>
+              </a:rPr>
+              <a:t>))) * (</a:t>
+            </a:r>
+            <a:r>
+              <a:rPr lang="en-US" sz="1600" dirty="0" err="1">
+                <a:latin typeface="SImPL" panose="02060600000200020004" pitchFamily="18" charset="0"/>
+                <a:ea typeface="SImPL" panose="02060600000200020004" pitchFamily="18" charset="0"/>
+                <a:cs typeface="SImPL" panose="02060600000200020004" pitchFamily="18" charset="0"/>
+              </a:rPr>
+              <a:t>Math.pow</a:t>
+            </a:r>
+            <a:r>
+              <a:rPr lang="en-US" sz="1600" dirty="0">
+                <a:latin typeface="SImPL" panose="02060600000200020004" pitchFamily="18" charset="0"/>
+                <a:ea typeface="SImPL" panose="02060600000200020004" pitchFamily="18" charset="0"/>
+                <a:cs typeface="SImPL" panose="02060600000200020004" pitchFamily="18" charset="0"/>
+              </a:rPr>
+              <a:t>(</a:t>
+            </a:r>
+            <a:r>
+              <a:rPr lang="en-US" sz="1600" b="1" dirty="0">
+                <a:solidFill>
+                  <a:srgbClr val="F08D0A"/>
+                </a:solidFill>
+                <a:latin typeface="SImPL" panose="02060600000200020004" pitchFamily="18" charset="0"/>
+                <a:ea typeface="SImPL" panose="02060600000200020004" pitchFamily="18" charset="0"/>
+                <a:cs typeface="SImPL" panose="02060600000200020004" pitchFamily="18" charset="0"/>
+              </a:rPr>
+              <a:t>3</a:t>
+            </a:r>
+            <a:r>
+              <a:rPr lang="en-US" sz="1600" dirty="0">
+                <a:latin typeface="SImPL" panose="02060600000200020004" pitchFamily="18" charset="0"/>
+                <a:ea typeface="SImPL" panose="02060600000200020004" pitchFamily="18" charset="0"/>
+                <a:cs typeface="SImPL" panose="02060600000200020004" pitchFamily="18" charset="0"/>
+              </a:rPr>
+              <a:t> / </a:t>
+            </a:r>
+            <a:r>
+              <a:rPr lang="en-US" sz="1600" b="1" dirty="0">
+                <a:solidFill>
+                  <a:srgbClr val="F08D0A"/>
+                </a:solidFill>
+                <a:latin typeface="SImPL" panose="02060600000200020004" pitchFamily="18" charset="0"/>
+                <a:ea typeface="SImPL" panose="02060600000200020004" pitchFamily="18" charset="0"/>
+                <a:cs typeface="SImPL" panose="02060600000200020004" pitchFamily="18" charset="0"/>
+              </a:rPr>
+              <a:t>60</a:t>
+            </a:r>
+            <a:r>
+              <a:rPr lang="en-US" sz="1600" dirty="0">
+                <a:latin typeface="SImPL" panose="02060600000200020004" pitchFamily="18" charset="0"/>
+                <a:ea typeface="SImPL" panose="02060600000200020004" pitchFamily="18" charset="0"/>
+                <a:cs typeface="SImPL" panose="02060600000200020004" pitchFamily="18" charset="0"/>
+              </a:rPr>
+              <a:t>, </a:t>
+            </a:r>
+            <a:r>
+              <a:rPr lang="en-US" sz="1600" b="1" dirty="0">
+                <a:solidFill>
+                  <a:srgbClr val="F08D0A"/>
+                </a:solidFill>
+                <a:latin typeface="SImPL" panose="02060600000200020004" pitchFamily="18" charset="0"/>
+                <a:ea typeface="SImPL" panose="02060600000200020004" pitchFamily="18" charset="0"/>
+                <a:cs typeface="SImPL" panose="02060600000200020004" pitchFamily="18" charset="0"/>
+              </a:rPr>
+              <a:t>7</a:t>
+            </a:r>
+            <a:r>
+              <a:rPr lang="en-US" sz="1600" dirty="0">
+                <a:latin typeface="SImPL" panose="02060600000200020004" pitchFamily="18" charset="0"/>
+                <a:ea typeface="SImPL" panose="02060600000200020004" pitchFamily="18" charset="0"/>
+                <a:cs typeface="SImPL" panose="02060600000200020004" pitchFamily="18" charset="0"/>
+              </a:rPr>
+              <a:t> / </a:t>
+            </a:r>
+            <a:r>
+              <a:rPr lang="en-US" sz="1600" b="1" dirty="0">
+                <a:solidFill>
+                  <a:srgbClr val="F08D0A"/>
+                </a:solidFill>
+                <a:latin typeface="SImPL" panose="02060600000200020004" pitchFamily="18" charset="0"/>
+                <a:ea typeface="SImPL" panose="02060600000200020004" pitchFamily="18" charset="0"/>
+                <a:cs typeface="SImPL" panose="02060600000200020004" pitchFamily="18" charset="0"/>
+              </a:rPr>
+              <a:t>16</a:t>
+            </a:r>
+            <a:r>
+              <a:rPr lang="en-US" sz="1600" dirty="0">
+                <a:latin typeface="SImPL" panose="02060600000200020004" pitchFamily="18" charset="0"/>
+                <a:ea typeface="SImPL" panose="02060600000200020004" pitchFamily="18" charset="0"/>
+                <a:cs typeface="SImPL" panose="02060600000200020004" pitchFamily="18" charset="0"/>
+              </a:rPr>
+              <a:t>))) * (</a:t>
+            </a:r>
+            <a:r>
+              <a:rPr lang="en-US" sz="1600" dirty="0" err="1">
+                <a:latin typeface="SImPL" panose="02060600000200020004" pitchFamily="18" charset="0"/>
+                <a:ea typeface="SImPL" panose="02060600000200020004" pitchFamily="18" charset="0"/>
+                <a:cs typeface="SImPL" panose="02060600000200020004" pitchFamily="18" charset="0"/>
+              </a:rPr>
+              <a:t>Math.exp</a:t>
+            </a:r>
+            <a:r>
+              <a:rPr lang="en-US" sz="1600" dirty="0">
+                <a:latin typeface="SImPL" panose="02060600000200020004" pitchFamily="18" charset="0"/>
+                <a:ea typeface="SImPL" panose="02060600000200020004" pitchFamily="18" charset="0"/>
+                <a:cs typeface="SImPL" panose="02060600000200020004" pitchFamily="18" charset="0"/>
+              </a:rPr>
+              <a:t>(J));</a:t>
+            </a:r>
+          </a:p>
+          <a:p>
+            <a:pPr marL="0" indent="0">
+              <a:spcBef>
+                <a:spcPts val="0"/>
+              </a:spcBef>
+              <a:spcAft>
+                <a:spcPts val="0"/>
+              </a:spcAft>
+              <a:buNone/>
+            </a:pPr>
+            <a:r>
+              <a:rPr lang="en-US" sz="1600" dirty="0">
+                <a:latin typeface="SImPL" panose="02060600000200020004" pitchFamily="18" charset="0"/>
+                <a:ea typeface="SImPL" panose="02060600000200020004" pitchFamily="18" charset="0"/>
+                <a:cs typeface="SImPL" panose="02060600000200020004" pitchFamily="18" charset="0"/>
+              </a:rPr>
+              <a:t>}</a:t>
+            </a:r>
+          </a:p>
+          <a:p>
+            <a:pPr marL="0" indent="0">
+              <a:spcBef>
+                <a:spcPts val="0"/>
+              </a:spcBef>
+              <a:spcAft>
+                <a:spcPts val="0"/>
+              </a:spcAft>
+              <a:buNone/>
+            </a:pPr>
+            <a:endParaRPr lang="en-US" sz="2000" dirty="0">
+              <a:latin typeface="SImPL" panose="02060600000200020004" pitchFamily="18" charset="0"/>
+              <a:ea typeface="SImPL" panose="02060600000200020004" pitchFamily="18" charset="0"/>
+              <a:cs typeface="SImPL" panose="02060600000200020004" pitchFamily="18" charset="0"/>
+            </a:endParaRPr>
+          </a:p>
+          <a:p>
+            <a:pPr marL="0" indent="0">
+              <a:spcBef>
+                <a:spcPts val="0"/>
+              </a:spcBef>
+              <a:spcAft>
+                <a:spcPts val="0"/>
+              </a:spcAft>
+              <a:buNone/>
+            </a:pPr>
+            <a:endParaRPr lang="en-US" sz="2000" dirty="0">
+              <a:latin typeface="SImPL" panose="02060600000200020004" pitchFamily="18" charset="0"/>
+              <a:ea typeface="SImPL" panose="02060600000200020004" pitchFamily="18" charset="0"/>
+              <a:cs typeface="SImPL" panose="02060600000200020004" pitchFamily="18" charset="0"/>
+            </a:endParaRPr>
+          </a:p>
+          <a:p>
+            <a:pPr marL="0" indent="0">
+              <a:spcBef>
+                <a:spcPts val="0"/>
+              </a:spcBef>
+              <a:spcAft>
+                <a:spcPts val="0"/>
+              </a:spcAft>
+              <a:buNone/>
+            </a:pPr>
+            <a:endParaRPr lang="en-US" sz="2000" dirty="0">
+              <a:latin typeface="SImPL" panose="02060600000200020004" pitchFamily="18" charset="0"/>
+              <a:ea typeface="SImPL" panose="02060600000200020004" pitchFamily="18" charset="0"/>
+              <a:cs typeface="SImPL" panose="02060600000200020004" pitchFamily="18" charset="0"/>
+            </a:endParaRPr>
+          </a:p>
+        </p:txBody>
+      </p:sp>
+      <p:sp>
+        <p:nvSpPr>
+          <p:cNvPr id="4" name="Slide Number Placeholder 3">
+            <a:extLst>
+              <a:ext uri="{FF2B5EF4-FFF2-40B4-BE49-F238E27FC236}">
+                <a16:creationId xmlns:a16="http://schemas.microsoft.com/office/drawing/2014/main" id="{2A08ACC6-74A8-416B-B875-DCA577271410}"/>
+              </a:ext>
+            </a:extLst>
+          </p:cNvPr>
+          <p:cNvSpPr>
+            <a:spLocks noGrp="1"/>
+          </p:cNvSpPr>
+          <p:nvPr>
+            <p:ph type="sldNum" sz="quarter" idx="12"/>
+          </p:nvPr>
+        </p:nvSpPr>
+        <p:spPr/>
+        <p:txBody>
+          <a:bodyPr/>
+          <a:lstStyle/>
+          <a:p>
+            <a:fld id="{D57F1E4F-1CFF-5643-939E-217C01CDF565}" type="slidenum">
+              <a:rPr lang="en-US" smtClean="0"/>
+              <a:pPr/>
+              <a:t>14</a:t>
+            </a:fld>
+            <a:endParaRPr lang="en-US" dirty="0"/>
+          </a:p>
+        </p:txBody>
+      </p:sp>
+      <p:sp>
+        <p:nvSpPr>
+          <p:cNvPr id="6" name="Rectangle 5">
+            <a:extLst>
+              <a:ext uri="{FF2B5EF4-FFF2-40B4-BE49-F238E27FC236}">
+                <a16:creationId xmlns:a16="http://schemas.microsoft.com/office/drawing/2014/main" id="{9B006948-88A0-4C20-B2C8-8EDEBBD2B9D8}"/>
+              </a:ext>
+            </a:extLst>
+          </p:cNvPr>
+          <p:cNvSpPr/>
+          <p:nvPr/>
+        </p:nvSpPr>
+        <p:spPr>
+          <a:xfrm>
+            <a:off x="581191" y="2148896"/>
+            <a:ext cx="10643399" cy="1336426"/>
+          </a:xfrm>
+          <a:prstGeom prst="rect">
+            <a:avLst/>
+          </a:prstGeom>
+          <a:noFill/>
+          <a:ln>
+            <a:solidFill>
+              <a:schemeClr val="tx1"/>
+            </a:solidFill>
+          </a:ln>
+        </p:spPr>
+        <p:style>
+          <a:lnRef idx="2">
+            <a:schemeClr val="accent1">
+              <a:shade val="50000"/>
+            </a:schemeClr>
+          </a:lnRef>
+          <a:fillRef idx="1">
+            <a:schemeClr val="accent1"/>
+          </a:fillRef>
+          <a:effectRef idx="0">
+            <a:schemeClr val="accent1"/>
+          </a:effectRef>
+          <a:fontRef idx="minor">
+            <a:schemeClr val="lt1"/>
+          </a:fontRef>
+        </p:style>
+        <p:txBody>
+          <a:bodyPr rtlCol="0" anchor="ctr"/>
+          <a:lstStyle/>
+          <a:p>
+            <a:pPr algn="ctr"/>
+            <a:endParaRPr lang="en-US"/>
+          </a:p>
+        </p:txBody>
+      </p:sp>
+      <p:sp>
+        <p:nvSpPr>
+          <p:cNvPr id="7" name="TextBox 6">
+            <a:extLst>
+              <a:ext uri="{FF2B5EF4-FFF2-40B4-BE49-F238E27FC236}">
+                <a16:creationId xmlns:a16="http://schemas.microsoft.com/office/drawing/2014/main" id="{761DE23F-D8E5-4EB1-B790-54679619AB40}"/>
+              </a:ext>
+            </a:extLst>
+          </p:cNvPr>
+          <p:cNvSpPr txBox="1"/>
+          <p:nvPr/>
+        </p:nvSpPr>
+        <p:spPr>
+          <a:xfrm>
+            <a:off x="581191" y="1733181"/>
             <a:ext cx="914930" cy="369332"/>
           </a:xfrm>
           <a:prstGeom prst="rect">
@@ -7382,7 +7572,7 @@
 </p:sld>
 </file>
 
-<file path=ppt/slides/slide15.xml><?xml version="1.0" encoding="utf-8"?>
+<file path=ppt/slides/slide16.xml><?xml version="1.0" encoding="utf-8"?>
 <p:sld xmlns:a="http://schemas.openxmlformats.org/drawingml/2006/main" xmlns:r="http://schemas.openxmlformats.org/officeDocument/2006/relationships" xmlns:p="http://schemas.openxmlformats.org/presentationml/2006/main">
   <p:cSld>
     <p:spTree>
@@ -7451,7 +7641,7 @@
             <a:fld id="{D57F1E4F-1CFF-5643-939E-217C01CDF565}" type="slidenum">
               <a:rPr lang="en-US" smtClean="0"/>
               <a:pPr/>
-              <a:t>14</a:t>
+              <a:t>15</a:t>
             </a:fld>
             <a:endParaRPr lang="en-US" dirty="0"/>
           </a:p>
@@ -8140,7 +8330,7 @@
 </p:sld>
 </file>
 
-<file path=ppt/slides/slide16.xml><?xml version="1.0" encoding="utf-8"?>
+<file path=ppt/slides/slide17.xml><?xml version="1.0" encoding="utf-8"?>
 <p:sld xmlns:a="http://schemas.openxmlformats.org/drawingml/2006/main" xmlns:r="http://schemas.openxmlformats.org/officeDocument/2006/relationships" xmlns:p="http://schemas.openxmlformats.org/presentationml/2006/main">
   <p:cSld>
     <p:spTree>
@@ -9464,7 +9654,7 @@
             <a:fld id="{D57F1E4F-1CFF-5643-939E-217C01CDF565}" type="slidenum">
               <a:rPr lang="en-US" smtClean="0"/>
               <a:pPr/>
-              <a:t>15</a:t>
+              <a:t>16</a:t>
             </a:fld>
             <a:endParaRPr lang="en-US" dirty="0"/>
           </a:p>
@@ -9483,7 +9673,7 @@
 </p:sld>
 </file>
 
-<file path=ppt/slides/slide17.xml><?xml version="1.0" encoding="utf-8"?>
+<file path=ppt/slides/slide18.xml><?xml version="1.0" encoding="utf-8"?>
 <p:sld xmlns:a="http://schemas.openxmlformats.org/drawingml/2006/main" xmlns:r="http://schemas.openxmlformats.org/officeDocument/2006/relationships" xmlns:p="http://schemas.openxmlformats.org/presentationml/2006/main">
   <p:cSld>
     <p:spTree>
@@ -9560,7 +9750,7 @@
             <a:fld id="{D57F1E4F-1CFF-5643-939E-217C01CDF565}" type="slidenum">
               <a:rPr lang="en-US" smtClean="0"/>
               <a:pPr/>
-              <a:t>16</a:t>
+              <a:t>17</a:t>
             </a:fld>
             <a:endParaRPr lang="en-US" dirty="0"/>
           </a:p>
@@ -9579,7 +9769,7 @@
 </p:sld>
 </file>
 
-<file path=ppt/slides/slide18.xml><?xml version="1.0" encoding="utf-8"?>
+<file path=ppt/slides/slide19.xml><?xml version="1.0" encoding="utf-8"?>
 <p:sld xmlns:a="http://schemas.openxmlformats.org/drawingml/2006/main" xmlns:r="http://schemas.openxmlformats.org/officeDocument/2006/relationships" xmlns:p="http://schemas.openxmlformats.org/presentationml/2006/main">
   <p:cSld>
     <p:spTree>
@@ -9705,7 +9895,7 @@
             <a:fld id="{D57F1E4F-1CFF-5643-939E-217C01CDF565}" type="slidenum">
               <a:rPr lang="en-US" smtClean="0"/>
               <a:pPr/>
-              <a:t>17</a:t>
+              <a:t>18</a:t>
             </a:fld>
             <a:endParaRPr lang="en-US" dirty="0"/>
           </a:p>
@@ -10183,175 +10373,6 @@
 </p:sld>
 </file>
 
-<file path=ppt/slides/slide19.xml><?xml version="1.0" encoding="utf-8"?>
-<p:sld xmlns:a="http://schemas.openxmlformats.org/drawingml/2006/main" xmlns:r="http://schemas.openxmlformats.org/officeDocument/2006/relationships" xmlns:p="http://schemas.openxmlformats.org/presentationml/2006/main">
-  <p:cSld>
-    <p:spTree>
-      <p:nvGrpSpPr>
-        <p:cNvPr id="1" name=""/>
-        <p:cNvGrpSpPr/>
-        <p:nvPr/>
-      </p:nvGrpSpPr>
-      <p:grpSpPr>
-        <a:xfrm>
-          <a:off x="0" y="0"/>
-          <a:ext cx="0" cy="0"/>
-          <a:chOff x="0" y="0"/>
-          <a:chExt cx="0" cy="0"/>
-        </a:xfrm>
-      </p:grpSpPr>
-      <p:sp>
-        <p:nvSpPr>
-          <p:cNvPr id="2" name="Title 1">
-            <a:extLst>
-              <a:ext uri="{FF2B5EF4-FFF2-40B4-BE49-F238E27FC236}">
-                <a16:creationId xmlns:a16="http://schemas.microsoft.com/office/drawing/2014/main" id="{F4993369-50C1-4AFB-840B-BBE4E5D94E24}"/>
-              </a:ext>
-            </a:extLst>
-          </p:cNvPr>
-          <p:cNvSpPr>
-            <a:spLocks noGrp="1"/>
-          </p:cNvSpPr>
-          <p:nvPr>
-            <p:ph type="title"/>
-          </p:nvPr>
-        </p:nvSpPr>
-        <p:spPr/>
-        <p:txBody>
-          <a:bodyPr/>
-          <a:lstStyle/>
-          <a:p>
-            <a:r>
-              <a:rPr lang="en-US" dirty="0"/>
-              <a:t>Limitations of current design</a:t>
-            </a:r>
-          </a:p>
-        </p:txBody>
-      </p:sp>
-      <p:sp>
-        <p:nvSpPr>
-          <p:cNvPr id="3" name="Content Placeholder 2">
-            <a:extLst>
-              <a:ext uri="{FF2B5EF4-FFF2-40B4-BE49-F238E27FC236}">
-                <a16:creationId xmlns:a16="http://schemas.microsoft.com/office/drawing/2014/main" id="{0C4B97D2-6AA2-48BD-95BF-074FDBE2BF24}"/>
-              </a:ext>
-            </a:extLst>
-          </p:cNvPr>
-          <p:cNvSpPr>
-            <a:spLocks noGrp="1"/>
-          </p:cNvSpPr>
-          <p:nvPr>
-            <p:ph idx="1"/>
-          </p:nvPr>
-        </p:nvSpPr>
-        <p:spPr/>
-        <p:txBody>
-          <a:bodyPr/>
-          <a:lstStyle/>
-          <a:p>
-            <a:r>
-              <a:rPr lang="en-US" dirty="0"/>
-              <a:t>Works only for simple program structures:</a:t>
-            </a:r>
-          </a:p>
-          <a:p>
-            <a:pPr lvl="2"/>
-            <a:r>
-              <a:rPr lang="en-US" dirty="0"/>
-              <a:t>Read inputs, do some (serial) computations, write outputs</a:t>
-            </a:r>
-          </a:p>
-          <a:p>
-            <a:r>
-              <a:rPr lang="en-US" dirty="0"/>
-              <a:t>Lacks expressiveness for the user:</a:t>
-            </a:r>
-          </a:p>
-          <a:p>
-            <a:pPr lvl="2"/>
-            <a:r>
-              <a:rPr lang="en-US" dirty="0"/>
-              <a:t>The current design is rigid</a:t>
-            </a:r>
-          </a:p>
-          <a:p>
-            <a:pPr lvl="2"/>
-            <a:r>
-              <a:rPr lang="en-US" dirty="0"/>
-              <a:t>Tries to do too much in an automated way</a:t>
-            </a:r>
-          </a:p>
-          <a:p>
-            <a:pPr lvl="2"/>
-            <a:r>
-              <a:rPr lang="en-US" dirty="0"/>
-              <a:t>Need a way for the user of </a:t>
-            </a:r>
-            <a:r>
-              <a:rPr lang="en-US" dirty="0" err="1"/>
-              <a:t>Drasil</a:t>
-            </a:r>
-            <a:r>
-              <a:rPr lang="en-US" dirty="0"/>
-              <a:t> to specify the design of the code</a:t>
-            </a:r>
-          </a:p>
-          <a:p>
-            <a:pPr lvl="2"/>
-            <a:r>
-              <a:rPr lang="en-US" dirty="0">
-                <a:solidFill>
-                  <a:srgbClr val="00B0F0"/>
-                </a:solidFill>
-              </a:rPr>
-              <a:t>Design language</a:t>
-            </a:r>
-          </a:p>
-        </p:txBody>
-      </p:sp>
-      <p:sp>
-        <p:nvSpPr>
-          <p:cNvPr id="4" name="Slide Number Placeholder 3">
-            <a:extLst>
-              <a:ext uri="{FF2B5EF4-FFF2-40B4-BE49-F238E27FC236}">
-                <a16:creationId xmlns:a16="http://schemas.microsoft.com/office/drawing/2014/main" id="{FB556DD4-00E8-4901-9F85-AC9ACD99C0C1}"/>
-              </a:ext>
-            </a:extLst>
-          </p:cNvPr>
-          <p:cNvSpPr>
-            <a:spLocks noGrp="1"/>
-          </p:cNvSpPr>
-          <p:nvPr>
-            <p:ph type="sldNum" sz="quarter" idx="12"/>
-          </p:nvPr>
-        </p:nvSpPr>
-        <p:spPr/>
-        <p:txBody>
-          <a:bodyPr/>
-          <a:lstStyle/>
-          <a:p>
-            <a:fld id="{D57F1E4F-1CFF-5643-939E-217C01CDF565}" type="slidenum">
-              <a:rPr lang="en-US" smtClean="0"/>
-              <a:pPr/>
-              <a:t>18</a:t>
-            </a:fld>
-            <a:endParaRPr lang="en-US" dirty="0"/>
-          </a:p>
-        </p:txBody>
-      </p:sp>
-    </p:spTree>
-    <p:extLst>
-      <p:ext uri="{BB962C8B-B14F-4D97-AF65-F5344CB8AC3E}">
-        <p14:creationId xmlns:p14="http://schemas.microsoft.com/office/powerpoint/2010/main" val="2244160460"/>
-      </p:ext>
-    </p:extLst>
-  </p:cSld>
-  <p:clrMapOvr>
-    <a:masterClrMapping/>
-  </p:clrMapOvr>
-</p:sld>
-</file>
-
 <file path=ppt/slides/slide2.xml><?xml version="1.0" encoding="utf-8"?>
 <p:sld xmlns:a="http://schemas.openxmlformats.org/drawingml/2006/main" xmlns:r="http://schemas.openxmlformats.org/officeDocument/2006/relationships" xmlns:p="http://schemas.openxmlformats.org/presentationml/2006/main">
   <p:cSld>
@@ -10468,6 +10489,175 @@
 </file>
 
 <file path=ppt/slides/slide20.xml><?xml version="1.0" encoding="utf-8"?>
+<p:sld xmlns:a="http://schemas.openxmlformats.org/drawingml/2006/main" xmlns:r="http://schemas.openxmlformats.org/officeDocument/2006/relationships" xmlns:p="http://schemas.openxmlformats.org/presentationml/2006/main">
+  <p:cSld>
+    <p:spTree>
+      <p:nvGrpSpPr>
+        <p:cNvPr id="1" name=""/>
+        <p:cNvGrpSpPr/>
+        <p:nvPr/>
+      </p:nvGrpSpPr>
+      <p:grpSpPr>
+        <a:xfrm>
+          <a:off x="0" y="0"/>
+          <a:ext cx="0" cy="0"/>
+          <a:chOff x="0" y="0"/>
+          <a:chExt cx="0" cy="0"/>
+        </a:xfrm>
+      </p:grpSpPr>
+      <p:sp>
+        <p:nvSpPr>
+          <p:cNvPr id="2" name="Title 1">
+            <a:extLst>
+              <a:ext uri="{FF2B5EF4-FFF2-40B4-BE49-F238E27FC236}">
+                <a16:creationId xmlns:a16="http://schemas.microsoft.com/office/drawing/2014/main" id="{F4993369-50C1-4AFB-840B-BBE4E5D94E24}"/>
+              </a:ext>
+            </a:extLst>
+          </p:cNvPr>
+          <p:cNvSpPr>
+            <a:spLocks noGrp="1"/>
+          </p:cNvSpPr>
+          <p:nvPr>
+            <p:ph type="title"/>
+          </p:nvPr>
+        </p:nvSpPr>
+        <p:spPr/>
+        <p:txBody>
+          <a:bodyPr/>
+          <a:lstStyle/>
+          <a:p>
+            <a:r>
+              <a:rPr lang="en-US" dirty="0"/>
+              <a:t>Limitations of current design</a:t>
+            </a:r>
+          </a:p>
+        </p:txBody>
+      </p:sp>
+      <p:sp>
+        <p:nvSpPr>
+          <p:cNvPr id="3" name="Content Placeholder 2">
+            <a:extLst>
+              <a:ext uri="{FF2B5EF4-FFF2-40B4-BE49-F238E27FC236}">
+                <a16:creationId xmlns:a16="http://schemas.microsoft.com/office/drawing/2014/main" id="{0C4B97D2-6AA2-48BD-95BF-074FDBE2BF24}"/>
+              </a:ext>
+            </a:extLst>
+          </p:cNvPr>
+          <p:cNvSpPr>
+            <a:spLocks noGrp="1"/>
+          </p:cNvSpPr>
+          <p:nvPr>
+            <p:ph idx="1"/>
+          </p:nvPr>
+        </p:nvSpPr>
+        <p:spPr/>
+        <p:txBody>
+          <a:bodyPr/>
+          <a:lstStyle/>
+          <a:p>
+            <a:r>
+              <a:rPr lang="en-US" dirty="0"/>
+              <a:t>Works only for simple program structures:</a:t>
+            </a:r>
+          </a:p>
+          <a:p>
+            <a:pPr lvl="2"/>
+            <a:r>
+              <a:rPr lang="en-US" dirty="0"/>
+              <a:t>Read inputs, do some (serial) computations, write outputs</a:t>
+            </a:r>
+          </a:p>
+          <a:p>
+            <a:r>
+              <a:rPr lang="en-US" dirty="0"/>
+              <a:t>Lacks expressiveness for the user:</a:t>
+            </a:r>
+          </a:p>
+          <a:p>
+            <a:pPr lvl="2"/>
+            <a:r>
+              <a:rPr lang="en-US" dirty="0"/>
+              <a:t>The current design is rigid</a:t>
+            </a:r>
+          </a:p>
+          <a:p>
+            <a:pPr lvl="2"/>
+            <a:r>
+              <a:rPr lang="en-US" dirty="0"/>
+              <a:t>Tries to do too much in an automated way</a:t>
+            </a:r>
+          </a:p>
+          <a:p>
+            <a:pPr lvl="2"/>
+            <a:r>
+              <a:rPr lang="en-US" dirty="0"/>
+              <a:t>Need a way for the user of </a:t>
+            </a:r>
+            <a:r>
+              <a:rPr lang="en-US" dirty="0" err="1"/>
+              <a:t>Drasil</a:t>
+            </a:r>
+            <a:r>
+              <a:rPr lang="en-US" dirty="0"/>
+              <a:t> to specify the design of the code</a:t>
+            </a:r>
+          </a:p>
+          <a:p>
+            <a:pPr lvl="2"/>
+            <a:r>
+              <a:rPr lang="en-US" dirty="0">
+                <a:solidFill>
+                  <a:srgbClr val="00B0F0"/>
+                </a:solidFill>
+              </a:rPr>
+              <a:t>Design language</a:t>
+            </a:r>
+          </a:p>
+        </p:txBody>
+      </p:sp>
+      <p:sp>
+        <p:nvSpPr>
+          <p:cNvPr id="4" name="Slide Number Placeholder 3">
+            <a:extLst>
+              <a:ext uri="{FF2B5EF4-FFF2-40B4-BE49-F238E27FC236}">
+                <a16:creationId xmlns:a16="http://schemas.microsoft.com/office/drawing/2014/main" id="{FB556DD4-00E8-4901-9F85-AC9ACD99C0C1}"/>
+              </a:ext>
+            </a:extLst>
+          </p:cNvPr>
+          <p:cNvSpPr>
+            <a:spLocks noGrp="1"/>
+          </p:cNvSpPr>
+          <p:nvPr>
+            <p:ph type="sldNum" sz="quarter" idx="12"/>
+          </p:nvPr>
+        </p:nvSpPr>
+        <p:spPr/>
+        <p:txBody>
+          <a:bodyPr/>
+          <a:lstStyle/>
+          <a:p>
+            <a:fld id="{D57F1E4F-1CFF-5643-939E-217C01CDF565}" type="slidenum">
+              <a:rPr lang="en-US" smtClean="0"/>
+              <a:pPr/>
+              <a:t>19</a:t>
+            </a:fld>
+            <a:endParaRPr lang="en-US" dirty="0"/>
+          </a:p>
+        </p:txBody>
+      </p:sp>
+    </p:spTree>
+    <p:extLst>
+      <p:ext uri="{BB962C8B-B14F-4D97-AF65-F5344CB8AC3E}">
+        <p14:creationId xmlns:p14="http://schemas.microsoft.com/office/powerpoint/2010/main" val="2244160460"/>
+      </p:ext>
+    </p:extLst>
+  </p:cSld>
+  <p:clrMapOvr>
+    <a:masterClrMapping/>
+  </p:clrMapOvr>
+</p:sld>
+</file>
+
+<file path=ppt/slides/slide21.xml><?xml version="1.0" encoding="utf-8"?>
 <p:sld xmlns:a="http://schemas.openxmlformats.org/drawingml/2006/main" xmlns:r="http://schemas.openxmlformats.org/officeDocument/2006/relationships" xmlns:p="http://schemas.openxmlformats.org/presentationml/2006/main">
   <p:cSld>
     <p:spTree>
@@ -10609,7 +10799,7 @@
             <a:fld id="{D57F1E4F-1CFF-5643-939E-217C01CDF565}" type="slidenum">
               <a:rPr lang="en-US" smtClean="0"/>
               <a:pPr/>
-              <a:t>19</a:t>
+              <a:t>20</a:t>
             </a:fld>
             <a:endParaRPr lang="en-US" dirty="0"/>
           </a:p>
@@ -11335,7 +11525,7 @@
 </p:sld>
 </file>
 
-<file path=ppt/slides/slide21.xml><?xml version="1.0" encoding="utf-8"?>
+<file path=ppt/slides/slide22.xml><?xml version="1.0" encoding="utf-8"?>
 <p:sld xmlns:a="http://schemas.openxmlformats.org/drawingml/2006/main" xmlns:r="http://schemas.openxmlformats.org/officeDocument/2006/relationships" xmlns:p="http://schemas.openxmlformats.org/presentationml/2006/main">
   <p:cSld>
     <p:spTree>
@@ -11503,6 +11693,110 @@
       </p:grpSpPr>
       <p:sp>
         <p:nvSpPr>
+          <p:cNvPr id="3" name="Title 2">
+            <a:extLst>
+              <a:ext uri="{FF2B5EF4-FFF2-40B4-BE49-F238E27FC236}">
+                <a16:creationId xmlns:a16="http://schemas.microsoft.com/office/drawing/2014/main" id="{AB282A20-7BF2-472F-9D25-935CAD5AE828}"/>
+              </a:ext>
+            </a:extLst>
+          </p:cNvPr>
+          <p:cNvSpPr>
+            <a:spLocks noGrp="1"/>
+          </p:cNvSpPr>
+          <p:nvPr>
+            <p:ph type="title"/>
+          </p:nvPr>
+        </p:nvSpPr>
+        <p:spPr/>
+        <p:txBody>
+          <a:bodyPr/>
+          <a:lstStyle/>
+          <a:p>
+            <a:r>
+              <a:rPr lang="en-US" dirty="0"/>
+              <a:t>Design Approach</a:t>
+            </a:r>
+          </a:p>
+        </p:txBody>
+      </p:sp>
+      <p:sp>
+        <p:nvSpPr>
+          <p:cNvPr id="4" name="Content Placeholder 3">
+            <a:extLst>
+              <a:ext uri="{FF2B5EF4-FFF2-40B4-BE49-F238E27FC236}">
+                <a16:creationId xmlns:a16="http://schemas.microsoft.com/office/drawing/2014/main" id="{60FA2793-6C15-4458-BC8D-A7DED95A631A}"/>
+              </a:ext>
+            </a:extLst>
+          </p:cNvPr>
+          <p:cNvSpPr>
+            <a:spLocks noGrp="1"/>
+          </p:cNvSpPr>
+          <p:nvPr>
+            <p:ph idx="1"/>
+          </p:nvPr>
+        </p:nvSpPr>
+        <p:spPr/>
+        <p:txBody>
+          <a:bodyPr/>
+          <a:lstStyle/>
+          <a:p>
+            <a:r>
+              <a:rPr lang="en-US" dirty="0"/>
+              <a:t>Small case study used to guide the development of code generation </a:t>
+            </a:r>
+          </a:p>
+          <a:p>
+            <a:endParaRPr lang="en-US" dirty="0"/>
+          </a:p>
+          <a:p>
+            <a:r>
+              <a:rPr lang="en-US" dirty="0"/>
+              <a:t>Designed bottom-up rather than top-down:  using case study, features added as necessary </a:t>
+            </a:r>
+          </a:p>
+          <a:p>
+            <a:endParaRPr lang="en-US" dirty="0"/>
+          </a:p>
+          <a:p>
+            <a:r>
+              <a:rPr lang="en-US" dirty="0"/>
+              <a:t>Current design based on a “code specification” + set of choices</a:t>
+            </a:r>
+          </a:p>
+        </p:txBody>
+      </p:sp>
+    </p:spTree>
+    <p:extLst>
+      <p:ext uri="{BB962C8B-B14F-4D97-AF65-F5344CB8AC3E}">
+        <p14:creationId xmlns:p14="http://schemas.microsoft.com/office/powerpoint/2010/main" val="1030820667"/>
+      </p:ext>
+    </p:extLst>
+  </p:cSld>
+  <p:clrMapOvr>
+    <a:masterClrMapping/>
+  </p:clrMapOvr>
+</p:sld>
+</file>
+
+<file path=ppt/slides/slide5.xml><?xml version="1.0" encoding="utf-8"?>
+<p:sld xmlns:a="http://schemas.openxmlformats.org/drawingml/2006/main" xmlns:r="http://schemas.openxmlformats.org/officeDocument/2006/relationships" xmlns:p="http://schemas.openxmlformats.org/presentationml/2006/main">
+  <p:cSld>
+    <p:spTree>
+      <p:nvGrpSpPr>
+        <p:cNvPr id="1" name=""/>
+        <p:cNvGrpSpPr/>
+        <p:nvPr/>
+      </p:nvGrpSpPr>
+      <p:grpSpPr>
+        <a:xfrm>
+          <a:off x="0" y="0"/>
+          <a:ext cx="0" cy="0"/>
+          <a:chOff x="0" y="0"/>
+          <a:chExt cx="0" cy="0"/>
+        </a:xfrm>
+      </p:grpSpPr>
+      <p:sp>
+        <p:nvSpPr>
           <p:cNvPr id="2" name="Title 1">
             <a:extLst>
               <a:ext uri="{FF2B5EF4-FFF2-40B4-BE49-F238E27FC236}">
@@ -11553,7 +11847,7 @@
             <a:fld id="{D57F1E4F-1CFF-5643-939E-217C01CDF565}" type="slidenum">
               <a:rPr lang="en-US" smtClean="0"/>
               <a:pPr/>
-              <a:t>3</a:t>
+              <a:t>4</a:t>
             </a:fld>
             <a:endParaRPr lang="en-US" dirty="0"/>
           </a:p>
@@ -11668,7 +11962,7 @@
 </p:sld>
 </file>
 
-<file path=ppt/slides/slide5.xml><?xml version="1.0" encoding="utf-8"?>
+<file path=ppt/slides/slide6.xml><?xml version="1.0" encoding="utf-8"?>
 <p:sld xmlns:a="http://schemas.openxmlformats.org/drawingml/2006/main" xmlns:r="http://schemas.openxmlformats.org/officeDocument/2006/relationships" xmlns:p="http://schemas.openxmlformats.org/presentationml/2006/main">
   <p:cSld>
     <p:spTree>
@@ -11737,7 +12031,7 @@
             <a:fld id="{D57F1E4F-1CFF-5643-939E-217C01CDF565}" type="slidenum">
               <a:rPr lang="en-US" smtClean="0"/>
               <a:pPr/>
-              <a:t>4</a:t>
+              <a:t>5</a:t>
             </a:fld>
             <a:endParaRPr lang="en-US" dirty="0"/>
           </a:p>
@@ -11843,7 +12137,7 @@
 </p:sld>
 </file>
 
-<file path=ppt/slides/slide6.xml><?xml version="1.0" encoding="utf-8"?>
+<file path=ppt/slides/slide7.xml><?xml version="1.0" encoding="utf-8"?>
 <p:sld xmlns:a="http://schemas.openxmlformats.org/drawingml/2006/main" xmlns:r="http://schemas.openxmlformats.org/officeDocument/2006/relationships" xmlns:p="http://schemas.openxmlformats.org/presentationml/2006/main">
   <p:cSld>
     <p:spTree>
@@ -11974,7 +12268,7 @@
             <a:fld id="{D57F1E4F-1CFF-5643-939E-217C01CDF565}" type="slidenum">
               <a:rPr lang="en-US" smtClean="0"/>
               <a:pPr/>
-              <a:t>5</a:t>
+              <a:t>6</a:t>
             </a:fld>
             <a:endParaRPr lang="en-US" dirty="0"/>
           </a:p>
@@ -11993,7 +12287,7 @@
 </p:sld>
 </file>
 
-<file path=ppt/slides/slide7.xml><?xml version="1.0" encoding="utf-8"?>
+<file path=ppt/slides/slide8.xml><?xml version="1.0" encoding="utf-8"?>
 <p:sld xmlns:a="http://schemas.openxmlformats.org/drawingml/2006/main" xmlns:r="http://schemas.openxmlformats.org/officeDocument/2006/relationships" xmlns:p="http://schemas.openxmlformats.org/presentationml/2006/main">
   <p:cSld>
     <p:spTree>
@@ -12119,7 +12413,7 @@
             <a:fld id="{D57F1E4F-1CFF-5643-939E-217C01CDF565}" type="slidenum">
               <a:rPr lang="en-US" smtClean="0"/>
               <a:pPr/>
-              <a:t>6</a:t>
+              <a:t>7</a:t>
             </a:fld>
             <a:endParaRPr lang="en-US" dirty="0"/>
           </a:p>
@@ -12597,7 +12891,7 @@
 </p:sld>
 </file>
 
-<file path=ppt/slides/slide8.xml><?xml version="1.0" encoding="utf-8"?>
+<file path=ppt/slides/slide9.xml><?xml version="1.0" encoding="utf-8"?>
 <p:sld xmlns:a="http://schemas.openxmlformats.org/drawingml/2006/main" xmlns:r="http://schemas.openxmlformats.org/officeDocument/2006/relationships" xmlns:p="http://schemas.openxmlformats.org/presentationml/2006/main">
   <p:cSld>
     <p:spTree>
@@ -12674,7 +12968,7 @@
             <a:fld id="{D57F1E4F-1CFF-5643-939E-217C01CDF565}" type="slidenum">
               <a:rPr lang="en-US" smtClean="0"/>
               <a:pPr/>
-              <a:t>7</a:t>
+              <a:t>8</a:t>
             </a:fld>
             <a:endParaRPr lang="en-US" dirty="0"/>
           </a:p>
@@ -12684,195 +12978,6 @@
     <p:extLst>
       <p:ext uri="{BB962C8B-B14F-4D97-AF65-F5344CB8AC3E}">
         <p14:creationId xmlns:p14="http://schemas.microsoft.com/office/powerpoint/2010/main" val="1461927608"/>
-      </p:ext>
-    </p:extLst>
-  </p:cSld>
-  <p:clrMapOvr>
-    <a:masterClrMapping/>
-  </p:clrMapOvr>
-</p:sld>
-</file>
-
-<file path=ppt/slides/slide9.xml><?xml version="1.0" encoding="utf-8"?>
-<p:sld xmlns:a="http://schemas.openxmlformats.org/drawingml/2006/main" xmlns:r="http://schemas.openxmlformats.org/officeDocument/2006/relationships" xmlns:p="http://schemas.openxmlformats.org/presentationml/2006/main">
-  <p:cSld>
-    <p:spTree>
-      <p:nvGrpSpPr>
-        <p:cNvPr id="1" name=""/>
-        <p:cNvGrpSpPr/>
-        <p:nvPr/>
-      </p:nvGrpSpPr>
-      <p:grpSpPr>
-        <a:xfrm>
-          <a:off x="0" y="0"/>
-          <a:ext cx="0" cy="0"/>
-          <a:chOff x="0" y="0"/>
-          <a:chExt cx="0" cy="0"/>
-        </a:xfrm>
-      </p:grpSpPr>
-      <p:sp>
-        <p:nvSpPr>
-          <p:cNvPr id="2" name="Title 1">
-            <a:extLst>
-              <a:ext uri="{FF2B5EF4-FFF2-40B4-BE49-F238E27FC236}">
-                <a16:creationId xmlns:a16="http://schemas.microsoft.com/office/drawing/2014/main" id="{6EECDBDE-74B2-479D-92D4-F9FF28E23439}"/>
-              </a:ext>
-            </a:extLst>
-          </p:cNvPr>
-          <p:cNvSpPr>
-            <a:spLocks noGrp="1"/>
-          </p:cNvSpPr>
-          <p:nvPr>
-            <p:ph type="title"/>
-          </p:nvPr>
-        </p:nvSpPr>
-        <p:spPr/>
-        <p:txBody>
-          <a:bodyPr/>
-          <a:lstStyle/>
-          <a:p>
-            <a:r>
-              <a:rPr lang="en-US" dirty="0" err="1"/>
-              <a:t>GlassBR</a:t>
-            </a:r>
-            <a:r>
-              <a:rPr lang="en-US" dirty="0"/>
-              <a:t> Case Study</a:t>
-            </a:r>
-          </a:p>
-        </p:txBody>
-      </p:sp>
-      <p:sp>
-        <p:nvSpPr>
-          <p:cNvPr id="3" name="Content Placeholder 2">
-            <a:extLst>
-              <a:ext uri="{FF2B5EF4-FFF2-40B4-BE49-F238E27FC236}">
-                <a16:creationId xmlns:a16="http://schemas.microsoft.com/office/drawing/2014/main" id="{8667FE76-3AD4-43FB-9FDB-93327206E73D}"/>
-              </a:ext>
-            </a:extLst>
-          </p:cNvPr>
-          <p:cNvSpPr>
-            <a:spLocks noGrp="1"/>
-          </p:cNvSpPr>
-          <p:nvPr>
-            <p:ph idx="1"/>
-          </p:nvPr>
-        </p:nvSpPr>
-        <p:spPr/>
-        <p:txBody>
-          <a:bodyPr/>
-          <a:lstStyle/>
-          <a:p>
-            <a:r>
-              <a:rPr lang="en-US" dirty="0" err="1"/>
-              <a:t>GlassBR</a:t>
-            </a:r>
-            <a:r>
-              <a:rPr lang="en-US" dirty="0"/>
-              <a:t>:</a:t>
-            </a:r>
-          </a:p>
-          <a:p>
-            <a:pPr lvl="2"/>
-            <a:r>
-              <a:rPr lang="en-US" dirty="0"/>
-              <a:t>Computes whether a given plate of glass will resist a blast force </a:t>
-            </a:r>
-          </a:p>
-          <a:p>
-            <a:pPr lvl="2"/>
-            <a:r>
-              <a:rPr lang="en-US" dirty="0"/>
-              <a:t>Small:  ~200 lines</a:t>
-            </a:r>
-          </a:p>
-          <a:p>
-            <a:pPr lvl="2"/>
-            <a:r>
-              <a:rPr lang="en-US" dirty="0"/>
-              <a:t>Simple:  Input -&gt; Calculations -&gt; Output</a:t>
-            </a:r>
-          </a:p>
-          <a:p>
-            <a:pPr lvl="2"/>
-            <a:r>
-              <a:rPr lang="en-US" dirty="0"/>
-              <a:t>Good starting point for developing code generation in </a:t>
-            </a:r>
-            <a:r>
-              <a:rPr lang="en-US" dirty="0" err="1"/>
-              <a:t>Drasil</a:t>
-            </a:r>
-            <a:endParaRPr lang="en-US" dirty="0"/>
-          </a:p>
-          <a:p>
-            <a:pPr lvl="2"/>
-            <a:endParaRPr lang="en-US" dirty="0"/>
-          </a:p>
-          <a:p>
-            <a:r>
-              <a:rPr lang="en-US" dirty="0"/>
-              <a:t>Currently able to generate complete working code for </a:t>
-            </a:r>
-            <a:r>
-              <a:rPr lang="en-US" dirty="0" err="1"/>
-              <a:t>GlassBR</a:t>
-            </a:r>
-            <a:endParaRPr lang="en-US" dirty="0"/>
-          </a:p>
-          <a:p>
-            <a:pPr lvl="2"/>
-            <a:r>
-              <a:rPr lang="en-US" dirty="0"/>
-              <a:t>C++, C#, Java, and Python!</a:t>
-            </a:r>
-          </a:p>
-          <a:p>
-            <a:pPr marL="0" indent="0">
-              <a:buNone/>
-            </a:pPr>
-            <a:endParaRPr lang="en-US" dirty="0"/>
-          </a:p>
-          <a:p>
-            <a:pPr lvl="2"/>
-            <a:endParaRPr lang="en-US" dirty="0"/>
-          </a:p>
-        </p:txBody>
-      </p:sp>
-      <p:sp>
-        <p:nvSpPr>
-          <p:cNvPr id="4" name="Slide Number Placeholder 3">
-            <a:extLst>
-              <a:ext uri="{FF2B5EF4-FFF2-40B4-BE49-F238E27FC236}">
-                <a16:creationId xmlns:a16="http://schemas.microsoft.com/office/drawing/2014/main" id="{4022A9A1-DCF7-4CF1-A6D7-67750FD6357F}"/>
-              </a:ext>
-            </a:extLst>
-          </p:cNvPr>
-          <p:cNvSpPr>
-            <a:spLocks noGrp="1"/>
-          </p:cNvSpPr>
-          <p:nvPr>
-            <p:ph type="sldNum" sz="quarter" idx="12"/>
-          </p:nvPr>
-        </p:nvSpPr>
-        <p:spPr/>
-        <p:txBody>
-          <a:bodyPr/>
-          <a:lstStyle/>
-          <a:p>
-            <a:fld id="{D57F1E4F-1CFF-5643-939E-217C01CDF565}" type="slidenum">
-              <a:rPr lang="en-US" smtClean="0"/>
-              <a:pPr/>
-              <a:t>8</a:t>
-            </a:fld>
-            <a:endParaRPr lang="en-US" dirty="0"/>
-          </a:p>
-        </p:txBody>
-      </p:sp>
-    </p:spTree>
-    <p:extLst>
-      <p:ext uri="{BB962C8B-B14F-4D97-AF65-F5344CB8AC3E}">
-        <p14:creationId xmlns:p14="http://schemas.microsoft.com/office/powerpoint/2010/main" val="2633479241"/>
       </p:ext>
     </p:extLst>
   </p:cSld>
